--- a/TPL - May 10 - Updated Mehreen - Faisal.pptx
+++ b/TPL - May 10 - Updated Mehreen - Faisal.pptx
@@ -5,7 +5,7 @@
     <p:sldMasterId id="2147483648" r:id="rId1"/>
   </p:sldMasterIdLst>
   <p:notesMasterIdLst>
-    <p:notesMasterId r:id="rId33"/>
+    <p:notesMasterId r:id="rId39"/>
   </p:notesMasterIdLst>
   <p:sldIdLst>
     <p:sldId id="257" r:id="rId2"/>
@@ -39,6 +39,12 @@
     <p:sldId id="283" r:id="rId30"/>
     <p:sldId id="284" r:id="rId31"/>
     <p:sldId id="289" r:id="rId32"/>
+    <p:sldId id="292" r:id="rId33"/>
+    <p:sldId id="295" r:id="rId34"/>
+    <p:sldId id="294" r:id="rId35"/>
+    <p:sldId id="293" r:id="rId36"/>
+    <p:sldId id="297" r:id="rId37"/>
+    <p:sldId id="298" r:id="rId38"/>
   </p:sldIdLst>
   <p:sldSz cx="12192000" cy="6858000"/>
   <p:notesSz cx="6858000" cy="9144000"/>
@@ -139,7 +145,7 @@
   </p:defaultTextStyle>
   <p:extLst>
     <p:ext uri="{EFAFB233-063F-42B5-8137-9DF3F51BA10A}">
-      <p15:sldGuideLst xmlns:p15="http://schemas.microsoft.com/office/powerpoint/2012/main" xmlns="">
+      <p15:sldGuideLst xmlns:p15="http://schemas.microsoft.com/office/powerpoint/2012/main">
         <p15:guide id="1" orient="horz" pos="2183" userDrawn="1">
           <p15:clr>
             <a:srgbClr val="A4A3A4"/>
@@ -406,6 +412,11 @@
         </p:txBody>
       </p:sp>
     </p:spTree>
+    <p:extLst>
+      <p:ext uri="{BB962C8B-B14F-4D97-AF65-F5344CB8AC3E}">
+        <p14:creationId xmlns:p14="http://schemas.microsoft.com/office/powerpoint/2010/main" val="476520948"/>
+      </p:ext>
+    </p:extLst>
   </p:cSld>
   <p:clrMap bg1="lt1" tx1="dk1" bg2="lt2" tx2="dk2" accent1="accent1" accent2="accent2" accent3="accent3" accent4="accent4" accent5="accent5" accent6="accent6" hlink="hlink" folHlink="folHlink"/>
   <p:notesStyle>
@@ -606,6 +617,11 @@
         </p:txBody>
       </p:sp>
     </p:spTree>
+    <p:extLst>
+      <p:ext uri="{BB962C8B-B14F-4D97-AF65-F5344CB8AC3E}">
+        <p14:creationId xmlns:p14="http://schemas.microsoft.com/office/powerpoint/2010/main" val="325559326"/>
+      </p:ext>
+    </p:extLst>
   </p:cSld>
   <p:clrMapOvr>
     <a:masterClrMapping/>
@@ -724,6 +740,11 @@
         </p:txBody>
       </p:sp>
     </p:spTree>
+    <p:extLst>
+      <p:ext uri="{BB962C8B-B14F-4D97-AF65-F5344CB8AC3E}">
+        <p14:creationId xmlns:p14="http://schemas.microsoft.com/office/powerpoint/2010/main" val="966340351"/>
+      </p:ext>
+    </p:extLst>
   </p:cSld>
   <p:clrMapOvr>
     <a:masterClrMapping/>
@@ -863,7 +884,7 @@
             <a:fld id="{A385A9BF-D7E2-4163-AA3F-929274706EFA}" type="datetimeFigureOut">
               <a:rPr lang="en-US" smtClean="0"/>
               <a:pPr/>
-              <a:t>5/9/2018</a:t>
+              <a:t>5/10/2018</a:t>
             </a:fld>
             <a:endParaRPr lang="en-US"/>
           </a:p>
@@ -915,7 +936,7 @@
     </p:spTree>
     <p:extLst>
       <p:ext uri="{BB962C8B-B14F-4D97-AF65-F5344CB8AC3E}">
-        <p14:creationId xmlns:p14="http://schemas.microsoft.com/office/powerpoint/2010/main" xmlns="" val="1036419815"/>
+        <p14:creationId xmlns:p14="http://schemas.microsoft.com/office/powerpoint/2010/main" val="1036419815"/>
       </p:ext>
     </p:extLst>
   </p:cSld>
@@ -1035,7 +1056,7 @@
             <a:fld id="{A385A9BF-D7E2-4163-AA3F-929274706EFA}" type="datetimeFigureOut">
               <a:rPr lang="en-US" smtClean="0"/>
               <a:pPr/>
-              <a:t>5/9/2018</a:t>
+              <a:t>5/10/2018</a:t>
             </a:fld>
             <a:endParaRPr lang="en-US"/>
           </a:p>
@@ -1087,7 +1108,7 @@
     </p:spTree>
     <p:extLst>
       <p:ext uri="{BB962C8B-B14F-4D97-AF65-F5344CB8AC3E}">
-        <p14:creationId xmlns:p14="http://schemas.microsoft.com/office/powerpoint/2010/main" xmlns="" val="2266141377"/>
+        <p14:creationId xmlns:p14="http://schemas.microsoft.com/office/powerpoint/2010/main" val="2266141377"/>
       </p:ext>
     </p:extLst>
   </p:cSld>
@@ -1217,7 +1238,7 @@
             <a:fld id="{A385A9BF-D7E2-4163-AA3F-929274706EFA}" type="datetimeFigureOut">
               <a:rPr lang="en-US" smtClean="0"/>
               <a:pPr/>
-              <a:t>5/9/2018</a:t>
+              <a:t>5/10/2018</a:t>
             </a:fld>
             <a:endParaRPr lang="en-US"/>
           </a:p>
@@ -1269,7 +1290,7 @@
     </p:spTree>
     <p:extLst>
       <p:ext uri="{BB962C8B-B14F-4D97-AF65-F5344CB8AC3E}">
-        <p14:creationId xmlns:p14="http://schemas.microsoft.com/office/powerpoint/2010/main" xmlns="" val="887082690"/>
+        <p14:creationId xmlns:p14="http://schemas.microsoft.com/office/powerpoint/2010/main" val="887082690"/>
       </p:ext>
     </p:extLst>
   </p:cSld>
@@ -1389,7 +1410,7 @@
             <a:fld id="{A385A9BF-D7E2-4163-AA3F-929274706EFA}" type="datetimeFigureOut">
               <a:rPr lang="en-US" smtClean="0"/>
               <a:pPr/>
-              <a:t>5/9/2018</a:t>
+              <a:t>5/10/2018</a:t>
             </a:fld>
             <a:endParaRPr lang="en-US"/>
           </a:p>
@@ -1441,7 +1462,7 @@
     </p:spTree>
     <p:extLst>
       <p:ext uri="{BB962C8B-B14F-4D97-AF65-F5344CB8AC3E}">
-        <p14:creationId xmlns:p14="http://schemas.microsoft.com/office/powerpoint/2010/main" xmlns="" val="1821235297"/>
+        <p14:creationId xmlns:p14="http://schemas.microsoft.com/office/powerpoint/2010/main" val="1821235297"/>
       </p:ext>
     </p:extLst>
   </p:cSld>
@@ -1637,7 +1658,7 @@
             <a:fld id="{A385A9BF-D7E2-4163-AA3F-929274706EFA}" type="datetimeFigureOut">
               <a:rPr lang="en-US" smtClean="0"/>
               <a:pPr/>
-              <a:t>5/9/2018</a:t>
+              <a:t>5/10/2018</a:t>
             </a:fld>
             <a:endParaRPr lang="en-US"/>
           </a:p>
@@ -1689,7 +1710,7 @@
     </p:spTree>
     <p:extLst>
       <p:ext uri="{BB962C8B-B14F-4D97-AF65-F5344CB8AC3E}">
-        <p14:creationId xmlns:p14="http://schemas.microsoft.com/office/powerpoint/2010/main" xmlns="" val="4019759626"/>
+        <p14:creationId xmlns:p14="http://schemas.microsoft.com/office/powerpoint/2010/main" val="4019759626"/>
       </p:ext>
     </p:extLst>
   </p:cSld>
@@ -1871,7 +1892,7 @@
             <a:fld id="{A385A9BF-D7E2-4163-AA3F-929274706EFA}" type="datetimeFigureOut">
               <a:rPr lang="en-US" smtClean="0"/>
               <a:pPr/>
-              <a:t>5/9/2018</a:t>
+              <a:t>5/10/2018</a:t>
             </a:fld>
             <a:endParaRPr lang="en-US"/>
           </a:p>
@@ -1923,7 +1944,7 @@
     </p:spTree>
     <p:extLst>
       <p:ext uri="{BB962C8B-B14F-4D97-AF65-F5344CB8AC3E}">
-        <p14:creationId xmlns:p14="http://schemas.microsoft.com/office/powerpoint/2010/main" xmlns="" val="3821348098"/>
+        <p14:creationId xmlns:p14="http://schemas.microsoft.com/office/powerpoint/2010/main" val="3821348098"/>
       </p:ext>
     </p:extLst>
   </p:cSld>
@@ -2240,7 +2261,7 @@
             <a:fld id="{A385A9BF-D7E2-4163-AA3F-929274706EFA}" type="datetimeFigureOut">
               <a:rPr lang="en-US" smtClean="0"/>
               <a:pPr/>
-              <a:t>5/9/2018</a:t>
+              <a:t>5/10/2018</a:t>
             </a:fld>
             <a:endParaRPr lang="en-US"/>
           </a:p>
@@ -2292,7 +2313,7 @@
     </p:spTree>
     <p:extLst>
       <p:ext uri="{BB962C8B-B14F-4D97-AF65-F5344CB8AC3E}">
-        <p14:creationId xmlns:p14="http://schemas.microsoft.com/office/powerpoint/2010/main" xmlns="" val="2436993422"/>
+        <p14:creationId xmlns:p14="http://schemas.microsoft.com/office/powerpoint/2010/main" val="2436993422"/>
       </p:ext>
     </p:extLst>
   </p:cSld>
@@ -2360,7 +2381,7 @@
             <a:fld id="{A385A9BF-D7E2-4163-AA3F-929274706EFA}" type="datetimeFigureOut">
               <a:rPr lang="en-US" smtClean="0"/>
               <a:pPr/>
-              <a:t>5/9/2018</a:t>
+              <a:t>5/10/2018</a:t>
             </a:fld>
             <a:endParaRPr lang="en-US"/>
           </a:p>
@@ -2412,7 +2433,7 @@
     </p:spTree>
     <p:extLst>
       <p:ext uri="{BB962C8B-B14F-4D97-AF65-F5344CB8AC3E}">
-        <p14:creationId xmlns:p14="http://schemas.microsoft.com/office/powerpoint/2010/main" xmlns="" val="2187185657"/>
+        <p14:creationId xmlns:p14="http://schemas.microsoft.com/office/powerpoint/2010/main" val="2187185657"/>
       </p:ext>
     </p:extLst>
   </p:cSld>
@@ -2457,7 +2478,7 @@
             <a:fld id="{A385A9BF-D7E2-4163-AA3F-929274706EFA}" type="datetimeFigureOut">
               <a:rPr lang="en-US" smtClean="0"/>
               <a:pPr/>
-              <a:t>5/9/2018</a:t>
+              <a:t>5/10/2018</a:t>
             </a:fld>
             <a:endParaRPr lang="en-US"/>
           </a:p>
@@ -2509,7 +2530,7 @@
     </p:spTree>
     <p:extLst>
       <p:ext uri="{BB962C8B-B14F-4D97-AF65-F5344CB8AC3E}">
-        <p14:creationId xmlns:p14="http://schemas.microsoft.com/office/powerpoint/2010/main" xmlns="" val="1881414917"/>
+        <p14:creationId xmlns:p14="http://schemas.microsoft.com/office/powerpoint/2010/main" val="1881414917"/>
       </p:ext>
     </p:extLst>
   </p:cSld>
@@ -2736,7 +2757,7 @@
             <a:fld id="{A385A9BF-D7E2-4163-AA3F-929274706EFA}" type="datetimeFigureOut">
               <a:rPr lang="en-US" smtClean="0"/>
               <a:pPr/>
-              <a:t>5/9/2018</a:t>
+              <a:t>5/10/2018</a:t>
             </a:fld>
             <a:endParaRPr lang="en-US"/>
           </a:p>
@@ -2788,7 +2809,7 @@
     </p:spTree>
     <p:extLst>
       <p:ext uri="{BB962C8B-B14F-4D97-AF65-F5344CB8AC3E}">
-        <p14:creationId xmlns:p14="http://schemas.microsoft.com/office/powerpoint/2010/main" xmlns="" val="3087604040"/>
+        <p14:creationId xmlns:p14="http://schemas.microsoft.com/office/powerpoint/2010/main" val="3087604040"/>
       </p:ext>
     </p:extLst>
   </p:cSld>
@@ -2991,7 +3012,7 @@
             <a:fld id="{A385A9BF-D7E2-4163-AA3F-929274706EFA}" type="datetimeFigureOut">
               <a:rPr lang="en-US" smtClean="0"/>
               <a:pPr/>
-              <a:t>5/9/2018</a:t>
+              <a:t>5/10/2018</a:t>
             </a:fld>
             <a:endParaRPr lang="en-US"/>
           </a:p>
@@ -3043,7 +3064,7 @@
     </p:spTree>
     <p:extLst>
       <p:ext uri="{BB962C8B-B14F-4D97-AF65-F5344CB8AC3E}">
-        <p14:creationId xmlns:p14="http://schemas.microsoft.com/office/powerpoint/2010/main" xmlns="" val="2166491778"/>
+        <p14:creationId xmlns:p14="http://schemas.microsoft.com/office/powerpoint/2010/main" val="2166491778"/>
       </p:ext>
     </p:extLst>
   </p:cSld>
@@ -3206,7 +3227,7 @@
             <a:fld id="{A385A9BF-D7E2-4163-AA3F-929274706EFA}" type="datetimeFigureOut">
               <a:rPr lang="en-US" smtClean="0"/>
               <a:pPr/>
-              <a:t>5/9/2018</a:t>
+              <a:t>5/10/2018</a:t>
             </a:fld>
             <a:endParaRPr lang="en-US"/>
           </a:p>
@@ -3294,7 +3315,7 @@
     </p:spTree>
     <p:extLst>
       <p:ext uri="{BB962C8B-B14F-4D97-AF65-F5344CB8AC3E}">
-        <p14:creationId xmlns:p14="http://schemas.microsoft.com/office/powerpoint/2010/main" xmlns="" val="3850970215"/>
+        <p14:creationId xmlns:p14="http://schemas.microsoft.com/office/powerpoint/2010/main" val="3850970215"/>
       </p:ext>
     </p:extLst>
   </p:cSld>
@@ -3802,11 +3823,7 @@
             <a:pPr algn="ctr"/>
             <a:r>
               <a:rPr lang="en-US" sz="3200" dirty="0" smtClean="0"/>
-              <a:t>i</a:t>
-            </a:r>
-            <a:r>
-              <a:rPr lang="en-US" sz="3200" dirty="0" smtClean="0"/>
-              <a:t>16-1024</a:t>
+              <a:t>i16-1024</a:t>
             </a:r>
             <a:endParaRPr lang="en-US" sz="3200" dirty="0"/>
           </a:p>
@@ -3867,11 +3884,7 @@
             <a:pPr algn="ctr"/>
             <a:r>
               <a:rPr lang="en-US" sz="3200" dirty="0" smtClean="0"/>
-              <a:t>i</a:t>
-            </a:r>
-            <a:r>
-              <a:rPr lang="en-US" sz="3200" dirty="0" smtClean="0"/>
-              <a:t>16-10 </a:t>
+              <a:t>i16-10 </a:t>
             </a:r>
             <a:endParaRPr lang="en-US" sz="3200" dirty="0"/>
           </a:p>
@@ -3942,15 +3955,7 @@
                   <a:schemeClr val="tx1"/>
                 </a:solidFill>
               </a:rPr>
-              <a:t>i</a:t>
-            </a:r>
-            <a:r>
-              <a:rPr lang="en-US" sz="3200" dirty="0" smtClean="0">
-                <a:solidFill>
-                  <a:schemeClr val="tx1"/>
-                </a:solidFill>
-              </a:rPr>
-              <a:t>14-</a:t>
+              <a:t>i14-</a:t>
             </a:r>
             <a:endParaRPr lang="en-US" sz="3200" dirty="0">
               <a:solidFill>
@@ -4075,11 +4080,7 @@
             <a:pPr algn="ctr"/>
             <a:r>
               <a:rPr lang="en-US" sz="3200" dirty="0" smtClean="0"/>
-              <a:t>i</a:t>
-            </a:r>
-            <a:r>
-              <a:rPr lang="en-US" sz="3200" dirty="0" smtClean="0"/>
-              <a:t>17-1053</a:t>
+              <a:t>i17-1053</a:t>
             </a:r>
             <a:endParaRPr lang="en-US" sz="3200" dirty="0"/>
           </a:p>
@@ -4088,7 +4089,7 @@
     </p:spTree>
     <p:extLst>
       <p:ext uri="{BB962C8B-B14F-4D97-AF65-F5344CB8AC3E}">
-        <p14:creationId xmlns:p14="http://schemas.microsoft.com/office/powerpoint/2010/main" xmlns="" val="4067546354"/>
+        <p14:creationId xmlns:p14="http://schemas.microsoft.com/office/powerpoint/2010/main" val="4067546354"/>
       </p:ext>
     </p:extLst>
   </p:cSld>
@@ -4252,7 +4253,7 @@
     </p:spTree>
     <p:extLst>
       <p:ext uri="{BB962C8B-B14F-4D97-AF65-F5344CB8AC3E}">
-        <p14:creationId xmlns:p14="http://schemas.microsoft.com/office/powerpoint/2010/main" xmlns="" val="3566413241"/>
+        <p14:creationId xmlns:p14="http://schemas.microsoft.com/office/powerpoint/2010/main" val="3566413241"/>
       </p:ext>
     </p:extLst>
   </p:cSld>
@@ -4361,7 +4362,7 @@
     </p:spTree>
     <p:extLst>
       <p:ext uri="{BB962C8B-B14F-4D97-AF65-F5344CB8AC3E}">
-        <p14:creationId xmlns:p14="http://schemas.microsoft.com/office/powerpoint/2010/main" xmlns="" val="4185988508"/>
+        <p14:creationId xmlns:p14="http://schemas.microsoft.com/office/powerpoint/2010/main" val="4185988508"/>
       </p:ext>
     </p:extLst>
   </p:cSld>
@@ -4417,7 +4418,7 @@
             <p:ph idx="1"/>
             <p:extLst>
               <p:ext uri="{D42A27DB-BD31-4B8C-83A1-F6EECF244321}">
-                <p14:modId xmlns:p14="http://schemas.microsoft.com/office/powerpoint/2010/main" xmlns="" val="472322091"/>
+                <p14:modId xmlns:p14="http://schemas.microsoft.com/office/powerpoint/2010/main" val="472322091"/>
               </p:ext>
             </p:extLst>
           </p:nvPr>
@@ -4436,21 +4437,21 @@
                 <a:gridCol w="3593904">
                   <a:extLst>
                     <a:ext uri="{9D8B030D-6E8A-4147-A177-3AD203B41FA5}">
-                      <a16:colId xmlns:a16="http://schemas.microsoft.com/office/drawing/2014/main" xmlns="" val="2203545081"/>
+                      <a16:colId xmlns="" xmlns:a16="http://schemas.microsoft.com/office/drawing/2014/main" val="2203545081"/>
                     </a:ext>
                   </a:extLst>
                 </a:gridCol>
                 <a:gridCol w="3593904">
                   <a:extLst>
                     <a:ext uri="{9D8B030D-6E8A-4147-A177-3AD203B41FA5}">
-                      <a16:colId xmlns:a16="http://schemas.microsoft.com/office/drawing/2014/main" xmlns="" val="3993226735"/>
+                      <a16:colId xmlns="" xmlns:a16="http://schemas.microsoft.com/office/drawing/2014/main" val="3993226735"/>
                     </a:ext>
                   </a:extLst>
                 </a:gridCol>
                 <a:gridCol w="3593904">
                   <a:extLst>
                     <a:ext uri="{9D8B030D-6E8A-4147-A177-3AD203B41FA5}">
-                      <a16:colId xmlns:a16="http://schemas.microsoft.com/office/drawing/2014/main" xmlns="" val="816596937"/>
+                      <a16:colId xmlns="" xmlns:a16="http://schemas.microsoft.com/office/drawing/2014/main" val="816596937"/>
                     </a:ext>
                   </a:extLst>
                 </a:gridCol>
@@ -4545,7 +4546,7 @@
                 </a:tc>
                 <a:extLst>
                   <a:ext uri="{0D108BD9-81ED-4DB2-BD59-A6C34878D82A}">
-                    <a16:rowId xmlns:a16="http://schemas.microsoft.com/office/drawing/2014/main" xmlns="" val="3314059099"/>
+                    <a16:rowId xmlns="" xmlns:a16="http://schemas.microsoft.com/office/drawing/2014/main" val="3314059099"/>
                   </a:ext>
                 </a:extLst>
               </a:tr>
@@ -4647,7 +4648,7 @@
                 </a:tc>
                 <a:extLst>
                   <a:ext uri="{0D108BD9-81ED-4DB2-BD59-A6C34878D82A}">
-                    <a16:rowId xmlns:a16="http://schemas.microsoft.com/office/drawing/2014/main" xmlns="" val="2508540953"/>
+                    <a16:rowId xmlns="" xmlns:a16="http://schemas.microsoft.com/office/drawing/2014/main" val="2508540953"/>
                   </a:ext>
                 </a:extLst>
               </a:tr>
@@ -4743,7 +4744,7 @@
                 </a:tc>
                 <a:extLst>
                   <a:ext uri="{0D108BD9-81ED-4DB2-BD59-A6C34878D82A}">
-                    <a16:rowId xmlns:a16="http://schemas.microsoft.com/office/drawing/2014/main" xmlns="" val="2679933438"/>
+                    <a16:rowId xmlns="" xmlns:a16="http://schemas.microsoft.com/office/drawing/2014/main" val="2679933438"/>
                   </a:ext>
                 </a:extLst>
               </a:tr>
@@ -4839,7 +4840,7 @@
                 </a:tc>
                 <a:extLst>
                   <a:ext uri="{0D108BD9-81ED-4DB2-BD59-A6C34878D82A}">
-                    <a16:rowId xmlns:a16="http://schemas.microsoft.com/office/drawing/2014/main" xmlns="" val="4255488591"/>
+                    <a16:rowId xmlns="" xmlns:a16="http://schemas.microsoft.com/office/drawing/2014/main" val="4255488591"/>
                   </a:ext>
                 </a:extLst>
               </a:tr>
@@ -4940,7 +4941,7 @@
                 </a:tc>
                 <a:extLst>
                   <a:ext uri="{0D108BD9-81ED-4DB2-BD59-A6C34878D82A}">
-                    <a16:rowId xmlns:a16="http://schemas.microsoft.com/office/drawing/2014/main" xmlns="" val="4065064203"/>
+                    <a16:rowId xmlns="" xmlns:a16="http://schemas.microsoft.com/office/drawing/2014/main" val="4065064203"/>
                   </a:ext>
                 </a:extLst>
               </a:tr>
@@ -5036,7 +5037,7 @@
                 </a:tc>
                 <a:extLst>
                   <a:ext uri="{0D108BD9-81ED-4DB2-BD59-A6C34878D82A}">
-                    <a16:rowId xmlns:a16="http://schemas.microsoft.com/office/drawing/2014/main" xmlns="" val="1613284773"/>
+                    <a16:rowId xmlns="" xmlns:a16="http://schemas.microsoft.com/office/drawing/2014/main" val="1613284773"/>
                   </a:ext>
                 </a:extLst>
               </a:tr>
@@ -5132,7 +5133,7 @@
                 </a:tc>
                 <a:extLst>
                   <a:ext uri="{0D108BD9-81ED-4DB2-BD59-A6C34878D82A}">
-                    <a16:rowId xmlns:a16="http://schemas.microsoft.com/office/drawing/2014/main" xmlns="" val="631361750"/>
+                    <a16:rowId xmlns="" xmlns:a16="http://schemas.microsoft.com/office/drawing/2014/main" val="631361750"/>
                   </a:ext>
                 </a:extLst>
               </a:tr>
@@ -5227,7 +5228,7 @@
                 </a:tc>
                 <a:extLst>
                   <a:ext uri="{0D108BD9-81ED-4DB2-BD59-A6C34878D82A}">
-                    <a16:rowId xmlns:a16="http://schemas.microsoft.com/office/drawing/2014/main" xmlns="" val="2636440860"/>
+                    <a16:rowId xmlns="" xmlns:a16="http://schemas.microsoft.com/office/drawing/2014/main" val="2636440860"/>
                   </a:ext>
                 </a:extLst>
               </a:tr>
@@ -5321,7 +5322,7 @@
                 </a:tc>
                 <a:extLst>
                   <a:ext uri="{0D108BD9-81ED-4DB2-BD59-A6C34878D82A}">
-                    <a16:rowId xmlns:a16="http://schemas.microsoft.com/office/drawing/2014/main" xmlns="" val="1250471564"/>
+                    <a16:rowId xmlns="" xmlns:a16="http://schemas.microsoft.com/office/drawing/2014/main" val="1250471564"/>
                   </a:ext>
                 </a:extLst>
               </a:tr>
@@ -5423,7 +5424,7 @@
                 </a:tc>
                 <a:extLst>
                   <a:ext uri="{0D108BD9-81ED-4DB2-BD59-A6C34878D82A}">
-                    <a16:rowId xmlns:a16="http://schemas.microsoft.com/office/drawing/2014/main" xmlns="" val="4010384198"/>
+                    <a16:rowId xmlns="" xmlns:a16="http://schemas.microsoft.com/office/drawing/2014/main" val="4010384198"/>
                   </a:ext>
                 </a:extLst>
               </a:tr>
@@ -5519,7 +5520,7 @@
                 </a:tc>
                 <a:extLst>
                   <a:ext uri="{0D108BD9-81ED-4DB2-BD59-A6C34878D82A}">
-                    <a16:rowId xmlns:a16="http://schemas.microsoft.com/office/drawing/2014/main" xmlns="" val="2027659082"/>
+                    <a16:rowId xmlns="" xmlns:a16="http://schemas.microsoft.com/office/drawing/2014/main" val="2027659082"/>
                   </a:ext>
                 </a:extLst>
               </a:tr>
@@ -5530,7 +5531,7 @@
     </p:spTree>
     <p:extLst>
       <p:ext uri="{BB962C8B-B14F-4D97-AF65-F5344CB8AC3E}">
-        <p14:creationId xmlns:p14="http://schemas.microsoft.com/office/powerpoint/2010/main" xmlns="" val="368093136"/>
+        <p14:creationId xmlns:p14="http://schemas.microsoft.com/office/powerpoint/2010/main" val="368093136"/>
       </p:ext>
     </p:extLst>
   </p:cSld>
@@ -5705,7 +5706,7 @@
     </p:spTree>
     <p:extLst>
       <p:ext uri="{BB962C8B-B14F-4D97-AF65-F5344CB8AC3E}">
-        <p14:creationId xmlns:p14="http://schemas.microsoft.com/office/powerpoint/2010/main" xmlns="" val="3986963659"/>
+        <p14:creationId xmlns:p14="http://schemas.microsoft.com/office/powerpoint/2010/main" val="3986963659"/>
       </p:ext>
     </p:extLst>
   </p:cSld>
@@ -5814,7 +5815,7 @@
     </p:spTree>
     <p:extLst>
       <p:ext uri="{BB962C8B-B14F-4D97-AF65-F5344CB8AC3E}">
-        <p14:creationId xmlns:p14="http://schemas.microsoft.com/office/powerpoint/2010/main" xmlns="" val="859722056"/>
+        <p14:creationId xmlns:p14="http://schemas.microsoft.com/office/powerpoint/2010/main" val="859722056"/>
       </p:ext>
     </p:extLst>
   </p:cSld>
@@ -6108,7 +6109,7 @@
     </p:spTree>
     <p:extLst>
       <p:ext uri="{BB962C8B-B14F-4D97-AF65-F5344CB8AC3E}">
-        <p14:creationId xmlns:p14="http://schemas.microsoft.com/office/powerpoint/2010/main" xmlns="" val="2479918944"/>
+        <p14:creationId xmlns:p14="http://schemas.microsoft.com/office/powerpoint/2010/main" val="2479918944"/>
       </p:ext>
     </p:extLst>
   </p:cSld>
@@ -7144,7 +7145,7 @@
     </p:spTree>
     <p:extLst>
       <p:ext uri="{BB962C8B-B14F-4D97-AF65-F5344CB8AC3E}">
-        <p14:creationId xmlns:p14="http://schemas.microsoft.com/office/powerpoint/2010/main" xmlns="" val="3961472754"/>
+        <p14:creationId xmlns:p14="http://schemas.microsoft.com/office/powerpoint/2010/main" val="3961472754"/>
       </p:ext>
     </p:extLst>
   </p:cSld>
@@ -7274,7 +7275,7 @@
     </p:spTree>
     <p:extLst>
       <p:ext uri="{BB962C8B-B14F-4D97-AF65-F5344CB8AC3E}">
-        <p14:creationId xmlns:p14="http://schemas.microsoft.com/office/powerpoint/2010/main" xmlns="" val="2742975"/>
+        <p14:creationId xmlns:p14="http://schemas.microsoft.com/office/powerpoint/2010/main" val="2742975"/>
       </p:ext>
     </p:extLst>
   </p:cSld>
@@ -7429,7 +7430,7 @@
     </p:spTree>
     <p:extLst>
       <p:ext uri="{BB962C8B-B14F-4D97-AF65-F5344CB8AC3E}">
-        <p14:creationId xmlns:p14="http://schemas.microsoft.com/office/powerpoint/2010/main" xmlns="" val="3145543806"/>
+        <p14:creationId xmlns:p14="http://schemas.microsoft.com/office/powerpoint/2010/main" val="3145543806"/>
       </p:ext>
     </p:extLst>
   </p:cSld>
@@ -7502,11 +7503,7 @@
           <a:p>
             <a:r>
               <a:rPr lang="en-US" dirty="0" smtClean="0"/>
-              <a:t>Literature </a:t>
-            </a:r>
-            <a:r>
-              <a:rPr lang="en-US" dirty="0" smtClean="0"/>
-              <a:t>Survey</a:t>
+              <a:t>Literature Survey</a:t>
             </a:r>
           </a:p>
           <a:p>
@@ -7514,7 +7511,6 @@
               <a:rPr lang="en-US" dirty="0" smtClean="0"/>
               <a:t>Features in Languages: Discussion &amp; Analysis</a:t>
             </a:r>
-            <a:endParaRPr lang="en-US" dirty="0" smtClean="0"/>
           </a:p>
           <a:p>
             <a:r>
@@ -7675,7 +7671,7 @@
     </p:spTree>
     <p:extLst>
       <p:ext uri="{BB962C8B-B14F-4D97-AF65-F5344CB8AC3E}">
-        <p14:creationId xmlns:p14="http://schemas.microsoft.com/office/powerpoint/2010/main" xmlns="" val="2720267106"/>
+        <p14:creationId xmlns:p14="http://schemas.microsoft.com/office/powerpoint/2010/main" val="2720267106"/>
       </p:ext>
     </p:extLst>
   </p:cSld>
@@ -7825,7 +7821,7 @@
     </p:spTree>
     <p:extLst>
       <p:ext uri="{BB962C8B-B14F-4D97-AF65-F5344CB8AC3E}">
-        <p14:creationId xmlns:p14="http://schemas.microsoft.com/office/powerpoint/2010/main" xmlns="" val="3893968347"/>
+        <p14:creationId xmlns:p14="http://schemas.microsoft.com/office/powerpoint/2010/main" val="3893968347"/>
       </p:ext>
     </p:extLst>
   </p:cSld>
@@ -7959,7 +7955,7 @@
     </p:spTree>
     <p:extLst>
       <p:ext uri="{BB962C8B-B14F-4D97-AF65-F5344CB8AC3E}">
-        <p14:creationId xmlns:p14="http://schemas.microsoft.com/office/powerpoint/2010/main" xmlns="" val="1250901976"/>
+        <p14:creationId xmlns:p14="http://schemas.microsoft.com/office/powerpoint/2010/main" val="1250901976"/>
       </p:ext>
     </p:extLst>
   </p:cSld>
@@ -7995,7 +7991,7 @@
           <p:nvPr>
             <p:extLst>
               <p:ext uri="{D42A27DB-BD31-4B8C-83A1-F6EECF244321}">
-                <p14:modId xmlns:p14="http://schemas.microsoft.com/office/powerpoint/2010/main" xmlns="" val="1507629795"/>
+                <p14:modId xmlns:p14="http://schemas.microsoft.com/office/powerpoint/2010/main" val="1507629795"/>
               </p:ext>
             </p:extLst>
           </p:nvPr>
@@ -8014,14 +8010,14 @@
                 <a:gridCol w="2433710">
                   <a:extLst>
                     <a:ext uri="{9D8B030D-6E8A-4147-A177-3AD203B41FA5}">
-                      <a16:colId xmlns:a16="http://schemas.microsoft.com/office/drawing/2014/main" xmlns="" val="4085960667"/>
+                      <a16:colId xmlns="" xmlns:a16="http://schemas.microsoft.com/office/drawing/2014/main" val="4085960667"/>
                     </a:ext>
                   </a:extLst>
                 </a:gridCol>
                 <a:gridCol w="9758290">
                   <a:extLst>
                     <a:ext uri="{9D8B030D-6E8A-4147-A177-3AD203B41FA5}">
-                      <a16:colId xmlns:a16="http://schemas.microsoft.com/office/drawing/2014/main" xmlns="" val="2227213545"/>
+                      <a16:colId xmlns="" xmlns:a16="http://schemas.microsoft.com/office/drawing/2014/main" val="2227213545"/>
                     </a:ext>
                   </a:extLst>
                 </a:gridCol>
@@ -8087,7 +8083,7 @@
                 </a:tc>
                 <a:extLst>
                   <a:ext uri="{0D108BD9-81ED-4DB2-BD59-A6C34878D82A}">
-                    <a16:rowId xmlns:a16="http://schemas.microsoft.com/office/drawing/2014/main" xmlns="" val="2353617306"/>
+                    <a16:rowId xmlns="" xmlns:a16="http://schemas.microsoft.com/office/drawing/2014/main" val="2353617306"/>
                   </a:ext>
                 </a:extLst>
               </a:tr>
@@ -8152,7 +8148,7 @@
                 </a:tc>
                 <a:extLst>
                   <a:ext uri="{0D108BD9-81ED-4DB2-BD59-A6C34878D82A}">
-                    <a16:rowId xmlns:a16="http://schemas.microsoft.com/office/drawing/2014/main" xmlns="" val="2901794768"/>
+                    <a16:rowId xmlns="" xmlns:a16="http://schemas.microsoft.com/office/drawing/2014/main" val="2901794768"/>
                   </a:ext>
                 </a:extLst>
               </a:tr>
@@ -8217,7 +8213,7 @@
                 </a:tc>
                 <a:extLst>
                   <a:ext uri="{0D108BD9-81ED-4DB2-BD59-A6C34878D82A}">
-                    <a16:rowId xmlns:a16="http://schemas.microsoft.com/office/drawing/2014/main" xmlns="" val="2027797430"/>
+                    <a16:rowId xmlns="" xmlns:a16="http://schemas.microsoft.com/office/drawing/2014/main" val="2027797430"/>
                   </a:ext>
                 </a:extLst>
               </a:tr>
@@ -8282,7 +8278,7 @@
                 </a:tc>
                 <a:extLst>
                   <a:ext uri="{0D108BD9-81ED-4DB2-BD59-A6C34878D82A}">
-                    <a16:rowId xmlns:a16="http://schemas.microsoft.com/office/drawing/2014/main" xmlns="" val="3949841437"/>
+                    <a16:rowId xmlns="" xmlns:a16="http://schemas.microsoft.com/office/drawing/2014/main" val="3949841437"/>
                   </a:ext>
                 </a:extLst>
               </a:tr>
@@ -8347,7 +8343,7 @@
                 </a:tc>
                 <a:extLst>
                   <a:ext uri="{0D108BD9-81ED-4DB2-BD59-A6C34878D82A}">
-                    <a16:rowId xmlns:a16="http://schemas.microsoft.com/office/drawing/2014/main" xmlns="" val="1138364847"/>
+                    <a16:rowId xmlns="" xmlns:a16="http://schemas.microsoft.com/office/drawing/2014/main" val="1138364847"/>
                   </a:ext>
                 </a:extLst>
               </a:tr>
@@ -8412,7 +8408,7 @@
                 </a:tc>
                 <a:extLst>
                   <a:ext uri="{0D108BD9-81ED-4DB2-BD59-A6C34878D82A}">
-                    <a16:rowId xmlns:a16="http://schemas.microsoft.com/office/drawing/2014/main" xmlns="" val="925404062"/>
+                    <a16:rowId xmlns="" xmlns:a16="http://schemas.microsoft.com/office/drawing/2014/main" val="925404062"/>
                   </a:ext>
                 </a:extLst>
               </a:tr>
@@ -8477,7 +8473,7 @@
                 </a:tc>
                 <a:extLst>
                   <a:ext uri="{0D108BD9-81ED-4DB2-BD59-A6C34878D82A}">
-                    <a16:rowId xmlns:a16="http://schemas.microsoft.com/office/drawing/2014/main" xmlns="" val="954584896"/>
+                    <a16:rowId xmlns="" xmlns:a16="http://schemas.microsoft.com/office/drawing/2014/main" val="954584896"/>
                   </a:ext>
                 </a:extLst>
               </a:tr>
@@ -8542,7 +8538,7 @@
                 </a:tc>
                 <a:extLst>
                   <a:ext uri="{0D108BD9-81ED-4DB2-BD59-A6C34878D82A}">
-                    <a16:rowId xmlns:a16="http://schemas.microsoft.com/office/drawing/2014/main" xmlns="" val="376591521"/>
+                    <a16:rowId xmlns="" xmlns:a16="http://schemas.microsoft.com/office/drawing/2014/main" val="376591521"/>
                   </a:ext>
                 </a:extLst>
               </a:tr>
@@ -8607,7 +8603,7 @@
                 </a:tc>
                 <a:extLst>
                   <a:ext uri="{0D108BD9-81ED-4DB2-BD59-A6C34878D82A}">
-                    <a16:rowId xmlns:a16="http://schemas.microsoft.com/office/drawing/2014/main" xmlns="" val="1651312417"/>
+                    <a16:rowId xmlns="" xmlns:a16="http://schemas.microsoft.com/office/drawing/2014/main" val="1651312417"/>
                   </a:ext>
                 </a:extLst>
               </a:tr>
@@ -8672,7 +8668,7 @@
                 </a:tc>
                 <a:extLst>
                   <a:ext uri="{0D108BD9-81ED-4DB2-BD59-A6C34878D82A}">
-                    <a16:rowId xmlns:a16="http://schemas.microsoft.com/office/drawing/2014/main" xmlns="" val="1669495495"/>
+                    <a16:rowId xmlns="" xmlns:a16="http://schemas.microsoft.com/office/drawing/2014/main" val="1669495495"/>
                   </a:ext>
                 </a:extLst>
               </a:tr>
@@ -8737,7 +8733,7 @@
                 </a:tc>
                 <a:extLst>
                   <a:ext uri="{0D108BD9-81ED-4DB2-BD59-A6C34878D82A}">
-                    <a16:rowId xmlns:a16="http://schemas.microsoft.com/office/drawing/2014/main" xmlns="" val="2551381031"/>
+                    <a16:rowId xmlns="" xmlns:a16="http://schemas.microsoft.com/office/drawing/2014/main" val="2551381031"/>
                   </a:ext>
                 </a:extLst>
               </a:tr>
@@ -8748,7 +8744,7 @@
     </p:spTree>
     <p:extLst>
       <p:ext uri="{BB962C8B-B14F-4D97-AF65-F5344CB8AC3E}">
-        <p14:creationId xmlns:p14="http://schemas.microsoft.com/office/powerpoint/2010/main" xmlns="" val="140960867"/>
+        <p14:creationId xmlns:p14="http://schemas.microsoft.com/office/powerpoint/2010/main" val="140960867"/>
       </p:ext>
     </p:extLst>
   </p:cSld>
@@ -8884,38 +8880,13 @@
           <a:p>
             <a:r>
               <a:rPr lang="en-US" dirty="0" smtClean="0"/>
-              <a:t>a </a:t>
-            </a:r>
+              <a:t>a confident and forceful statement of fact or belief.</a:t>
+            </a:r>
+          </a:p>
+          <a:p>
             <a:r>
               <a:rPr lang="en-US" dirty="0" smtClean="0"/>
-              <a:t>confident and forceful statement of fact or belief</a:t>
-            </a:r>
-            <a:r>
-              <a:rPr lang="en-US" dirty="0" smtClean="0"/>
-              <a:t>.</a:t>
-            </a:r>
-            <a:endParaRPr lang="en-US" dirty="0" smtClean="0"/>
-          </a:p>
-          <a:p>
-            <a:r>
-              <a:rPr lang="en-US" dirty="0" smtClean="0"/>
-              <a:t>a neat </a:t>
-            </a:r>
-            <a:r>
-              <a:rPr lang="en-US" dirty="0" smtClean="0"/>
-              <a:t>debugging </a:t>
-            </a:r>
-            <a:r>
-              <a:rPr lang="en-US" dirty="0" smtClean="0"/>
-              <a:t>tool</a:t>
-            </a:r>
-            <a:r>
-              <a:rPr lang="en-US" dirty="0" smtClean="0"/>
-              <a:t> </a:t>
-            </a:r>
-            <a:r>
-              <a:rPr lang="en-US" dirty="0" smtClean="0"/>
-              <a:t>as it is unlike exception that may be caught and go un-noticed.</a:t>
+              <a:t>a neat debugging tool as it is unlike exception that may be caught and go un-noticed.</a:t>
             </a:r>
           </a:p>
           <a:p>
@@ -9069,10 +9040,6 @@
               </a:rPr>
               <a:t>(string: String?) -&gt; String { </a:t>
             </a:r>
-            <a:endParaRPr lang="en-US" sz="1800" b="1" dirty="0" smtClean="0">
-              <a:latin typeface="Courier New" pitchFamily="49" charset="0"/>
-              <a:cs typeface="Courier New" pitchFamily="49" charset="0"/>
-            </a:endParaRPr>
           </a:p>
           <a:p>
             <a:pPr>
@@ -9086,21 +9053,7 @@
                 <a:latin typeface="Courier New" pitchFamily="49" charset="0"/>
                 <a:cs typeface="Courier New" pitchFamily="49" charset="0"/>
               </a:rPr>
-              <a:t> </a:t>
-            </a:r>
-            <a:r>
-              <a:rPr lang="en-US" sz="1800" b="1" dirty="0" smtClean="0">
-                <a:latin typeface="Courier New" pitchFamily="49" charset="0"/>
-                <a:cs typeface="Courier New" pitchFamily="49" charset="0"/>
-              </a:rPr>
-              <a:t>      assert(string </a:t>
-            </a:r>
-            <a:r>
-              <a:rPr lang="en-US" sz="1800" b="1" dirty="0" smtClean="0">
-                <a:latin typeface="Courier New" pitchFamily="49" charset="0"/>
-                <a:cs typeface="Courier New" pitchFamily="49" charset="0"/>
-              </a:rPr>
-              <a:t>!= nil, "Invalid parameter") // here </a:t>
+              <a:t>       assert(string != nil, "Invalid parameter") // here </a:t>
             </a:r>
           </a:p>
           <a:p>
@@ -9179,14 +9132,7 @@
                 <a:latin typeface="Courier New" pitchFamily="49" charset="0"/>
                 <a:cs typeface="Courier New" pitchFamily="49" charset="0"/>
               </a:rPr>
-              <a:t>() </a:t>
-            </a:r>
-            <a:r>
-              <a:rPr lang="en-US" sz="1800" b="1" dirty="0" smtClean="0">
-                <a:latin typeface="Courier New" pitchFamily="49" charset="0"/>
-                <a:cs typeface="Courier New" pitchFamily="49" charset="0"/>
-              </a:rPr>
-              <a:t>{</a:t>
+              <a:t>() {</a:t>
             </a:r>
           </a:p>
           <a:p>
@@ -9201,14 +9147,7 @@
                 <a:latin typeface="Courier New" pitchFamily="49" charset="0"/>
                 <a:cs typeface="Courier New" pitchFamily="49" charset="0"/>
               </a:rPr>
-              <a:t> </a:t>
-            </a:r>
-            <a:r>
-              <a:rPr lang="en-US" sz="1800" b="1" dirty="0" smtClean="0">
-                <a:latin typeface="Courier New" pitchFamily="49" charset="0"/>
-                <a:cs typeface="Courier New" pitchFamily="49" charset="0"/>
-              </a:rPr>
-              <a:t>      </a:t>
+              <a:t>       </a:t>
             </a:r>
             <a:r>
               <a:rPr lang="en-US" sz="1800" b="1" dirty="0" err="1" smtClean="0">
@@ -9237,14 +9176,7 @@
                 <a:latin typeface="Courier New" pitchFamily="49" charset="0"/>
                 <a:cs typeface="Courier New" pitchFamily="49" charset="0"/>
               </a:rPr>
-              <a:t>    </a:t>
-            </a:r>
-            <a:r>
-              <a:rPr lang="en-US" sz="1800" b="1" dirty="0" smtClean="0">
-                <a:latin typeface="Courier New" pitchFamily="49" charset="0"/>
-                <a:cs typeface="Courier New" pitchFamily="49" charset="0"/>
-              </a:rPr>
-              <a:t>   </a:t>
+              <a:t>       </a:t>
             </a:r>
             <a:r>
               <a:rPr lang="en-US" sz="1800" b="1" dirty="0" err="1" smtClean="0">
@@ -10024,7 +9956,7 @@
           <a:blip r:embed="rId2" cstate="print">
             <a:extLst>
               <a:ext uri="{28A0092B-C50C-407E-A947-70E740481C1C}">
-                <a14:useLocalDpi xmlns:a14="http://schemas.microsoft.com/office/drawing/2010/main" xmlns="" val="0"/>
+                <a14:useLocalDpi xmlns:a14="http://schemas.microsoft.com/office/drawing/2010/main" val="0"/>
               </a:ext>
             </a:extLst>
           </a:blip>
@@ -10044,7 +9976,7 @@
           <a:noFill/>
           <a:extLst>
             <a:ext uri="{909E8E84-426E-40DD-AFC4-6F175D3DCCD1}">
-              <a14:hiddenFill xmlns:a14="http://schemas.microsoft.com/office/drawing/2010/main" xmlns="">
+              <a14:hiddenFill xmlns:a14="http://schemas.microsoft.com/office/drawing/2010/main">
                 <a:solidFill>
                   <a:srgbClr val="FFFFFF"/>
                 </a:solidFill>
@@ -14268,7 +14200,7 @@
           <p:nvPr>
             <p:extLst>
               <p:ext uri="{D42A27DB-BD31-4B8C-83A1-F6EECF244321}">
-                <p14:modId xmlns:p14="http://schemas.microsoft.com/office/powerpoint/2010/main" xmlns="" val="2506140230"/>
+                <p14:modId xmlns:p14="http://schemas.microsoft.com/office/powerpoint/2010/main" val="2506140230"/>
               </p:ext>
             </p:extLst>
           </p:nvPr>
@@ -14287,35 +14219,35 @@
                 <a:gridCol w="349848">
                   <a:extLst>
                     <a:ext uri="{9D8B030D-6E8A-4147-A177-3AD203B41FA5}">
-                      <a16:colId xmlns:a16="http://schemas.microsoft.com/office/drawing/2014/main" xmlns="" val="3350926067"/>
+                      <a16:colId xmlns="" xmlns:a16="http://schemas.microsoft.com/office/drawing/2014/main" val="3350926067"/>
                     </a:ext>
                   </a:extLst>
                 </a:gridCol>
                 <a:gridCol w="349848">
                   <a:extLst>
                     <a:ext uri="{9D8B030D-6E8A-4147-A177-3AD203B41FA5}">
-                      <a16:colId xmlns:a16="http://schemas.microsoft.com/office/drawing/2014/main" xmlns="" val="3704222402"/>
+                      <a16:colId xmlns="" xmlns:a16="http://schemas.microsoft.com/office/drawing/2014/main" val="3704222402"/>
                     </a:ext>
                   </a:extLst>
                 </a:gridCol>
                 <a:gridCol w="349848">
                   <a:extLst>
                     <a:ext uri="{9D8B030D-6E8A-4147-A177-3AD203B41FA5}">
-                      <a16:colId xmlns:a16="http://schemas.microsoft.com/office/drawing/2014/main" xmlns="" val="1732804068"/>
+                      <a16:colId xmlns="" xmlns:a16="http://schemas.microsoft.com/office/drawing/2014/main" val="1732804068"/>
                     </a:ext>
                   </a:extLst>
                 </a:gridCol>
                 <a:gridCol w="349848">
                   <a:extLst>
                     <a:ext uri="{9D8B030D-6E8A-4147-A177-3AD203B41FA5}">
-                      <a16:colId xmlns:a16="http://schemas.microsoft.com/office/drawing/2014/main" xmlns="" val="504219294"/>
+                      <a16:colId xmlns="" xmlns:a16="http://schemas.microsoft.com/office/drawing/2014/main" val="504219294"/>
                     </a:ext>
                   </a:extLst>
                 </a:gridCol>
                 <a:gridCol w="349848">
                   <a:extLst>
                     <a:ext uri="{9D8B030D-6E8A-4147-A177-3AD203B41FA5}">
-                      <a16:colId xmlns:a16="http://schemas.microsoft.com/office/drawing/2014/main" xmlns="" val="253295659"/>
+                      <a16:colId xmlns="" xmlns:a16="http://schemas.microsoft.com/office/drawing/2014/main" val="253295659"/>
                     </a:ext>
                   </a:extLst>
                 </a:gridCol>
@@ -14393,7 +14325,7 @@
                 </a:tc>
                 <a:extLst>
                   <a:ext uri="{0D108BD9-81ED-4DB2-BD59-A6C34878D82A}">
-                    <a16:rowId xmlns:a16="http://schemas.microsoft.com/office/drawing/2014/main" xmlns="" val="49898677"/>
+                    <a16:rowId xmlns="" xmlns:a16="http://schemas.microsoft.com/office/drawing/2014/main" val="49898677"/>
                   </a:ext>
                 </a:extLst>
               </a:tr>
@@ -14607,7 +14539,7 @@
     </p:spTree>
     <p:extLst>
       <p:ext uri="{BB962C8B-B14F-4D97-AF65-F5344CB8AC3E}">
-        <p14:creationId xmlns:p14="http://schemas.microsoft.com/office/powerpoint/2010/main" xmlns="" val="2072099023"/>
+        <p14:creationId xmlns:p14="http://schemas.microsoft.com/office/powerpoint/2010/main" val="2072099023"/>
       </p:ext>
     </p:extLst>
   </p:cSld>
@@ -14762,33 +14694,21 @@
             <a:pPr lvl="1"/>
             <a:r>
               <a:rPr lang="en-US" dirty="0" smtClean="0"/>
-              <a:t>Survey of a features possessed by </a:t>
-            </a:r>
+              <a:t>Survey of a features possessed by languages</a:t>
+            </a:r>
+          </a:p>
+          <a:p>
+            <a:pPr lvl="1"/>
             <a:r>
               <a:rPr lang="en-US" dirty="0" smtClean="0"/>
-              <a:t>languages</a:t>
+              <a:t>Perform comparative study of different features</a:t>
             </a:r>
           </a:p>
           <a:p>
             <a:pPr lvl="1"/>
             <a:r>
               <a:rPr lang="en-US" dirty="0" smtClean="0"/>
-              <a:t>Perform comparative study of different </a:t>
-            </a:r>
-            <a:r>
-              <a:rPr lang="en-US" dirty="0" smtClean="0"/>
-              <a:t>features</a:t>
-            </a:r>
-          </a:p>
-          <a:p>
-            <a:pPr lvl="1"/>
-            <a:r>
-              <a:rPr lang="en-US" dirty="0" smtClean="0"/>
-              <a:t>Detailed analysis of different </a:t>
-            </a:r>
-            <a:r>
-              <a:rPr lang="en-US" dirty="0" smtClean="0"/>
-              <a:t>features</a:t>
+              <a:t>Detailed analysis of different features</a:t>
             </a:r>
           </a:p>
           <a:p>
@@ -14872,7 +14792,7 @@
           <p:nvPr>
             <p:extLst>
               <p:ext uri="{D42A27DB-BD31-4B8C-83A1-F6EECF244321}">
-                <p14:modId xmlns:p14="http://schemas.microsoft.com/office/powerpoint/2010/main" xmlns="" val="472322091"/>
+                <p14:modId xmlns:p14="http://schemas.microsoft.com/office/powerpoint/2010/main" val="472322091"/>
               </p:ext>
             </p:extLst>
           </p:nvPr>
@@ -14891,21 +14811,21 @@
                 <a:gridCol w="3593904">
                   <a:extLst>
                     <a:ext uri="{9D8B030D-6E8A-4147-A177-3AD203B41FA5}">
-                      <a16:colId xmlns:a16="http://schemas.microsoft.com/office/drawing/2014/main" xmlns="" val="2203545081"/>
+                      <a16:colId xmlns="" xmlns:a16="http://schemas.microsoft.com/office/drawing/2014/main" val="2203545081"/>
                     </a:ext>
                   </a:extLst>
                 </a:gridCol>
                 <a:gridCol w="3593904">
                   <a:extLst>
                     <a:ext uri="{9D8B030D-6E8A-4147-A177-3AD203B41FA5}">
-                      <a16:colId xmlns:a16="http://schemas.microsoft.com/office/drawing/2014/main" xmlns="" val="3993226735"/>
+                      <a16:colId xmlns="" xmlns:a16="http://schemas.microsoft.com/office/drawing/2014/main" val="3993226735"/>
                     </a:ext>
                   </a:extLst>
                 </a:gridCol>
                 <a:gridCol w="3593904">
                   <a:extLst>
                     <a:ext uri="{9D8B030D-6E8A-4147-A177-3AD203B41FA5}">
-                      <a16:colId xmlns:a16="http://schemas.microsoft.com/office/drawing/2014/main" xmlns="" val="816596937"/>
+                      <a16:colId xmlns="" xmlns:a16="http://schemas.microsoft.com/office/drawing/2014/main" val="816596937"/>
                     </a:ext>
                   </a:extLst>
                 </a:gridCol>
@@ -15000,7 +14920,7 @@
                 </a:tc>
                 <a:extLst>
                   <a:ext uri="{0D108BD9-81ED-4DB2-BD59-A6C34878D82A}">
-                    <a16:rowId xmlns:a16="http://schemas.microsoft.com/office/drawing/2014/main" xmlns="" val="3314059099"/>
+                    <a16:rowId xmlns="" xmlns:a16="http://schemas.microsoft.com/office/drawing/2014/main" val="3314059099"/>
                   </a:ext>
                 </a:extLst>
               </a:tr>
@@ -15089,7 +15009,7 @@
                 </a:tc>
                 <a:extLst>
                   <a:ext uri="{0D108BD9-81ED-4DB2-BD59-A6C34878D82A}">
-                    <a16:rowId xmlns:a16="http://schemas.microsoft.com/office/drawing/2014/main" xmlns="" val="2508540953"/>
+                    <a16:rowId xmlns="" xmlns:a16="http://schemas.microsoft.com/office/drawing/2014/main" val="2508540953"/>
                   </a:ext>
                 </a:extLst>
               </a:tr>
@@ -15178,7 +15098,7 @@
                 </a:tc>
                 <a:extLst>
                   <a:ext uri="{0D108BD9-81ED-4DB2-BD59-A6C34878D82A}">
-                    <a16:rowId xmlns:a16="http://schemas.microsoft.com/office/drawing/2014/main" xmlns="" val="2679933438"/>
+                    <a16:rowId xmlns="" xmlns:a16="http://schemas.microsoft.com/office/drawing/2014/main" val="2679933438"/>
                   </a:ext>
                 </a:extLst>
               </a:tr>
@@ -15267,7 +15187,7 @@
                 </a:tc>
                 <a:extLst>
                   <a:ext uri="{0D108BD9-81ED-4DB2-BD59-A6C34878D82A}">
-                    <a16:rowId xmlns:a16="http://schemas.microsoft.com/office/drawing/2014/main" xmlns="" val="4255488591"/>
+                    <a16:rowId xmlns="" xmlns:a16="http://schemas.microsoft.com/office/drawing/2014/main" val="4255488591"/>
                   </a:ext>
                 </a:extLst>
               </a:tr>
@@ -15362,7 +15282,7 @@
                 </a:tc>
                 <a:extLst>
                   <a:ext uri="{0D108BD9-81ED-4DB2-BD59-A6C34878D82A}">
-                    <a16:rowId xmlns:a16="http://schemas.microsoft.com/office/drawing/2014/main" xmlns="" val="4065064203"/>
+                    <a16:rowId xmlns="" xmlns:a16="http://schemas.microsoft.com/office/drawing/2014/main" val="4065064203"/>
                   </a:ext>
                 </a:extLst>
               </a:tr>
@@ -15458,7 +15378,7 @@
                 </a:tc>
                 <a:extLst>
                   <a:ext uri="{0D108BD9-81ED-4DB2-BD59-A6C34878D82A}">
-                    <a16:rowId xmlns:a16="http://schemas.microsoft.com/office/drawing/2014/main" xmlns="" val="1613284773"/>
+                    <a16:rowId xmlns="" xmlns:a16="http://schemas.microsoft.com/office/drawing/2014/main" val="1613284773"/>
                   </a:ext>
                 </a:extLst>
               </a:tr>
@@ -15547,7 +15467,7 @@
                 </a:tc>
                 <a:extLst>
                   <a:ext uri="{0D108BD9-81ED-4DB2-BD59-A6C34878D82A}">
-                    <a16:rowId xmlns:a16="http://schemas.microsoft.com/office/drawing/2014/main" xmlns="" val="631361750"/>
+                    <a16:rowId xmlns="" xmlns:a16="http://schemas.microsoft.com/office/drawing/2014/main" val="631361750"/>
                   </a:ext>
                 </a:extLst>
               </a:tr>
@@ -15636,7 +15556,7 @@
                 </a:tc>
                 <a:extLst>
                   <a:ext uri="{0D108BD9-81ED-4DB2-BD59-A6C34878D82A}">
-                    <a16:rowId xmlns:a16="http://schemas.microsoft.com/office/drawing/2014/main" xmlns="" val="2636440860"/>
+                    <a16:rowId xmlns="" xmlns:a16="http://schemas.microsoft.com/office/drawing/2014/main" val="2636440860"/>
                   </a:ext>
                 </a:extLst>
               </a:tr>
@@ -15732,7 +15652,7 @@
                 </a:tc>
                 <a:extLst>
                   <a:ext uri="{0D108BD9-81ED-4DB2-BD59-A6C34878D82A}">
-                    <a16:rowId xmlns:a16="http://schemas.microsoft.com/office/drawing/2014/main" xmlns="" val="1250471564"/>
+                    <a16:rowId xmlns="" xmlns:a16="http://schemas.microsoft.com/office/drawing/2014/main" val="1250471564"/>
                   </a:ext>
                 </a:extLst>
               </a:tr>
@@ -15821,7 +15741,7 @@
                 </a:tc>
                 <a:extLst>
                   <a:ext uri="{0D108BD9-81ED-4DB2-BD59-A6C34878D82A}">
-                    <a16:rowId xmlns:a16="http://schemas.microsoft.com/office/drawing/2014/main" xmlns="" val="4010384198"/>
+                    <a16:rowId xmlns="" xmlns:a16="http://schemas.microsoft.com/office/drawing/2014/main" val="4010384198"/>
                   </a:ext>
                 </a:extLst>
               </a:tr>
@@ -15910,7 +15830,7 @@
                 </a:tc>
                 <a:extLst>
                   <a:ext uri="{0D108BD9-81ED-4DB2-BD59-A6C34878D82A}">
-                    <a16:rowId xmlns:a16="http://schemas.microsoft.com/office/drawing/2014/main" xmlns="" val="2027659082"/>
+                    <a16:rowId xmlns="" xmlns:a16="http://schemas.microsoft.com/office/drawing/2014/main" val="2027659082"/>
                   </a:ext>
                 </a:extLst>
               </a:tr>
@@ -15923,6 +15843,13 @@
   <p:clrMapOvr>
     <a:masterClrMapping/>
   </p:clrMapOvr>
+  <p:timing>
+    <p:tnLst>
+      <p:par>
+        <p:cTn id="1" dur="indefinite" restart="never" nodeType="tmRoot"/>
+      </p:par>
+    </p:tnLst>
+  </p:timing>
 </p:sld>
 </file>
 
@@ -20588,7 +20515,7 @@
           <p:nvPr>
             <p:extLst>
               <p:ext uri="{D42A27DB-BD31-4B8C-83A1-F6EECF244321}">
-                <p14:modId xmlns:p14="http://schemas.microsoft.com/office/powerpoint/2010/main" xmlns="" val="2506140230"/>
+                <p14:modId xmlns:p14="http://schemas.microsoft.com/office/powerpoint/2010/main" val="2506140230"/>
               </p:ext>
             </p:extLst>
           </p:nvPr>
@@ -20607,35 +20534,35 @@
                 <a:gridCol w="349848">
                   <a:extLst>
                     <a:ext uri="{9D8B030D-6E8A-4147-A177-3AD203B41FA5}">
-                      <a16:colId xmlns:a16="http://schemas.microsoft.com/office/drawing/2014/main" xmlns="" val="3350926067"/>
+                      <a16:colId xmlns="" xmlns:a16="http://schemas.microsoft.com/office/drawing/2014/main" val="3350926067"/>
                     </a:ext>
                   </a:extLst>
                 </a:gridCol>
                 <a:gridCol w="349848">
                   <a:extLst>
                     <a:ext uri="{9D8B030D-6E8A-4147-A177-3AD203B41FA5}">
-                      <a16:colId xmlns:a16="http://schemas.microsoft.com/office/drawing/2014/main" xmlns="" val="3704222402"/>
+                      <a16:colId xmlns="" xmlns:a16="http://schemas.microsoft.com/office/drawing/2014/main" val="3704222402"/>
                     </a:ext>
                   </a:extLst>
                 </a:gridCol>
                 <a:gridCol w="349848">
                   <a:extLst>
                     <a:ext uri="{9D8B030D-6E8A-4147-A177-3AD203B41FA5}">
-                      <a16:colId xmlns:a16="http://schemas.microsoft.com/office/drawing/2014/main" xmlns="" val="1732804068"/>
+                      <a16:colId xmlns="" xmlns:a16="http://schemas.microsoft.com/office/drawing/2014/main" val="1732804068"/>
                     </a:ext>
                   </a:extLst>
                 </a:gridCol>
                 <a:gridCol w="349848">
                   <a:extLst>
                     <a:ext uri="{9D8B030D-6E8A-4147-A177-3AD203B41FA5}">
-                      <a16:colId xmlns:a16="http://schemas.microsoft.com/office/drawing/2014/main" xmlns="" val="504219294"/>
+                      <a16:colId xmlns="" xmlns:a16="http://schemas.microsoft.com/office/drawing/2014/main" val="504219294"/>
                     </a:ext>
                   </a:extLst>
                 </a:gridCol>
                 <a:gridCol w="349848">
                   <a:extLst>
                     <a:ext uri="{9D8B030D-6E8A-4147-A177-3AD203B41FA5}">
-                      <a16:colId xmlns:a16="http://schemas.microsoft.com/office/drawing/2014/main" xmlns="" val="253295659"/>
+                      <a16:colId xmlns="" xmlns:a16="http://schemas.microsoft.com/office/drawing/2014/main" val="253295659"/>
                     </a:ext>
                   </a:extLst>
                 </a:gridCol>
@@ -20713,7 +20640,7 @@
                 </a:tc>
                 <a:extLst>
                   <a:ext uri="{0D108BD9-81ED-4DB2-BD59-A6C34878D82A}">
-                    <a16:rowId xmlns:a16="http://schemas.microsoft.com/office/drawing/2014/main" xmlns="" val="49898677"/>
+                    <a16:rowId xmlns="" xmlns:a16="http://schemas.microsoft.com/office/drawing/2014/main" val="49898677"/>
                   </a:ext>
                 </a:extLst>
               </a:tr>
@@ -20747,7 +20674,7 @@
             <a:blip r:embed="rId2" cstate="print">
               <a:extLst>
                 <a:ext uri="{28A0092B-C50C-407E-A947-70E740481C1C}">
-                  <a14:useLocalDpi xmlns:a14="http://schemas.microsoft.com/office/drawing/2010/main" xmlns="" val="0"/>
+                  <a14:useLocalDpi xmlns:a14="http://schemas.microsoft.com/office/drawing/2010/main" val="0"/>
                 </a:ext>
               </a:extLst>
             </a:blip>
@@ -20767,7 +20694,7 @@
             <a:noFill/>
             <a:extLst>
               <a:ext uri="{909E8E84-426E-40DD-AFC4-6F175D3DCCD1}">
-                <a14:hiddenFill xmlns:a14="http://schemas.microsoft.com/office/drawing/2010/main" xmlns="">
+                <a14:hiddenFill xmlns:a14="http://schemas.microsoft.com/office/drawing/2010/main">
                   <a:solidFill>
                     <a:srgbClr val="FFFFFF"/>
                   </a:solidFill>
@@ -21006,7 +20933,7 @@
             <a:blip r:embed="rId2" cstate="print">
               <a:extLst>
                 <a:ext uri="{28A0092B-C50C-407E-A947-70E740481C1C}">
-                  <a14:useLocalDpi xmlns:a14="http://schemas.microsoft.com/office/drawing/2010/main" xmlns="" val="0"/>
+                  <a14:useLocalDpi xmlns:a14="http://schemas.microsoft.com/office/drawing/2010/main" val="0"/>
                 </a:ext>
               </a:extLst>
             </a:blip>
@@ -21026,7 +20953,7 @@
             <a:noFill/>
             <a:extLst>
               <a:ext uri="{909E8E84-426E-40DD-AFC4-6F175D3DCCD1}">
-                <a14:hiddenFill xmlns:a14="http://schemas.microsoft.com/office/drawing/2010/main" xmlns="">
+                <a14:hiddenFill xmlns:a14="http://schemas.microsoft.com/office/drawing/2010/main">
                   <a:solidFill>
                     <a:srgbClr val="FFFFFF"/>
                   </a:solidFill>
@@ -21070,7 +20997,7 @@
     </p:spTree>
     <p:extLst>
       <p:ext uri="{BB962C8B-B14F-4D97-AF65-F5344CB8AC3E}">
-        <p14:creationId xmlns:p14="http://schemas.microsoft.com/office/powerpoint/2010/main" xmlns="" val="2072099023"/>
+        <p14:creationId xmlns:p14="http://schemas.microsoft.com/office/powerpoint/2010/main" val="2072099023"/>
       </p:ext>
     </p:extLst>
   </p:cSld>
@@ -21081,6 +21008,6200 @@
     <p:tnLst>
       <p:par>
         <p:cTn id="1" dur="indefinite" restart="never" nodeType="tmRoot"/>
+      </p:par>
+    </p:tnLst>
+  </p:timing>
+</p:sld>
+</file>
+
+<file path=ppt/slides/slide32.xml><?xml version="1.0" encoding="utf-8"?>
+<p:sld xmlns:a="http://schemas.openxmlformats.org/drawingml/2006/main" xmlns:r="http://schemas.openxmlformats.org/officeDocument/2006/relationships" xmlns:p="http://schemas.openxmlformats.org/presentationml/2006/main">
+  <p:cSld>
+    <p:spTree>
+      <p:nvGrpSpPr>
+        <p:cNvPr id="1" name=""/>
+        <p:cNvGrpSpPr/>
+        <p:nvPr/>
+      </p:nvGrpSpPr>
+      <p:grpSpPr>
+        <a:xfrm>
+          <a:off x="0" y="0"/>
+          <a:ext cx="0" cy="0"/>
+          <a:chOff x="0" y="0"/>
+          <a:chExt cx="0" cy="0"/>
+        </a:xfrm>
+      </p:grpSpPr>
+      <p:sp>
+        <p:nvSpPr>
+          <p:cNvPr id="2" name="Title 1"/>
+          <p:cNvSpPr>
+            <a:spLocks noGrp="1"/>
+          </p:cNvSpPr>
+          <p:nvPr>
+            <p:ph type="title"/>
+          </p:nvPr>
+        </p:nvSpPr>
+        <p:spPr/>
+        <p:txBody>
+          <a:bodyPr/>
+          <a:lstStyle/>
+          <a:p>
+            <a:r>
+              <a:rPr lang="en-US" dirty="0" smtClean="0"/>
+              <a:t>Imperative control</a:t>
+            </a:r>
+            <a:endParaRPr lang="en-US" dirty="0"/>
+          </a:p>
+        </p:txBody>
+      </p:sp>
+    </p:spTree>
+    <p:extLst>
+      <p:ext uri="{BB962C8B-B14F-4D97-AF65-F5344CB8AC3E}">
+        <p14:creationId xmlns:p14="http://schemas.microsoft.com/office/powerpoint/2010/main" val="2658037569"/>
+      </p:ext>
+    </p:extLst>
+  </p:cSld>
+  <p:clrMapOvr>
+    <a:masterClrMapping/>
+  </p:clrMapOvr>
+  <mc:AlternateContent xmlns:mc="http://schemas.openxmlformats.org/markup-compatibility/2006">
+    <mc:Choice xmlns:p15="http://schemas.microsoft.com/office/powerpoint/2012/main" Requires="p15">
+      <p:transition xmlns:p14="http://schemas.microsoft.com/office/powerpoint/2010/main" spd="slow" p14:dur="6000">
+        <p15:prstTrans prst="curtains"/>
+      </p:transition>
+    </mc:Choice>
+    <mc:Fallback>
+      <p:transition spd="slow">
+        <p:fade/>
+      </p:transition>
+    </mc:Fallback>
+  </mc:AlternateContent>
+  <p:timing>
+    <p:tnLst>
+      <p:par>
+        <p:cTn id="1" dur="indefinite" restart="never" nodeType="tmRoot"/>
+      </p:par>
+    </p:tnLst>
+  </p:timing>
+</p:sld>
+</file>
+
+<file path=ppt/slides/slide33.xml><?xml version="1.0" encoding="utf-8"?>
+<p:sld xmlns:a="http://schemas.openxmlformats.org/drawingml/2006/main" xmlns:r="http://schemas.openxmlformats.org/officeDocument/2006/relationships" xmlns:p="http://schemas.openxmlformats.org/presentationml/2006/main">
+  <p:cSld>
+    <p:spTree>
+      <p:nvGrpSpPr>
+        <p:cNvPr id="1" name=""/>
+        <p:cNvGrpSpPr/>
+        <p:nvPr/>
+      </p:nvGrpSpPr>
+      <p:grpSpPr>
+        <a:xfrm>
+          <a:off x="0" y="0"/>
+          <a:ext cx="0" cy="0"/>
+          <a:chOff x="0" y="0"/>
+          <a:chExt cx="0" cy="0"/>
+        </a:xfrm>
+      </p:grpSpPr>
+      <p:sp>
+        <p:nvSpPr>
+          <p:cNvPr id="2" name="Title 1"/>
+          <p:cNvSpPr>
+            <a:spLocks noGrp="1"/>
+          </p:cNvSpPr>
+          <p:nvPr>
+            <p:ph type="title"/>
+          </p:nvPr>
+        </p:nvSpPr>
+        <p:spPr/>
+        <p:txBody>
+          <a:bodyPr/>
+          <a:lstStyle/>
+          <a:p>
+            <a:r>
+              <a:rPr lang="en-US" dirty="0" smtClean="0"/>
+              <a:t>Imperative Control</a:t>
+            </a:r>
+            <a:endParaRPr lang="en-US" dirty="0"/>
+          </a:p>
+        </p:txBody>
+      </p:sp>
+      <p:sp>
+        <p:nvSpPr>
+          <p:cNvPr id="3" name="Content Placeholder 2"/>
+          <p:cNvSpPr>
+            <a:spLocks noGrp="1"/>
+          </p:cNvSpPr>
+          <p:nvPr>
+            <p:ph idx="1"/>
+          </p:nvPr>
+        </p:nvSpPr>
+        <p:spPr/>
+        <p:txBody>
+          <a:bodyPr/>
+          <a:lstStyle/>
+          <a:p>
+            <a:r>
+              <a:rPr lang="en-US" sz="3200" dirty="0"/>
+              <a:t>A</a:t>
+            </a:r>
+            <a:r>
+              <a:rPr lang="en-US" sz="3200" dirty="0" smtClean="0"/>
+              <a:t>llows </a:t>
+            </a:r>
+            <a:r>
+              <a:rPr lang="en-US" sz="3200" dirty="0"/>
+              <a:t>to explicitly define the execution order of program statements and expressions. </a:t>
+            </a:r>
+            <a:endParaRPr lang="en-US" sz="3200" dirty="0" smtClean="0"/>
+          </a:p>
+          <a:p>
+            <a:r>
+              <a:rPr lang="en-US" sz="3200" dirty="0" smtClean="0"/>
+              <a:t>Method </a:t>
+            </a:r>
+            <a:r>
+              <a:rPr lang="en-US" sz="3200" dirty="0"/>
+              <a:t>or procedure is a sequence of control constructs. </a:t>
+            </a:r>
+            <a:endParaRPr lang="en-US" sz="3200" dirty="0" smtClean="0"/>
+          </a:p>
+          <a:p>
+            <a:r>
+              <a:rPr lang="en-US" sz="3200" dirty="0" smtClean="0"/>
+              <a:t>A </a:t>
+            </a:r>
+            <a:r>
+              <a:rPr lang="en-US" sz="3200" dirty="0"/>
+              <a:t>method could be invoked, with or without passing parameters and its result could be returned to the caller. </a:t>
+            </a:r>
+            <a:endParaRPr lang="en-US" sz="3200" dirty="0" smtClean="0"/>
+          </a:p>
+          <a:p>
+            <a:r>
+              <a:rPr lang="en-US" sz="3200" dirty="0" smtClean="0"/>
+              <a:t>Body </a:t>
+            </a:r>
+            <a:r>
+              <a:rPr lang="en-US" sz="3200" dirty="0"/>
+              <a:t>of method/procedure may contain imperative control expressions like if…else, switch statements and iteration statements like for, while, do etc</a:t>
+            </a:r>
+            <a:r>
+              <a:rPr lang="en-US" dirty="0"/>
+              <a:t>.</a:t>
+            </a:r>
+            <a:endParaRPr lang="en-US" dirty="0"/>
+          </a:p>
+        </p:txBody>
+      </p:sp>
+    </p:spTree>
+    <p:extLst>
+      <p:ext uri="{BB962C8B-B14F-4D97-AF65-F5344CB8AC3E}">
+        <p14:creationId xmlns:p14="http://schemas.microsoft.com/office/powerpoint/2010/main" val="2050152894"/>
+      </p:ext>
+    </p:extLst>
+  </p:cSld>
+  <p:clrMapOvr>
+    <a:masterClrMapping/>
+  </p:clrMapOvr>
+  <mc:AlternateContent xmlns:mc="http://schemas.openxmlformats.org/markup-compatibility/2006">
+    <mc:Choice xmlns:p14="http://schemas.microsoft.com/office/powerpoint/2010/main" Requires="p14">
+      <p:transition spd="slow" p14:dur="3400">
+        <p14:reveal/>
+      </p:transition>
+    </mc:Choice>
+    <mc:Fallback>
+      <p:transition spd="slow">
+        <p:fade/>
+      </p:transition>
+    </mc:Fallback>
+  </mc:AlternateContent>
+  <p:timing>
+    <p:tnLst>
+      <p:par>
+        <p:cTn id="1" dur="indefinite" restart="never" nodeType="tmRoot"/>
+      </p:par>
+    </p:tnLst>
+  </p:timing>
+</p:sld>
+</file>
+
+<file path=ppt/slides/slide34.xml><?xml version="1.0" encoding="utf-8"?>
+<p:sld xmlns:a="http://schemas.openxmlformats.org/drawingml/2006/main" xmlns:r="http://schemas.openxmlformats.org/officeDocument/2006/relationships" xmlns:p="http://schemas.openxmlformats.org/presentationml/2006/main">
+  <p:cSld>
+    <p:spTree>
+      <p:nvGrpSpPr>
+        <p:cNvPr id="1" name=""/>
+        <p:cNvGrpSpPr/>
+        <p:nvPr/>
+      </p:nvGrpSpPr>
+      <p:grpSpPr>
+        <a:xfrm>
+          <a:off x="0" y="0"/>
+          <a:ext cx="0" cy="0"/>
+          <a:chOff x="0" y="0"/>
+          <a:chExt cx="0" cy="0"/>
+        </a:xfrm>
+      </p:grpSpPr>
+      <p:graphicFrame>
+        <p:nvGraphicFramePr>
+          <p:cNvPr id="5" name="Content Placeholder 4"/>
+          <p:cNvGraphicFramePr>
+            <a:graphicFrameLocks noGrp="1"/>
+          </p:cNvGraphicFramePr>
+          <p:nvPr>
+            <p:ph idx="1"/>
+            <p:extLst>
+              <p:ext uri="{D42A27DB-BD31-4B8C-83A1-F6EECF244321}">
+                <p14:modId xmlns:p14="http://schemas.microsoft.com/office/powerpoint/2010/main" val="2044409736"/>
+              </p:ext>
+            </p:extLst>
+          </p:nvPr>
+        </p:nvGraphicFramePr>
+        <p:xfrm>
+          <a:off x="838197" y="1494974"/>
+          <a:ext cx="10515602" cy="4441373"/>
+        </p:xfrm>
+        <a:graphic>
+          <a:graphicData uri="http://schemas.openxmlformats.org/drawingml/2006/table">
+            <a:tbl>
+              <a:tblPr firstRow="1" firstCol="1" bandRow="1">
+                <a:tableStyleId>{5C22544A-7EE6-4342-B048-85BDC9FD1C3A}</a:tableStyleId>
+              </a:tblPr>
+              <a:tblGrid>
+                <a:gridCol w="1164774"/>
+                <a:gridCol w="2220686"/>
+                <a:gridCol w="2467429"/>
+                <a:gridCol w="2409371"/>
+                <a:gridCol w="2253342"/>
+              </a:tblGrid>
+              <a:tr h="389237">
+                <a:tc>
+                  <a:txBody>
+                    <a:bodyPr/>
+                    <a:lstStyle/>
+                    <a:p>
+                      <a:pPr marL="0" marR="0" algn="just">
+                        <a:lnSpc>
+                          <a:spcPct val="115000"/>
+                        </a:lnSpc>
+                        <a:spcBef>
+                          <a:spcPts val="0"/>
+                        </a:spcBef>
+                        <a:spcAft>
+                          <a:spcPts val="0"/>
+                        </a:spcAft>
+                      </a:pPr>
+                      <a:r>
+                        <a:rPr lang="en-US" sz="1200" dirty="0">
+                          <a:effectLst/>
+                        </a:rPr>
+                        <a:t> </a:t>
+                      </a:r>
+                      <a:endParaRPr lang="en-US" sz="1200" dirty="0">
+                        <a:effectLst/>
+                        <a:latin typeface="Calibri" panose="020F0502020204030204" pitchFamily="34" charset="0"/>
+                        <a:ea typeface="Calibri" panose="020F0502020204030204" pitchFamily="34" charset="0"/>
+                        <a:cs typeface="Arial" panose="020B0604020202020204" pitchFamily="34" charset="0"/>
+                      </a:endParaRPr>
+                    </a:p>
+                  </a:txBody>
+                  <a:tcPr marL="68580" marR="68580" marT="0" marB="0" anchor="ctr"/>
+                </a:tc>
+                <a:tc>
+                  <a:txBody>
+                    <a:bodyPr/>
+                    <a:lstStyle/>
+                    <a:p>
+                      <a:pPr marL="0" marR="0" algn="just">
+                        <a:lnSpc>
+                          <a:spcPct val="115000"/>
+                        </a:lnSpc>
+                        <a:spcBef>
+                          <a:spcPts val="0"/>
+                        </a:spcBef>
+                        <a:spcAft>
+                          <a:spcPts val="0"/>
+                        </a:spcAft>
+                      </a:pPr>
+                      <a:r>
+                        <a:rPr lang="en-US" sz="1200" dirty="0">
+                          <a:effectLst/>
+                        </a:rPr>
+                        <a:t> </a:t>
+                      </a:r>
+                      <a:r>
+                        <a:rPr lang="en-US" sz="1200" dirty="0" smtClean="0">
+                          <a:effectLst/>
+                        </a:rPr>
+                        <a:t>Method/Procedure </a:t>
+                      </a:r>
+                      <a:r>
+                        <a:rPr lang="en-US" sz="1200" dirty="0">
+                          <a:effectLst/>
+                        </a:rPr>
+                        <a:t>Invocation </a:t>
+                      </a:r>
+                      <a:endParaRPr lang="en-US" sz="1200" dirty="0">
+                        <a:effectLst/>
+                        <a:latin typeface="Calibri" panose="020F0502020204030204" pitchFamily="34" charset="0"/>
+                        <a:ea typeface="Calibri" panose="020F0502020204030204" pitchFamily="34" charset="0"/>
+                        <a:cs typeface="Arial" panose="020B0604020202020204" pitchFamily="34" charset="0"/>
+                      </a:endParaRPr>
+                    </a:p>
+                  </a:txBody>
+                  <a:tcPr marL="68580" marR="68580" marT="0" marB="0" anchor="ctr"/>
+                </a:tc>
+                <a:tc>
+                  <a:txBody>
+                    <a:bodyPr/>
+                    <a:lstStyle/>
+                    <a:p>
+                      <a:pPr marL="0" marR="0" algn="just">
+                        <a:lnSpc>
+                          <a:spcPct val="115000"/>
+                        </a:lnSpc>
+                        <a:spcBef>
+                          <a:spcPts val="0"/>
+                        </a:spcBef>
+                        <a:spcAft>
+                          <a:spcPts val="0"/>
+                        </a:spcAft>
+                      </a:pPr>
+                      <a:r>
+                        <a:rPr lang="en-US" sz="1200" dirty="0" smtClean="0">
+                          <a:effectLst/>
+                        </a:rPr>
+                        <a:t>Method/Procedure </a:t>
+                      </a:r>
+                      <a:r>
+                        <a:rPr lang="en-US" sz="1200" dirty="0">
+                          <a:effectLst/>
+                        </a:rPr>
+                        <a:t>Parameters</a:t>
+                      </a:r>
+                      <a:endParaRPr lang="en-US" sz="1200" dirty="0">
+                        <a:effectLst/>
+                        <a:latin typeface="Calibri" panose="020F0502020204030204" pitchFamily="34" charset="0"/>
+                        <a:ea typeface="Calibri" panose="020F0502020204030204" pitchFamily="34" charset="0"/>
+                        <a:cs typeface="Arial" panose="020B0604020202020204" pitchFamily="34" charset="0"/>
+                      </a:endParaRPr>
+                    </a:p>
+                  </a:txBody>
+                  <a:tcPr marL="68580" marR="68580" marT="0" marB="0" anchor="ctr"/>
+                </a:tc>
+                <a:tc>
+                  <a:txBody>
+                    <a:bodyPr/>
+                    <a:lstStyle/>
+                    <a:p>
+                      <a:pPr marL="0" marR="0" algn="just">
+                        <a:lnSpc>
+                          <a:spcPct val="115000"/>
+                        </a:lnSpc>
+                        <a:spcBef>
+                          <a:spcPts val="0"/>
+                        </a:spcBef>
+                        <a:spcAft>
+                          <a:spcPts val="0"/>
+                        </a:spcAft>
+                      </a:pPr>
+                      <a:r>
+                        <a:rPr lang="en-US" sz="1200" dirty="0">
+                          <a:effectLst/>
+                        </a:rPr>
+                        <a:t>Imperative conditional expressions</a:t>
+                      </a:r>
+                      <a:endParaRPr lang="en-US" sz="1200" dirty="0">
+                        <a:effectLst/>
+                        <a:latin typeface="Calibri" panose="020F0502020204030204" pitchFamily="34" charset="0"/>
+                        <a:ea typeface="Calibri" panose="020F0502020204030204" pitchFamily="34" charset="0"/>
+                        <a:cs typeface="Arial" panose="020B0604020202020204" pitchFamily="34" charset="0"/>
+                      </a:endParaRPr>
+                    </a:p>
+                  </a:txBody>
+                  <a:tcPr marL="68580" marR="68580" marT="0" marB="0" anchor="ctr"/>
+                </a:tc>
+                <a:tc>
+                  <a:txBody>
+                    <a:bodyPr/>
+                    <a:lstStyle/>
+                    <a:p>
+                      <a:pPr marL="0" marR="0" algn="just">
+                        <a:lnSpc>
+                          <a:spcPct val="115000"/>
+                        </a:lnSpc>
+                        <a:spcBef>
+                          <a:spcPts val="0"/>
+                        </a:spcBef>
+                        <a:spcAft>
+                          <a:spcPts val="0"/>
+                        </a:spcAft>
+                      </a:pPr>
+                      <a:r>
+                        <a:rPr lang="en-US" sz="1200" dirty="0">
+                          <a:effectLst/>
+                        </a:rPr>
+                        <a:t>Iteration</a:t>
+                      </a:r>
+                      <a:endParaRPr lang="en-US" sz="1200" dirty="0">
+                        <a:effectLst/>
+                        <a:latin typeface="Calibri" panose="020F0502020204030204" pitchFamily="34" charset="0"/>
+                        <a:ea typeface="Calibri" panose="020F0502020204030204" pitchFamily="34" charset="0"/>
+                        <a:cs typeface="Arial" panose="020B0604020202020204" pitchFamily="34" charset="0"/>
+                      </a:endParaRPr>
+                    </a:p>
+                  </a:txBody>
+                  <a:tcPr marL="68580" marR="68580" marT="0" marB="0" anchor="ctr"/>
+                </a:tc>
+              </a:tr>
+              <a:tr h="337678">
+                <a:tc>
+                  <a:txBody>
+                    <a:bodyPr/>
+                    <a:lstStyle/>
+                    <a:p>
+                      <a:pPr marL="0" marR="0" algn="just">
+                        <a:lnSpc>
+                          <a:spcPct val="115000"/>
+                        </a:lnSpc>
+                        <a:spcBef>
+                          <a:spcPts val="0"/>
+                        </a:spcBef>
+                        <a:spcAft>
+                          <a:spcPts val="0"/>
+                        </a:spcAft>
+                      </a:pPr>
+                      <a:r>
+                        <a:rPr lang="en-US" sz="1600" dirty="0">
+                          <a:effectLst/>
+                        </a:rPr>
+                        <a:t>Scala</a:t>
+                      </a:r>
+                      <a:endParaRPr lang="en-US" sz="1600" dirty="0">
+                        <a:effectLst/>
+                        <a:latin typeface="Calibri" panose="020F0502020204030204" pitchFamily="34" charset="0"/>
+                        <a:ea typeface="Calibri" panose="020F0502020204030204" pitchFamily="34" charset="0"/>
+                        <a:cs typeface="Arial" panose="020B0604020202020204" pitchFamily="34" charset="0"/>
+                      </a:endParaRPr>
+                    </a:p>
+                  </a:txBody>
+                  <a:tcPr marL="68580" marR="68580" marT="0" marB="0" anchor="ctr"/>
+                </a:tc>
+                <a:tc>
+                  <a:txBody>
+                    <a:bodyPr/>
+                    <a:lstStyle/>
+                    <a:p>
+                      <a:pPr marL="0" marR="0" algn="just">
+                        <a:lnSpc>
+                          <a:spcPct val="115000"/>
+                        </a:lnSpc>
+                        <a:spcBef>
+                          <a:spcPts val="0"/>
+                        </a:spcBef>
+                        <a:spcAft>
+                          <a:spcPts val="0"/>
+                        </a:spcAft>
+                      </a:pPr>
+                      <a:r>
+                        <a:rPr lang="en-US" sz="1200" dirty="0">
+                          <a:effectLst/>
+                        </a:rPr>
+                        <a:t>By name or function pointer </a:t>
+                      </a:r>
+                      <a:endParaRPr lang="en-US" sz="1200" dirty="0">
+                        <a:effectLst/>
+                        <a:latin typeface="Calibri" panose="020F0502020204030204" pitchFamily="34" charset="0"/>
+                        <a:ea typeface="Calibri" panose="020F0502020204030204" pitchFamily="34" charset="0"/>
+                        <a:cs typeface="Arial" panose="020B0604020202020204" pitchFamily="34" charset="0"/>
+                      </a:endParaRPr>
+                    </a:p>
+                  </a:txBody>
+                  <a:tcPr marL="68580" marR="68580" marT="0" marB="0" anchor="ctr"/>
+                </a:tc>
+                <a:tc>
+                  <a:txBody>
+                    <a:bodyPr/>
+                    <a:lstStyle/>
+                    <a:p>
+                      <a:pPr marL="0" marR="0" algn="just">
+                        <a:lnSpc>
+                          <a:spcPct val="115000"/>
+                        </a:lnSpc>
+                        <a:spcBef>
+                          <a:spcPts val="0"/>
+                        </a:spcBef>
+                        <a:spcAft>
+                          <a:spcPts val="0"/>
+                        </a:spcAft>
+                      </a:pPr>
+                      <a:r>
+                        <a:rPr lang="en-US" sz="1200">
+                          <a:effectLst/>
+                        </a:rPr>
+                        <a:t>Positional, by val</a:t>
+                      </a:r>
+                      <a:endParaRPr lang="en-US" sz="1200">
+                        <a:effectLst/>
+                        <a:latin typeface="Calibri" panose="020F0502020204030204" pitchFamily="34" charset="0"/>
+                        <a:ea typeface="Calibri" panose="020F0502020204030204" pitchFamily="34" charset="0"/>
+                        <a:cs typeface="Arial" panose="020B0604020202020204" pitchFamily="34" charset="0"/>
+                      </a:endParaRPr>
+                    </a:p>
+                  </a:txBody>
+                  <a:tcPr marL="68580" marR="68580" marT="0" marB="0" anchor="ctr"/>
+                </a:tc>
+                <a:tc>
+                  <a:txBody>
+                    <a:bodyPr/>
+                    <a:lstStyle/>
+                    <a:p>
+                      <a:pPr marL="0" marR="0" algn="just">
+                        <a:lnSpc>
+                          <a:spcPct val="115000"/>
+                        </a:lnSpc>
+                        <a:spcBef>
+                          <a:spcPts val="0"/>
+                        </a:spcBef>
+                        <a:spcAft>
+                          <a:spcPts val="0"/>
+                        </a:spcAft>
+                      </a:pPr>
+                      <a:r>
+                        <a:rPr lang="en-US" sz="1200" dirty="0">
+                          <a:effectLst/>
+                        </a:rPr>
+                        <a:t>If (x&gt;y) {max= x;}else {max=y;}</a:t>
+                      </a:r>
+                      <a:endParaRPr lang="en-US" sz="1200" dirty="0">
+                        <a:effectLst/>
+                        <a:latin typeface="Calibri" panose="020F0502020204030204" pitchFamily="34" charset="0"/>
+                        <a:ea typeface="Calibri" panose="020F0502020204030204" pitchFamily="34" charset="0"/>
+                        <a:cs typeface="Arial" panose="020B0604020202020204" pitchFamily="34" charset="0"/>
+                      </a:endParaRPr>
+                    </a:p>
+                  </a:txBody>
+                  <a:tcPr marL="68580" marR="68580" marT="0" marB="0" anchor="ctr"/>
+                </a:tc>
+                <a:tc>
+                  <a:txBody>
+                    <a:bodyPr/>
+                    <a:lstStyle/>
+                    <a:p>
+                      <a:pPr marL="0" marR="0" algn="just">
+                        <a:lnSpc>
+                          <a:spcPts val="835"/>
+                        </a:lnSpc>
+                        <a:spcBef>
+                          <a:spcPts val="0"/>
+                        </a:spcBef>
+                        <a:spcAft>
+                          <a:spcPts val="0"/>
+                        </a:spcAft>
+                        <a:tabLst>
+                          <a:tab pos="581660" algn="l"/>
+                          <a:tab pos="1163320" algn="l"/>
+                          <a:tab pos="1744980" algn="l"/>
+                          <a:tab pos="2326640" algn="l"/>
+                          <a:tab pos="2908300" algn="l"/>
+                          <a:tab pos="3489960" algn="l"/>
+                          <a:tab pos="4071620" algn="l"/>
+                          <a:tab pos="4653280" algn="l"/>
+                          <a:tab pos="5234940" algn="l"/>
+                          <a:tab pos="5816600" algn="l"/>
+                          <a:tab pos="6398260" algn="l"/>
+                          <a:tab pos="6979920" algn="l"/>
+                          <a:tab pos="7561580" algn="l"/>
+                          <a:tab pos="8143240" algn="l"/>
+                          <a:tab pos="8724900" algn="l"/>
+                          <a:tab pos="9306560" algn="l"/>
+                        </a:tabLst>
+                      </a:pPr>
+                      <a:endParaRPr lang="en-US" sz="1200" dirty="0" smtClean="0">
+                        <a:effectLst/>
+                      </a:endParaRPr>
+                    </a:p>
+                    <a:p>
+                      <a:pPr marL="0" marR="0" algn="just">
+                        <a:lnSpc>
+                          <a:spcPts val="835"/>
+                        </a:lnSpc>
+                        <a:spcBef>
+                          <a:spcPts val="0"/>
+                        </a:spcBef>
+                        <a:spcAft>
+                          <a:spcPts val="0"/>
+                        </a:spcAft>
+                        <a:tabLst>
+                          <a:tab pos="581660" algn="l"/>
+                          <a:tab pos="1163320" algn="l"/>
+                          <a:tab pos="1744980" algn="l"/>
+                          <a:tab pos="2326640" algn="l"/>
+                          <a:tab pos="2908300" algn="l"/>
+                          <a:tab pos="3489960" algn="l"/>
+                          <a:tab pos="4071620" algn="l"/>
+                          <a:tab pos="4653280" algn="l"/>
+                          <a:tab pos="5234940" algn="l"/>
+                          <a:tab pos="5816600" algn="l"/>
+                          <a:tab pos="6398260" algn="l"/>
+                          <a:tab pos="6979920" algn="l"/>
+                          <a:tab pos="7561580" algn="l"/>
+                          <a:tab pos="8143240" algn="l"/>
+                          <a:tab pos="8724900" algn="l"/>
+                          <a:tab pos="9306560" algn="l"/>
+                        </a:tabLst>
+                      </a:pPr>
+                      <a:r>
+                        <a:rPr lang="en-US" sz="1200" dirty="0" smtClean="0">
+                          <a:effectLst/>
+                        </a:rPr>
+                        <a:t>While</a:t>
+                      </a:r>
+                      <a:r>
+                        <a:rPr lang="en-US" sz="1200" dirty="0">
+                          <a:effectLst/>
+                        </a:rPr>
+                        <a:t>, do-while, for</a:t>
+                      </a:r>
+                      <a:endParaRPr lang="en-US" sz="1200" dirty="0">
+                        <a:effectLst/>
+                        <a:latin typeface="Calibri" panose="020F0502020204030204" pitchFamily="34" charset="0"/>
+                        <a:ea typeface="Calibri" panose="020F0502020204030204" pitchFamily="34" charset="0"/>
+                        <a:cs typeface="Arial" panose="020B0604020202020204" pitchFamily="34" charset="0"/>
+                      </a:endParaRPr>
+                    </a:p>
+                  </a:txBody>
+                  <a:tcPr marL="68580" marR="68580" marT="0" marB="0" anchor="ctr"/>
+                </a:tc>
+              </a:tr>
+              <a:tr h="337678">
+                <a:tc>
+                  <a:txBody>
+                    <a:bodyPr/>
+                    <a:lstStyle/>
+                    <a:p>
+                      <a:pPr marL="0" marR="0" algn="just">
+                        <a:lnSpc>
+                          <a:spcPct val="115000"/>
+                        </a:lnSpc>
+                        <a:spcBef>
+                          <a:spcPts val="0"/>
+                        </a:spcBef>
+                        <a:spcAft>
+                          <a:spcPts val="0"/>
+                        </a:spcAft>
+                      </a:pPr>
+                      <a:r>
+                        <a:rPr lang="en-US" sz="1600" dirty="0">
+                          <a:effectLst/>
+                        </a:rPr>
+                        <a:t>Swift</a:t>
+                      </a:r>
+                      <a:endParaRPr lang="en-US" sz="1600" dirty="0">
+                        <a:effectLst/>
+                        <a:latin typeface="Calibri" panose="020F0502020204030204" pitchFamily="34" charset="0"/>
+                        <a:ea typeface="Calibri" panose="020F0502020204030204" pitchFamily="34" charset="0"/>
+                        <a:cs typeface="Arial" panose="020B0604020202020204" pitchFamily="34" charset="0"/>
+                      </a:endParaRPr>
+                    </a:p>
+                  </a:txBody>
+                  <a:tcPr marL="68580" marR="68580" marT="0" marB="0" anchor="ctr"/>
+                </a:tc>
+                <a:tc>
+                  <a:txBody>
+                    <a:bodyPr/>
+                    <a:lstStyle/>
+                    <a:p>
+                      <a:pPr marL="0" marR="0" algn="just">
+                        <a:lnSpc>
+                          <a:spcPct val="115000"/>
+                        </a:lnSpc>
+                        <a:spcBef>
+                          <a:spcPts val="0"/>
+                        </a:spcBef>
+                        <a:spcAft>
+                          <a:spcPts val="0"/>
+                        </a:spcAft>
+                      </a:pPr>
+                      <a:r>
+                        <a:rPr lang="en-US" sz="1200" dirty="0">
+                          <a:effectLst/>
+                        </a:rPr>
+                        <a:t>By name or function pointer</a:t>
+                      </a:r>
+                      <a:endParaRPr lang="en-US" sz="1200" dirty="0">
+                        <a:effectLst/>
+                        <a:latin typeface="Calibri" panose="020F0502020204030204" pitchFamily="34" charset="0"/>
+                        <a:ea typeface="Calibri" panose="020F0502020204030204" pitchFamily="34" charset="0"/>
+                        <a:cs typeface="Arial" panose="020B0604020202020204" pitchFamily="34" charset="0"/>
+                      </a:endParaRPr>
+                    </a:p>
+                  </a:txBody>
+                  <a:tcPr marL="68580" marR="68580" marT="0" marB="0" anchor="ctr"/>
+                </a:tc>
+                <a:tc>
+                  <a:txBody>
+                    <a:bodyPr/>
+                    <a:lstStyle/>
+                    <a:p>
+                      <a:pPr marL="0" marR="0" algn="just">
+                        <a:lnSpc>
+                          <a:spcPct val="115000"/>
+                        </a:lnSpc>
+                        <a:spcBef>
+                          <a:spcPts val="0"/>
+                        </a:spcBef>
+                        <a:spcAft>
+                          <a:spcPts val="0"/>
+                        </a:spcAft>
+                      </a:pPr>
+                      <a:r>
+                        <a:rPr lang="en-US" sz="1200" dirty="0">
+                          <a:effectLst/>
+                        </a:rPr>
+                        <a:t>Positional, by </a:t>
+                      </a:r>
+                      <a:r>
+                        <a:rPr lang="en-US" sz="1200" dirty="0" err="1">
+                          <a:effectLst/>
+                        </a:rPr>
+                        <a:t>val</a:t>
+                      </a:r>
+                      <a:endParaRPr lang="en-US" sz="1200" dirty="0">
+                        <a:effectLst/>
+                        <a:latin typeface="Calibri" panose="020F0502020204030204" pitchFamily="34" charset="0"/>
+                        <a:ea typeface="Calibri" panose="020F0502020204030204" pitchFamily="34" charset="0"/>
+                        <a:cs typeface="Arial" panose="020B0604020202020204" pitchFamily="34" charset="0"/>
+                      </a:endParaRPr>
+                    </a:p>
+                  </a:txBody>
+                  <a:tcPr marL="68580" marR="68580" marT="0" marB="0" anchor="ctr"/>
+                </a:tc>
+                <a:tc>
+                  <a:txBody>
+                    <a:bodyPr/>
+                    <a:lstStyle/>
+                    <a:p>
+                      <a:pPr marL="0" marR="0" algn="just">
+                        <a:lnSpc>
+                          <a:spcPct val="115000"/>
+                        </a:lnSpc>
+                        <a:spcBef>
+                          <a:spcPts val="0"/>
+                        </a:spcBef>
+                        <a:spcAft>
+                          <a:spcPts val="0"/>
+                        </a:spcAft>
+                      </a:pPr>
+                      <a:r>
+                        <a:rPr lang="en-US" sz="1200" dirty="0">
+                          <a:effectLst/>
+                        </a:rPr>
+                        <a:t>If x&gt;y {max= x;}else {max=y;}</a:t>
+                      </a:r>
+                      <a:endParaRPr lang="en-US" sz="1200" dirty="0">
+                        <a:effectLst/>
+                        <a:latin typeface="Calibri" panose="020F0502020204030204" pitchFamily="34" charset="0"/>
+                        <a:ea typeface="Calibri" panose="020F0502020204030204" pitchFamily="34" charset="0"/>
+                        <a:cs typeface="Arial" panose="020B0604020202020204" pitchFamily="34" charset="0"/>
+                      </a:endParaRPr>
+                    </a:p>
+                  </a:txBody>
+                  <a:tcPr marL="68580" marR="68580" marT="0" marB="0" anchor="ctr"/>
+                </a:tc>
+                <a:tc>
+                  <a:txBody>
+                    <a:bodyPr/>
+                    <a:lstStyle/>
+                    <a:p>
+                      <a:pPr marL="0" marR="0" algn="just">
+                        <a:lnSpc>
+                          <a:spcPct val="115000"/>
+                        </a:lnSpc>
+                        <a:spcBef>
+                          <a:spcPts val="0"/>
+                        </a:spcBef>
+                        <a:spcAft>
+                          <a:spcPts val="0"/>
+                        </a:spcAft>
+                      </a:pPr>
+                      <a:r>
+                        <a:rPr lang="en-US" sz="1200" dirty="0">
+                          <a:effectLst/>
+                        </a:rPr>
+                        <a:t>For-in, while</a:t>
+                      </a:r>
+                      <a:endParaRPr lang="en-US" sz="1200" dirty="0">
+                        <a:effectLst/>
+                        <a:latin typeface="Calibri" panose="020F0502020204030204" pitchFamily="34" charset="0"/>
+                        <a:ea typeface="Calibri" panose="020F0502020204030204" pitchFamily="34" charset="0"/>
+                        <a:cs typeface="Arial" panose="020B0604020202020204" pitchFamily="34" charset="0"/>
+                      </a:endParaRPr>
+                    </a:p>
+                  </a:txBody>
+                  <a:tcPr marL="68580" marR="68580" marT="0" marB="0" anchor="ctr"/>
+                </a:tc>
+              </a:tr>
+              <a:tr h="337678">
+                <a:tc>
+                  <a:txBody>
+                    <a:bodyPr/>
+                    <a:lstStyle/>
+                    <a:p>
+                      <a:pPr marL="0" marR="0" algn="just">
+                        <a:lnSpc>
+                          <a:spcPct val="115000"/>
+                        </a:lnSpc>
+                        <a:spcBef>
+                          <a:spcPts val="0"/>
+                        </a:spcBef>
+                        <a:spcAft>
+                          <a:spcPts val="0"/>
+                        </a:spcAft>
+                      </a:pPr>
+                      <a:r>
+                        <a:rPr lang="en-US" sz="1600" dirty="0">
+                          <a:effectLst/>
+                        </a:rPr>
+                        <a:t>Falcon</a:t>
+                      </a:r>
+                      <a:endParaRPr lang="en-US" sz="1600" dirty="0">
+                        <a:effectLst/>
+                        <a:latin typeface="Calibri" panose="020F0502020204030204" pitchFamily="34" charset="0"/>
+                        <a:ea typeface="Calibri" panose="020F0502020204030204" pitchFamily="34" charset="0"/>
+                        <a:cs typeface="Arial" panose="020B0604020202020204" pitchFamily="34" charset="0"/>
+                      </a:endParaRPr>
+                    </a:p>
+                  </a:txBody>
+                  <a:tcPr marL="68580" marR="68580" marT="0" marB="0" anchor="ctr"/>
+                </a:tc>
+                <a:tc>
+                  <a:txBody>
+                    <a:bodyPr/>
+                    <a:lstStyle/>
+                    <a:p>
+                      <a:pPr marL="0" marR="0" algn="just">
+                        <a:lnSpc>
+                          <a:spcPct val="115000"/>
+                        </a:lnSpc>
+                        <a:spcBef>
+                          <a:spcPts val="0"/>
+                        </a:spcBef>
+                        <a:spcAft>
+                          <a:spcPts val="0"/>
+                        </a:spcAft>
+                      </a:pPr>
+                      <a:r>
+                        <a:rPr lang="en-US" sz="1200" dirty="0">
+                          <a:effectLst/>
+                        </a:rPr>
+                        <a:t>By name or function pointer</a:t>
+                      </a:r>
+                      <a:endParaRPr lang="en-US" sz="1200" dirty="0">
+                        <a:effectLst/>
+                        <a:latin typeface="Calibri" panose="020F0502020204030204" pitchFamily="34" charset="0"/>
+                        <a:ea typeface="Calibri" panose="020F0502020204030204" pitchFamily="34" charset="0"/>
+                        <a:cs typeface="Arial" panose="020B0604020202020204" pitchFamily="34" charset="0"/>
+                      </a:endParaRPr>
+                    </a:p>
+                  </a:txBody>
+                  <a:tcPr marL="68580" marR="68580" marT="0" marB="0" anchor="ctr"/>
+                </a:tc>
+                <a:tc>
+                  <a:txBody>
+                    <a:bodyPr/>
+                    <a:lstStyle/>
+                    <a:p>
+                      <a:pPr marL="0" marR="0" algn="just">
+                        <a:lnSpc>
+                          <a:spcPct val="115000"/>
+                        </a:lnSpc>
+                        <a:spcBef>
+                          <a:spcPts val="0"/>
+                        </a:spcBef>
+                        <a:spcAft>
+                          <a:spcPts val="0"/>
+                        </a:spcAft>
+                      </a:pPr>
+                      <a:r>
+                        <a:rPr lang="en-US" sz="1200" dirty="0">
+                          <a:effectLst/>
+                        </a:rPr>
+                        <a:t>Positional, by </a:t>
+                      </a:r>
+                      <a:r>
+                        <a:rPr lang="en-US" sz="1200" dirty="0" err="1">
+                          <a:effectLst/>
+                        </a:rPr>
+                        <a:t>val</a:t>
+                      </a:r>
+                      <a:endParaRPr lang="en-US" sz="1200" dirty="0">
+                        <a:effectLst/>
+                        <a:latin typeface="Calibri" panose="020F0502020204030204" pitchFamily="34" charset="0"/>
+                        <a:ea typeface="Calibri" panose="020F0502020204030204" pitchFamily="34" charset="0"/>
+                        <a:cs typeface="Arial" panose="020B0604020202020204" pitchFamily="34" charset="0"/>
+                      </a:endParaRPr>
+                    </a:p>
+                  </a:txBody>
+                  <a:tcPr marL="68580" marR="68580" marT="0" marB="0" anchor="ctr"/>
+                </a:tc>
+                <a:tc>
+                  <a:txBody>
+                    <a:bodyPr/>
+                    <a:lstStyle/>
+                    <a:p>
+                      <a:pPr marL="0" marR="0" algn="just">
+                        <a:lnSpc>
+                          <a:spcPct val="115000"/>
+                        </a:lnSpc>
+                        <a:spcBef>
+                          <a:spcPts val="0"/>
+                        </a:spcBef>
+                        <a:spcAft>
+                          <a:spcPts val="0"/>
+                        </a:spcAft>
+                      </a:pPr>
+                      <a:r>
+                        <a:rPr lang="en-US" sz="1200" dirty="0">
+                          <a:effectLst/>
+                        </a:rPr>
+                        <a:t>If x&gt;y {max= x;}else {max=y;}</a:t>
+                      </a:r>
+                      <a:endParaRPr lang="en-US" sz="1200" dirty="0">
+                        <a:effectLst/>
+                        <a:latin typeface="Calibri" panose="020F0502020204030204" pitchFamily="34" charset="0"/>
+                        <a:ea typeface="Calibri" panose="020F0502020204030204" pitchFamily="34" charset="0"/>
+                        <a:cs typeface="Arial" panose="020B0604020202020204" pitchFamily="34" charset="0"/>
+                      </a:endParaRPr>
+                    </a:p>
+                  </a:txBody>
+                  <a:tcPr marL="68580" marR="68580" marT="0" marB="0" anchor="ctr"/>
+                </a:tc>
+                <a:tc>
+                  <a:txBody>
+                    <a:bodyPr/>
+                    <a:lstStyle/>
+                    <a:p>
+                      <a:pPr marL="0" marR="0" algn="just">
+                        <a:lnSpc>
+                          <a:spcPct val="115000"/>
+                        </a:lnSpc>
+                        <a:spcBef>
+                          <a:spcPts val="0"/>
+                        </a:spcBef>
+                        <a:spcAft>
+                          <a:spcPts val="0"/>
+                        </a:spcAft>
+                      </a:pPr>
+                      <a:r>
+                        <a:rPr lang="en-US" sz="1200" dirty="0">
+                          <a:effectLst/>
+                        </a:rPr>
+                        <a:t>For, while</a:t>
+                      </a:r>
+                      <a:endParaRPr lang="en-US" sz="1200" dirty="0">
+                        <a:effectLst/>
+                        <a:latin typeface="Calibri" panose="020F0502020204030204" pitchFamily="34" charset="0"/>
+                        <a:ea typeface="Calibri" panose="020F0502020204030204" pitchFamily="34" charset="0"/>
+                        <a:cs typeface="Arial" panose="020B0604020202020204" pitchFamily="34" charset="0"/>
+                      </a:endParaRPr>
+                    </a:p>
+                  </a:txBody>
+                  <a:tcPr marL="68580" marR="68580" marT="0" marB="0" anchor="ctr"/>
+                </a:tc>
+              </a:tr>
+              <a:tr h="337678">
+                <a:tc>
+                  <a:txBody>
+                    <a:bodyPr/>
+                    <a:lstStyle/>
+                    <a:p>
+                      <a:pPr marL="0" marR="0" algn="just">
+                        <a:lnSpc>
+                          <a:spcPct val="115000"/>
+                        </a:lnSpc>
+                        <a:spcBef>
+                          <a:spcPts val="0"/>
+                        </a:spcBef>
+                        <a:spcAft>
+                          <a:spcPts val="0"/>
+                        </a:spcAft>
+                      </a:pPr>
+                      <a:r>
+                        <a:rPr lang="en-US" sz="1600" dirty="0">
+                          <a:effectLst/>
+                        </a:rPr>
+                        <a:t>F#</a:t>
+                      </a:r>
+                      <a:endParaRPr lang="en-US" sz="1600" dirty="0">
+                        <a:effectLst/>
+                        <a:latin typeface="Calibri" panose="020F0502020204030204" pitchFamily="34" charset="0"/>
+                        <a:ea typeface="Calibri" panose="020F0502020204030204" pitchFamily="34" charset="0"/>
+                        <a:cs typeface="Arial" panose="020B0604020202020204" pitchFamily="34" charset="0"/>
+                      </a:endParaRPr>
+                    </a:p>
+                  </a:txBody>
+                  <a:tcPr marL="68580" marR="68580" marT="0" marB="0" anchor="ctr"/>
+                </a:tc>
+                <a:tc>
+                  <a:txBody>
+                    <a:bodyPr/>
+                    <a:lstStyle/>
+                    <a:p>
+                      <a:pPr marL="0" marR="0" algn="just">
+                        <a:lnSpc>
+                          <a:spcPct val="115000"/>
+                        </a:lnSpc>
+                        <a:spcBef>
+                          <a:spcPts val="0"/>
+                        </a:spcBef>
+                        <a:spcAft>
+                          <a:spcPts val="0"/>
+                        </a:spcAft>
+                      </a:pPr>
+                      <a:r>
+                        <a:rPr lang="en-US" sz="1200">
+                          <a:effectLst/>
+                        </a:rPr>
+                        <a:t>By name</a:t>
+                      </a:r>
+                      <a:endParaRPr lang="en-US" sz="1200">
+                        <a:effectLst/>
+                        <a:latin typeface="Calibri" panose="020F0502020204030204" pitchFamily="34" charset="0"/>
+                        <a:ea typeface="Calibri" panose="020F0502020204030204" pitchFamily="34" charset="0"/>
+                        <a:cs typeface="Arial" panose="020B0604020202020204" pitchFamily="34" charset="0"/>
+                      </a:endParaRPr>
+                    </a:p>
+                  </a:txBody>
+                  <a:tcPr marL="68580" marR="68580" marT="0" marB="0" anchor="ctr"/>
+                </a:tc>
+                <a:tc>
+                  <a:txBody>
+                    <a:bodyPr/>
+                    <a:lstStyle/>
+                    <a:p>
+                      <a:pPr marL="0" marR="0" algn="just">
+                        <a:lnSpc>
+                          <a:spcPct val="115000"/>
+                        </a:lnSpc>
+                        <a:spcBef>
+                          <a:spcPts val="0"/>
+                        </a:spcBef>
+                        <a:spcAft>
+                          <a:spcPts val="0"/>
+                        </a:spcAft>
+                      </a:pPr>
+                      <a:r>
+                        <a:rPr lang="en-US" sz="1200" dirty="0">
+                          <a:effectLst/>
+                        </a:rPr>
+                        <a:t>Positional, by </a:t>
+                      </a:r>
+                      <a:r>
+                        <a:rPr lang="en-US" sz="1200" dirty="0" err="1">
+                          <a:effectLst/>
+                        </a:rPr>
+                        <a:t>val</a:t>
+                      </a:r>
+                      <a:r>
+                        <a:rPr lang="en-US" sz="1200" dirty="0">
+                          <a:effectLst/>
+                        </a:rPr>
+                        <a:t>, by ref</a:t>
+                      </a:r>
+                      <a:endParaRPr lang="en-US" sz="1200" dirty="0">
+                        <a:effectLst/>
+                        <a:latin typeface="Calibri" panose="020F0502020204030204" pitchFamily="34" charset="0"/>
+                        <a:ea typeface="Calibri" panose="020F0502020204030204" pitchFamily="34" charset="0"/>
+                        <a:cs typeface="Arial" panose="020B0604020202020204" pitchFamily="34" charset="0"/>
+                      </a:endParaRPr>
+                    </a:p>
+                  </a:txBody>
+                  <a:tcPr marL="68580" marR="68580" marT="0" marB="0" anchor="ctr"/>
+                </a:tc>
+                <a:tc>
+                  <a:txBody>
+                    <a:bodyPr/>
+                    <a:lstStyle/>
+                    <a:p>
+                      <a:pPr marL="0" marR="0" algn="just">
+                        <a:lnSpc>
+                          <a:spcPct val="115000"/>
+                        </a:lnSpc>
+                        <a:spcBef>
+                          <a:spcPts val="0"/>
+                        </a:spcBef>
+                        <a:spcAft>
+                          <a:spcPts val="0"/>
+                        </a:spcAft>
+                      </a:pPr>
+                      <a:r>
+                        <a:rPr lang="en-US" sz="1200">
+                          <a:effectLst/>
+                        </a:rPr>
+                        <a:t>If (x&gt;y) then num1 else num2</a:t>
+                      </a:r>
+                      <a:endParaRPr lang="en-US" sz="1200">
+                        <a:effectLst/>
+                        <a:latin typeface="Calibri" panose="020F0502020204030204" pitchFamily="34" charset="0"/>
+                        <a:ea typeface="Calibri" panose="020F0502020204030204" pitchFamily="34" charset="0"/>
+                        <a:cs typeface="Arial" panose="020B0604020202020204" pitchFamily="34" charset="0"/>
+                      </a:endParaRPr>
+                    </a:p>
+                  </a:txBody>
+                  <a:tcPr marL="68580" marR="68580" marT="0" marB="0" anchor="ctr"/>
+                </a:tc>
+                <a:tc>
+                  <a:txBody>
+                    <a:bodyPr/>
+                    <a:lstStyle/>
+                    <a:p>
+                      <a:pPr algn="l"/>
+                      <a:r>
+                        <a:rPr lang="en-US" sz="1200" dirty="0">
+                          <a:effectLst/>
+                        </a:rPr>
+                        <a:t>While…do, for…in/to/</a:t>
+                      </a:r>
+                      <a:r>
+                        <a:rPr lang="en-US" sz="1200" dirty="0" err="1">
+                          <a:effectLst/>
+                        </a:rPr>
+                        <a:t>downto</a:t>
+                      </a:r>
+                      <a:endParaRPr lang="en-US" sz="1200" dirty="0">
+                        <a:effectLst/>
+                        <a:latin typeface="Calibri" panose="020F0502020204030204" pitchFamily="34" charset="0"/>
+                      </a:endParaRPr>
+                    </a:p>
+                  </a:txBody>
+                  <a:tcPr marL="68580" marR="68580" marT="0" marB="0" anchor="ctr"/>
+                </a:tc>
+              </a:tr>
+              <a:tr h="337678">
+                <a:tc>
+                  <a:txBody>
+                    <a:bodyPr/>
+                    <a:lstStyle/>
+                    <a:p>
+                      <a:pPr marL="0" marR="0" algn="just">
+                        <a:lnSpc>
+                          <a:spcPct val="115000"/>
+                        </a:lnSpc>
+                        <a:spcBef>
+                          <a:spcPts val="0"/>
+                        </a:spcBef>
+                        <a:spcAft>
+                          <a:spcPts val="0"/>
+                        </a:spcAft>
+                      </a:pPr>
+                      <a:r>
+                        <a:rPr lang="en-US" sz="1600" dirty="0">
+                          <a:effectLst/>
+                        </a:rPr>
+                        <a:t>Rust</a:t>
+                      </a:r>
+                      <a:endParaRPr lang="en-US" sz="1600" dirty="0">
+                        <a:effectLst/>
+                        <a:latin typeface="Calibri" panose="020F0502020204030204" pitchFamily="34" charset="0"/>
+                        <a:ea typeface="Calibri" panose="020F0502020204030204" pitchFamily="34" charset="0"/>
+                        <a:cs typeface="Arial" panose="020B0604020202020204" pitchFamily="34" charset="0"/>
+                      </a:endParaRPr>
+                    </a:p>
+                  </a:txBody>
+                  <a:tcPr marL="68580" marR="68580" marT="0" marB="0" anchor="ctr"/>
+                </a:tc>
+                <a:tc>
+                  <a:txBody>
+                    <a:bodyPr/>
+                    <a:lstStyle/>
+                    <a:p>
+                      <a:pPr marL="0" marR="0" algn="just">
+                        <a:lnSpc>
+                          <a:spcPct val="115000"/>
+                        </a:lnSpc>
+                        <a:spcBef>
+                          <a:spcPts val="0"/>
+                        </a:spcBef>
+                        <a:spcAft>
+                          <a:spcPts val="0"/>
+                        </a:spcAft>
+                      </a:pPr>
+                      <a:r>
+                        <a:rPr lang="en-US" sz="1200">
+                          <a:effectLst/>
+                        </a:rPr>
+                        <a:t>By name or function pointer</a:t>
+                      </a:r>
+                      <a:endParaRPr lang="en-US" sz="1200">
+                        <a:effectLst/>
+                        <a:latin typeface="Calibri" panose="020F0502020204030204" pitchFamily="34" charset="0"/>
+                        <a:ea typeface="Calibri" panose="020F0502020204030204" pitchFamily="34" charset="0"/>
+                        <a:cs typeface="Arial" panose="020B0604020202020204" pitchFamily="34" charset="0"/>
+                      </a:endParaRPr>
+                    </a:p>
+                  </a:txBody>
+                  <a:tcPr marL="68580" marR="68580" marT="0" marB="0" anchor="ctr"/>
+                </a:tc>
+                <a:tc>
+                  <a:txBody>
+                    <a:bodyPr/>
+                    <a:lstStyle/>
+                    <a:p>
+                      <a:pPr marL="0" marR="0" algn="just">
+                        <a:lnSpc>
+                          <a:spcPct val="115000"/>
+                        </a:lnSpc>
+                        <a:spcBef>
+                          <a:spcPts val="0"/>
+                        </a:spcBef>
+                        <a:spcAft>
+                          <a:spcPts val="0"/>
+                        </a:spcAft>
+                      </a:pPr>
+                      <a:r>
+                        <a:rPr lang="en-US" sz="1200" dirty="0">
+                          <a:effectLst/>
+                        </a:rPr>
+                        <a:t>Positional, by value</a:t>
+                      </a:r>
+                      <a:endParaRPr lang="en-US" sz="1200" dirty="0">
+                        <a:effectLst/>
+                        <a:latin typeface="Calibri" panose="020F0502020204030204" pitchFamily="34" charset="0"/>
+                        <a:ea typeface="Calibri" panose="020F0502020204030204" pitchFamily="34" charset="0"/>
+                        <a:cs typeface="Arial" panose="020B0604020202020204" pitchFamily="34" charset="0"/>
+                      </a:endParaRPr>
+                    </a:p>
+                  </a:txBody>
+                  <a:tcPr marL="68580" marR="68580" marT="0" marB="0" anchor="ctr"/>
+                </a:tc>
+                <a:tc>
+                  <a:txBody>
+                    <a:bodyPr/>
+                    <a:lstStyle/>
+                    <a:p>
+                      <a:pPr marL="0" marR="0" algn="just">
+                        <a:lnSpc>
+                          <a:spcPct val="115000"/>
+                        </a:lnSpc>
+                        <a:spcBef>
+                          <a:spcPts val="0"/>
+                        </a:spcBef>
+                        <a:spcAft>
+                          <a:spcPts val="0"/>
+                        </a:spcAft>
+                      </a:pPr>
+                      <a:r>
+                        <a:rPr lang="en-US" sz="1200" dirty="0">
+                          <a:effectLst/>
+                        </a:rPr>
+                        <a:t>If x&gt;y {max=x;} else {max=y;}</a:t>
+                      </a:r>
+                      <a:endParaRPr lang="en-US" sz="1200" dirty="0">
+                        <a:effectLst/>
+                        <a:latin typeface="Calibri" panose="020F0502020204030204" pitchFamily="34" charset="0"/>
+                        <a:ea typeface="Calibri" panose="020F0502020204030204" pitchFamily="34" charset="0"/>
+                        <a:cs typeface="Arial" panose="020B0604020202020204" pitchFamily="34" charset="0"/>
+                      </a:endParaRPr>
+                    </a:p>
+                  </a:txBody>
+                  <a:tcPr marL="68580" marR="68580" marT="0" marB="0" anchor="ctr"/>
+                </a:tc>
+                <a:tc>
+                  <a:txBody>
+                    <a:bodyPr/>
+                    <a:lstStyle/>
+                    <a:p>
+                      <a:pPr marL="0" marR="0" algn="just">
+                        <a:lnSpc>
+                          <a:spcPct val="115000"/>
+                        </a:lnSpc>
+                        <a:spcBef>
+                          <a:spcPts val="0"/>
+                        </a:spcBef>
+                        <a:spcAft>
+                          <a:spcPts val="0"/>
+                        </a:spcAft>
+                      </a:pPr>
+                      <a:r>
+                        <a:rPr lang="en-US" sz="1200" dirty="0">
+                          <a:effectLst/>
+                        </a:rPr>
+                        <a:t>Loop, while, for-in</a:t>
+                      </a:r>
+                      <a:endParaRPr lang="en-US" sz="1200" dirty="0">
+                        <a:effectLst/>
+                        <a:latin typeface="Calibri" panose="020F0502020204030204" pitchFamily="34" charset="0"/>
+                        <a:ea typeface="Calibri" panose="020F0502020204030204" pitchFamily="34" charset="0"/>
+                        <a:cs typeface="Arial" panose="020B0604020202020204" pitchFamily="34" charset="0"/>
+                      </a:endParaRPr>
+                    </a:p>
+                  </a:txBody>
+                  <a:tcPr marL="68580" marR="68580" marT="0" marB="0" anchor="ctr"/>
+                </a:tc>
+              </a:tr>
+              <a:tr h="337678">
+                <a:tc>
+                  <a:txBody>
+                    <a:bodyPr/>
+                    <a:lstStyle/>
+                    <a:p>
+                      <a:pPr marL="0" marR="0" algn="just">
+                        <a:lnSpc>
+                          <a:spcPct val="115000"/>
+                        </a:lnSpc>
+                        <a:spcBef>
+                          <a:spcPts val="0"/>
+                        </a:spcBef>
+                        <a:spcAft>
+                          <a:spcPts val="0"/>
+                        </a:spcAft>
+                      </a:pPr>
+                      <a:r>
+                        <a:rPr lang="en-US" sz="1600" dirty="0" err="1" smtClean="0">
+                          <a:effectLst/>
+                        </a:rPr>
+                        <a:t>Vb.Net</a:t>
+                      </a:r>
+                      <a:endParaRPr lang="en-US" sz="1600" dirty="0">
+                        <a:effectLst/>
+                        <a:latin typeface="Calibri" panose="020F0502020204030204" pitchFamily="34" charset="0"/>
+                        <a:ea typeface="Calibri" panose="020F0502020204030204" pitchFamily="34" charset="0"/>
+                        <a:cs typeface="Arial" panose="020B0604020202020204" pitchFamily="34" charset="0"/>
+                      </a:endParaRPr>
+                    </a:p>
+                  </a:txBody>
+                  <a:tcPr marL="68580" marR="68580" marT="0" marB="0" anchor="ctr"/>
+                </a:tc>
+                <a:tc>
+                  <a:txBody>
+                    <a:bodyPr/>
+                    <a:lstStyle/>
+                    <a:p>
+                      <a:pPr marL="0" marR="0" algn="just">
+                        <a:lnSpc>
+                          <a:spcPct val="115000"/>
+                        </a:lnSpc>
+                        <a:spcBef>
+                          <a:spcPts val="0"/>
+                        </a:spcBef>
+                        <a:spcAft>
+                          <a:spcPts val="0"/>
+                        </a:spcAft>
+                      </a:pPr>
+                      <a:r>
+                        <a:rPr lang="en-US" sz="1200">
+                          <a:effectLst/>
+                        </a:rPr>
+                        <a:t>By name or function pointer</a:t>
+                      </a:r>
+                      <a:endParaRPr lang="en-US" sz="1200">
+                        <a:effectLst/>
+                        <a:latin typeface="Calibri" panose="020F0502020204030204" pitchFamily="34" charset="0"/>
+                        <a:ea typeface="Calibri" panose="020F0502020204030204" pitchFamily="34" charset="0"/>
+                        <a:cs typeface="Arial" panose="020B0604020202020204" pitchFamily="34" charset="0"/>
+                      </a:endParaRPr>
+                    </a:p>
+                  </a:txBody>
+                  <a:tcPr marL="68580" marR="68580" marT="0" marB="0" anchor="ctr"/>
+                </a:tc>
+                <a:tc>
+                  <a:txBody>
+                    <a:bodyPr/>
+                    <a:lstStyle/>
+                    <a:p>
+                      <a:pPr marL="0" marR="0" algn="just">
+                        <a:lnSpc>
+                          <a:spcPct val="115000"/>
+                        </a:lnSpc>
+                        <a:spcBef>
+                          <a:spcPts val="0"/>
+                        </a:spcBef>
+                        <a:spcAft>
+                          <a:spcPts val="0"/>
+                        </a:spcAft>
+                      </a:pPr>
+                      <a:r>
+                        <a:rPr lang="en-US" sz="1200">
+                          <a:effectLst/>
+                        </a:rPr>
+                        <a:t>Positional, by value, by ref, by name</a:t>
+                      </a:r>
+                      <a:endParaRPr lang="en-US" sz="1200">
+                        <a:effectLst/>
+                        <a:latin typeface="Calibri" panose="020F0502020204030204" pitchFamily="34" charset="0"/>
+                        <a:ea typeface="Calibri" panose="020F0502020204030204" pitchFamily="34" charset="0"/>
+                        <a:cs typeface="Arial" panose="020B0604020202020204" pitchFamily="34" charset="0"/>
+                      </a:endParaRPr>
+                    </a:p>
+                  </a:txBody>
+                  <a:tcPr marL="68580" marR="68580" marT="0" marB="0" anchor="ctr"/>
+                </a:tc>
+                <a:tc>
+                  <a:txBody>
+                    <a:bodyPr/>
+                    <a:lstStyle/>
+                    <a:p>
+                      <a:pPr marL="0" marR="0" algn="just">
+                        <a:lnSpc>
+                          <a:spcPct val="115000"/>
+                        </a:lnSpc>
+                        <a:spcBef>
+                          <a:spcPts val="0"/>
+                        </a:spcBef>
+                        <a:spcAft>
+                          <a:spcPts val="0"/>
+                        </a:spcAft>
+                      </a:pPr>
+                      <a:r>
+                        <a:rPr lang="en-US" sz="1200" dirty="0">
+                          <a:effectLst/>
+                        </a:rPr>
+                        <a:t>If x&gt;y then x else y </a:t>
+                      </a:r>
+                      <a:r>
+                        <a:rPr lang="en-US" sz="1200" dirty="0" err="1">
+                          <a:effectLst/>
+                        </a:rPr>
+                        <a:t>endif</a:t>
+                      </a:r>
+                      <a:endParaRPr lang="en-US" sz="1200" dirty="0">
+                        <a:effectLst/>
+                        <a:latin typeface="Calibri" panose="020F0502020204030204" pitchFamily="34" charset="0"/>
+                        <a:ea typeface="Calibri" panose="020F0502020204030204" pitchFamily="34" charset="0"/>
+                        <a:cs typeface="Arial" panose="020B0604020202020204" pitchFamily="34" charset="0"/>
+                      </a:endParaRPr>
+                    </a:p>
+                  </a:txBody>
+                  <a:tcPr marL="68580" marR="68580" marT="0" marB="0" anchor="ctr"/>
+                </a:tc>
+                <a:tc>
+                  <a:txBody>
+                    <a:bodyPr/>
+                    <a:lstStyle/>
+                    <a:p>
+                      <a:pPr marL="0" marR="0" algn="just">
+                        <a:lnSpc>
+                          <a:spcPct val="115000"/>
+                        </a:lnSpc>
+                        <a:spcBef>
+                          <a:spcPts val="0"/>
+                        </a:spcBef>
+                        <a:spcAft>
+                          <a:spcPts val="1000"/>
+                        </a:spcAft>
+                      </a:pPr>
+                      <a:r>
+                        <a:rPr lang="en-US" sz="1200" dirty="0">
+                          <a:effectLst/>
+                        </a:rPr>
+                        <a:t>While…end, do-loop, for…next,</a:t>
+                      </a:r>
+                      <a:endParaRPr lang="en-US" sz="1200" dirty="0">
+                        <a:effectLst/>
+                        <a:latin typeface="Calibri" panose="020F0502020204030204" pitchFamily="34" charset="0"/>
+                        <a:ea typeface="Calibri" panose="020F0502020204030204" pitchFamily="34" charset="0"/>
+                        <a:cs typeface="Arial" panose="020B0604020202020204" pitchFamily="34" charset="0"/>
+                      </a:endParaRPr>
+                    </a:p>
+                  </a:txBody>
+                  <a:tcPr marL="68580" marR="68580" marT="0" marB="0" anchor="ctr"/>
+                </a:tc>
+              </a:tr>
+              <a:tr h="337678">
+                <a:tc>
+                  <a:txBody>
+                    <a:bodyPr/>
+                    <a:lstStyle/>
+                    <a:p>
+                      <a:pPr marL="0" marR="0" algn="just">
+                        <a:lnSpc>
+                          <a:spcPct val="115000"/>
+                        </a:lnSpc>
+                        <a:spcBef>
+                          <a:spcPts val="0"/>
+                        </a:spcBef>
+                        <a:spcAft>
+                          <a:spcPts val="0"/>
+                        </a:spcAft>
+                      </a:pPr>
+                      <a:r>
+                        <a:rPr lang="en-US" sz="1600" dirty="0">
+                          <a:effectLst/>
+                        </a:rPr>
+                        <a:t>C#</a:t>
+                      </a:r>
+                      <a:endParaRPr lang="en-US" sz="1600" dirty="0">
+                        <a:effectLst/>
+                        <a:latin typeface="Calibri" panose="020F0502020204030204" pitchFamily="34" charset="0"/>
+                        <a:ea typeface="Calibri" panose="020F0502020204030204" pitchFamily="34" charset="0"/>
+                        <a:cs typeface="Arial" panose="020B0604020202020204" pitchFamily="34" charset="0"/>
+                      </a:endParaRPr>
+                    </a:p>
+                  </a:txBody>
+                  <a:tcPr marL="68580" marR="68580" marT="0" marB="0" anchor="ctr"/>
+                </a:tc>
+                <a:tc>
+                  <a:txBody>
+                    <a:bodyPr/>
+                    <a:lstStyle/>
+                    <a:p>
+                      <a:pPr marL="0" marR="0" algn="just">
+                        <a:lnSpc>
+                          <a:spcPct val="115000"/>
+                        </a:lnSpc>
+                        <a:spcBef>
+                          <a:spcPts val="0"/>
+                        </a:spcBef>
+                        <a:spcAft>
+                          <a:spcPts val="0"/>
+                        </a:spcAft>
+                      </a:pPr>
+                      <a:r>
+                        <a:rPr lang="en-US" sz="1200">
+                          <a:effectLst/>
+                        </a:rPr>
+                        <a:t>By name or function pointer</a:t>
+                      </a:r>
+                      <a:endParaRPr lang="en-US" sz="1200">
+                        <a:effectLst/>
+                        <a:latin typeface="Calibri" panose="020F0502020204030204" pitchFamily="34" charset="0"/>
+                        <a:ea typeface="Calibri" panose="020F0502020204030204" pitchFamily="34" charset="0"/>
+                        <a:cs typeface="Arial" panose="020B0604020202020204" pitchFamily="34" charset="0"/>
+                      </a:endParaRPr>
+                    </a:p>
+                  </a:txBody>
+                  <a:tcPr marL="68580" marR="68580" marT="0" marB="0" anchor="ctr"/>
+                </a:tc>
+                <a:tc>
+                  <a:txBody>
+                    <a:bodyPr/>
+                    <a:lstStyle/>
+                    <a:p>
+                      <a:pPr marL="0" marR="0" algn="just">
+                        <a:lnSpc>
+                          <a:spcPct val="115000"/>
+                        </a:lnSpc>
+                        <a:spcBef>
+                          <a:spcPts val="0"/>
+                        </a:spcBef>
+                        <a:spcAft>
+                          <a:spcPts val="0"/>
+                        </a:spcAft>
+                      </a:pPr>
+                      <a:r>
+                        <a:rPr lang="en-US" sz="1200">
+                          <a:effectLst/>
+                        </a:rPr>
+                        <a:t>Positional, by value, by ref, by name</a:t>
+                      </a:r>
+                      <a:endParaRPr lang="en-US" sz="1200">
+                        <a:effectLst/>
+                        <a:latin typeface="Calibri" panose="020F0502020204030204" pitchFamily="34" charset="0"/>
+                        <a:ea typeface="Calibri" panose="020F0502020204030204" pitchFamily="34" charset="0"/>
+                        <a:cs typeface="Arial" panose="020B0604020202020204" pitchFamily="34" charset="0"/>
+                      </a:endParaRPr>
+                    </a:p>
+                  </a:txBody>
+                  <a:tcPr marL="68580" marR="68580" marT="0" marB="0" anchor="ctr"/>
+                </a:tc>
+                <a:tc>
+                  <a:txBody>
+                    <a:bodyPr/>
+                    <a:lstStyle/>
+                    <a:p>
+                      <a:pPr marL="0" marR="0" algn="just">
+                        <a:lnSpc>
+                          <a:spcPct val="115000"/>
+                        </a:lnSpc>
+                        <a:spcBef>
+                          <a:spcPts val="0"/>
+                        </a:spcBef>
+                        <a:spcAft>
+                          <a:spcPts val="0"/>
+                        </a:spcAft>
+                      </a:pPr>
+                      <a:r>
+                        <a:rPr lang="en-US" sz="1200" dirty="0">
+                          <a:effectLst/>
+                        </a:rPr>
+                        <a:t>If (x&gt;y) { max=x; } else { max=y; }</a:t>
+                      </a:r>
+                      <a:endParaRPr lang="en-US" sz="1200" dirty="0">
+                        <a:effectLst/>
+                        <a:latin typeface="Calibri" panose="020F0502020204030204" pitchFamily="34" charset="0"/>
+                        <a:ea typeface="Calibri" panose="020F0502020204030204" pitchFamily="34" charset="0"/>
+                        <a:cs typeface="Arial" panose="020B0604020202020204" pitchFamily="34" charset="0"/>
+                      </a:endParaRPr>
+                    </a:p>
+                  </a:txBody>
+                  <a:tcPr marL="68580" marR="68580" marT="0" marB="0" anchor="ctr"/>
+                </a:tc>
+                <a:tc>
+                  <a:txBody>
+                    <a:bodyPr/>
+                    <a:lstStyle/>
+                    <a:p>
+                      <a:pPr algn="l"/>
+                      <a:r>
+                        <a:rPr lang="en-US" sz="1200" dirty="0">
+                          <a:effectLst/>
+                        </a:rPr>
+                        <a:t>While, do-while, for, </a:t>
+                      </a:r>
+                      <a:r>
+                        <a:rPr lang="en-US" sz="1200" dirty="0" err="1">
+                          <a:effectLst/>
+                        </a:rPr>
+                        <a:t>foreach</a:t>
+                      </a:r>
+                      <a:endParaRPr lang="en-US" sz="1200" dirty="0">
+                        <a:effectLst/>
+                        <a:latin typeface="Calibri" panose="020F0502020204030204" pitchFamily="34" charset="0"/>
+                      </a:endParaRPr>
+                    </a:p>
+                  </a:txBody>
+                  <a:tcPr marL="68580" marR="68580" marT="0" marB="0" anchor="ctr"/>
+                </a:tc>
+              </a:tr>
+              <a:tr h="337678">
+                <a:tc>
+                  <a:txBody>
+                    <a:bodyPr/>
+                    <a:lstStyle/>
+                    <a:p>
+                      <a:pPr marL="0" marR="0" algn="just">
+                        <a:lnSpc>
+                          <a:spcPct val="115000"/>
+                        </a:lnSpc>
+                        <a:spcBef>
+                          <a:spcPts val="0"/>
+                        </a:spcBef>
+                        <a:spcAft>
+                          <a:spcPts val="0"/>
+                        </a:spcAft>
+                      </a:pPr>
+                      <a:r>
+                        <a:rPr lang="en-US" sz="1600" dirty="0">
+                          <a:effectLst/>
+                        </a:rPr>
+                        <a:t>D</a:t>
+                      </a:r>
+                      <a:endParaRPr lang="en-US" sz="1600" dirty="0">
+                        <a:effectLst/>
+                        <a:latin typeface="Calibri" panose="020F0502020204030204" pitchFamily="34" charset="0"/>
+                        <a:ea typeface="Calibri" panose="020F0502020204030204" pitchFamily="34" charset="0"/>
+                        <a:cs typeface="Arial" panose="020B0604020202020204" pitchFamily="34" charset="0"/>
+                      </a:endParaRPr>
+                    </a:p>
+                  </a:txBody>
+                  <a:tcPr marL="68580" marR="68580" marT="0" marB="0" anchor="ctr"/>
+                </a:tc>
+                <a:tc>
+                  <a:txBody>
+                    <a:bodyPr/>
+                    <a:lstStyle/>
+                    <a:p>
+                      <a:pPr marL="0" marR="0" algn="just">
+                        <a:lnSpc>
+                          <a:spcPct val="115000"/>
+                        </a:lnSpc>
+                        <a:spcBef>
+                          <a:spcPts val="0"/>
+                        </a:spcBef>
+                        <a:spcAft>
+                          <a:spcPts val="0"/>
+                        </a:spcAft>
+                      </a:pPr>
+                      <a:r>
+                        <a:rPr lang="en-US" sz="1200" dirty="0">
+                          <a:effectLst/>
+                        </a:rPr>
+                        <a:t>By name or function pointer</a:t>
+                      </a:r>
+                      <a:endParaRPr lang="en-US" sz="1200" dirty="0">
+                        <a:effectLst/>
+                        <a:latin typeface="Calibri" panose="020F0502020204030204" pitchFamily="34" charset="0"/>
+                        <a:ea typeface="Calibri" panose="020F0502020204030204" pitchFamily="34" charset="0"/>
+                        <a:cs typeface="Arial" panose="020B0604020202020204" pitchFamily="34" charset="0"/>
+                      </a:endParaRPr>
+                    </a:p>
+                  </a:txBody>
+                  <a:tcPr marL="68580" marR="68580" marT="0" marB="0" anchor="ctr"/>
+                </a:tc>
+                <a:tc>
+                  <a:txBody>
+                    <a:bodyPr/>
+                    <a:lstStyle/>
+                    <a:p>
+                      <a:pPr marL="0" marR="0" algn="just">
+                        <a:lnSpc>
+                          <a:spcPct val="115000"/>
+                        </a:lnSpc>
+                        <a:spcBef>
+                          <a:spcPts val="0"/>
+                        </a:spcBef>
+                        <a:spcAft>
+                          <a:spcPts val="0"/>
+                        </a:spcAft>
+                      </a:pPr>
+                      <a:r>
+                        <a:rPr lang="en-US" sz="1200" dirty="0">
+                          <a:effectLst/>
+                        </a:rPr>
+                        <a:t>Positional, by value</a:t>
+                      </a:r>
+                      <a:endParaRPr lang="en-US" sz="1200" dirty="0">
+                        <a:effectLst/>
+                        <a:latin typeface="Calibri" panose="020F0502020204030204" pitchFamily="34" charset="0"/>
+                        <a:ea typeface="Calibri" panose="020F0502020204030204" pitchFamily="34" charset="0"/>
+                        <a:cs typeface="Arial" panose="020B0604020202020204" pitchFamily="34" charset="0"/>
+                      </a:endParaRPr>
+                    </a:p>
+                  </a:txBody>
+                  <a:tcPr marL="68580" marR="68580" marT="0" marB="0" anchor="ctr"/>
+                </a:tc>
+                <a:tc>
+                  <a:txBody>
+                    <a:bodyPr/>
+                    <a:lstStyle/>
+                    <a:p>
+                      <a:pPr marL="0" marR="0" algn="just">
+                        <a:lnSpc>
+                          <a:spcPct val="115000"/>
+                        </a:lnSpc>
+                        <a:spcBef>
+                          <a:spcPts val="0"/>
+                        </a:spcBef>
+                        <a:spcAft>
+                          <a:spcPts val="0"/>
+                        </a:spcAft>
+                      </a:pPr>
+                      <a:r>
+                        <a:rPr lang="en-US" sz="1200" dirty="0">
+                          <a:effectLst/>
+                        </a:rPr>
+                        <a:t>If (x&gt;y) {max=x;} else {max=y;}</a:t>
+                      </a:r>
+                      <a:endParaRPr lang="en-US" sz="1200" dirty="0">
+                        <a:effectLst/>
+                        <a:latin typeface="Calibri" panose="020F0502020204030204" pitchFamily="34" charset="0"/>
+                        <a:ea typeface="Calibri" panose="020F0502020204030204" pitchFamily="34" charset="0"/>
+                        <a:cs typeface="Arial" panose="020B0604020202020204" pitchFamily="34" charset="0"/>
+                      </a:endParaRPr>
+                    </a:p>
+                  </a:txBody>
+                  <a:tcPr marL="68580" marR="68580" marT="0" marB="0" anchor="ctr"/>
+                </a:tc>
+                <a:tc>
+                  <a:txBody>
+                    <a:bodyPr/>
+                    <a:lstStyle/>
+                    <a:p>
+                      <a:pPr marL="0" marR="0" algn="just">
+                        <a:lnSpc>
+                          <a:spcPct val="115000"/>
+                        </a:lnSpc>
+                        <a:spcBef>
+                          <a:spcPts val="0"/>
+                        </a:spcBef>
+                        <a:spcAft>
+                          <a:spcPts val="0"/>
+                        </a:spcAft>
+                      </a:pPr>
+                      <a:r>
+                        <a:rPr lang="en-US" sz="1200" dirty="0">
+                          <a:effectLst/>
+                        </a:rPr>
+                        <a:t>While, do-while, for</a:t>
+                      </a:r>
+                      <a:endParaRPr lang="en-US" sz="1200" dirty="0">
+                        <a:effectLst/>
+                        <a:latin typeface="Calibri" panose="020F0502020204030204" pitchFamily="34" charset="0"/>
+                        <a:ea typeface="Calibri" panose="020F0502020204030204" pitchFamily="34" charset="0"/>
+                        <a:cs typeface="Arial" panose="020B0604020202020204" pitchFamily="34" charset="0"/>
+                      </a:endParaRPr>
+                    </a:p>
+                  </a:txBody>
+                  <a:tcPr marL="68580" marR="68580" marT="0" marB="0" anchor="ctr"/>
+                </a:tc>
+              </a:tr>
+              <a:tr h="337678">
+                <a:tc>
+                  <a:txBody>
+                    <a:bodyPr/>
+                    <a:lstStyle/>
+                    <a:p>
+                      <a:pPr marL="0" marR="0" algn="just">
+                        <a:lnSpc>
+                          <a:spcPct val="115000"/>
+                        </a:lnSpc>
+                        <a:spcBef>
+                          <a:spcPts val="0"/>
+                        </a:spcBef>
+                        <a:spcAft>
+                          <a:spcPts val="0"/>
+                        </a:spcAft>
+                      </a:pPr>
+                      <a:r>
+                        <a:rPr lang="en-US" sz="1600" dirty="0">
+                          <a:effectLst/>
+                        </a:rPr>
+                        <a:t>Oz</a:t>
+                      </a:r>
+                      <a:endParaRPr lang="en-US" sz="1600" dirty="0">
+                        <a:effectLst/>
+                        <a:latin typeface="Calibri" panose="020F0502020204030204" pitchFamily="34" charset="0"/>
+                        <a:ea typeface="Calibri" panose="020F0502020204030204" pitchFamily="34" charset="0"/>
+                        <a:cs typeface="Arial" panose="020B0604020202020204" pitchFamily="34" charset="0"/>
+                      </a:endParaRPr>
+                    </a:p>
+                  </a:txBody>
+                  <a:tcPr marL="68580" marR="68580" marT="0" marB="0" anchor="ctr"/>
+                </a:tc>
+                <a:tc>
+                  <a:txBody>
+                    <a:bodyPr/>
+                    <a:lstStyle/>
+                    <a:p>
+                      <a:pPr marL="0" marR="0" algn="just">
+                        <a:lnSpc>
+                          <a:spcPct val="115000"/>
+                        </a:lnSpc>
+                        <a:spcBef>
+                          <a:spcPts val="0"/>
+                        </a:spcBef>
+                        <a:spcAft>
+                          <a:spcPts val="0"/>
+                        </a:spcAft>
+                      </a:pPr>
+                      <a:r>
+                        <a:rPr lang="en-US" sz="1200" dirty="0">
+                          <a:effectLst/>
+                        </a:rPr>
+                        <a:t>By name or function pointer</a:t>
+                      </a:r>
+                      <a:endParaRPr lang="en-US" sz="1200" dirty="0">
+                        <a:effectLst/>
+                        <a:latin typeface="Calibri" panose="020F0502020204030204" pitchFamily="34" charset="0"/>
+                        <a:ea typeface="Calibri" panose="020F0502020204030204" pitchFamily="34" charset="0"/>
+                        <a:cs typeface="Arial" panose="020B0604020202020204" pitchFamily="34" charset="0"/>
+                      </a:endParaRPr>
+                    </a:p>
+                  </a:txBody>
+                  <a:tcPr marL="68580" marR="68580" marT="0" marB="0" anchor="ctr"/>
+                </a:tc>
+                <a:tc>
+                  <a:txBody>
+                    <a:bodyPr/>
+                    <a:lstStyle/>
+                    <a:p>
+                      <a:pPr marL="0" marR="0" algn="just">
+                        <a:lnSpc>
+                          <a:spcPct val="115000"/>
+                        </a:lnSpc>
+                        <a:spcBef>
+                          <a:spcPts val="0"/>
+                        </a:spcBef>
+                        <a:spcAft>
+                          <a:spcPts val="0"/>
+                        </a:spcAft>
+                      </a:pPr>
+                      <a:r>
+                        <a:rPr lang="en-US" sz="1200" dirty="0">
+                          <a:effectLst/>
+                        </a:rPr>
+                        <a:t>Positional, by </a:t>
+                      </a:r>
+                      <a:r>
+                        <a:rPr lang="en-US" sz="1200" dirty="0" err="1">
+                          <a:effectLst/>
+                        </a:rPr>
+                        <a:t>val</a:t>
+                      </a:r>
+                      <a:endParaRPr lang="en-US" sz="1200" dirty="0">
+                        <a:effectLst/>
+                        <a:latin typeface="Calibri" panose="020F0502020204030204" pitchFamily="34" charset="0"/>
+                        <a:ea typeface="Calibri" panose="020F0502020204030204" pitchFamily="34" charset="0"/>
+                        <a:cs typeface="Arial" panose="020B0604020202020204" pitchFamily="34" charset="0"/>
+                      </a:endParaRPr>
+                    </a:p>
+                  </a:txBody>
+                  <a:tcPr marL="68580" marR="68580" marT="0" marB="0" anchor="ctr"/>
+                </a:tc>
+                <a:tc>
+                  <a:txBody>
+                    <a:bodyPr/>
+                    <a:lstStyle/>
+                    <a:p>
+                      <a:pPr marL="0" marR="0" algn="l">
+                        <a:lnSpc>
+                          <a:spcPct val="115000"/>
+                        </a:lnSpc>
+                        <a:spcBef>
+                          <a:spcPts val="0"/>
+                        </a:spcBef>
+                        <a:spcAft>
+                          <a:spcPts val="500"/>
+                        </a:spcAft>
+                      </a:pPr>
+                      <a:r>
+                        <a:rPr lang="en-US" sz="1200" dirty="0">
+                          <a:effectLst/>
+                        </a:rPr>
+                        <a:t>if x&gt;y then x else y end</a:t>
+                      </a:r>
+                      <a:endParaRPr lang="en-US" sz="1200" dirty="0">
+                        <a:effectLst/>
+                        <a:latin typeface="Calibri" panose="020F0502020204030204" pitchFamily="34" charset="0"/>
+                        <a:ea typeface="Calibri" panose="020F0502020204030204" pitchFamily="34" charset="0"/>
+                        <a:cs typeface="Arial" panose="020B0604020202020204" pitchFamily="34" charset="0"/>
+                      </a:endParaRPr>
+                    </a:p>
+                  </a:txBody>
+                  <a:tcPr marL="68580" marR="68580" marT="0" marB="0" anchor="ctr"/>
+                </a:tc>
+                <a:tc>
+                  <a:txBody>
+                    <a:bodyPr/>
+                    <a:lstStyle/>
+                    <a:p>
+                      <a:pPr marL="0" marR="0" algn="just">
+                        <a:lnSpc>
+                          <a:spcPct val="115000"/>
+                        </a:lnSpc>
+                        <a:spcBef>
+                          <a:spcPts val="0"/>
+                        </a:spcBef>
+                        <a:spcAft>
+                          <a:spcPts val="0"/>
+                        </a:spcAft>
+                      </a:pPr>
+                      <a:r>
+                        <a:rPr lang="en-US" sz="1200" dirty="0">
+                          <a:effectLst/>
+                        </a:rPr>
+                        <a:t>For – do…end</a:t>
+                      </a:r>
+                      <a:endParaRPr lang="en-US" sz="1200" dirty="0">
+                        <a:effectLst/>
+                        <a:latin typeface="Calibri" panose="020F0502020204030204" pitchFamily="34" charset="0"/>
+                        <a:ea typeface="Calibri" panose="020F0502020204030204" pitchFamily="34" charset="0"/>
+                        <a:cs typeface="Arial" panose="020B0604020202020204" pitchFamily="34" charset="0"/>
+                      </a:endParaRPr>
+                    </a:p>
+                  </a:txBody>
+                  <a:tcPr marL="68580" marR="68580" marT="0" marB="0" anchor="ctr"/>
+                </a:tc>
+              </a:tr>
+              <a:tr h="337678">
+                <a:tc>
+                  <a:txBody>
+                    <a:bodyPr/>
+                    <a:lstStyle/>
+                    <a:p>
+                      <a:pPr marL="0" marR="0" algn="just">
+                        <a:lnSpc>
+                          <a:spcPct val="115000"/>
+                        </a:lnSpc>
+                        <a:spcBef>
+                          <a:spcPts val="0"/>
+                        </a:spcBef>
+                        <a:spcAft>
+                          <a:spcPts val="0"/>
+                        </a:spcAft>
+                      </a:pPr>
+                      <a:r>
+                        <a:rPr lang="en-US" sz="1600" dirty="0" err="1">
+                          <a:effectLst/>
+                        </a:rPr>
+                        <a:t>Matlab</a:t>
+                      </a:r>
+                      <a:endParaRPr lang="en-US" sz="1600" dirty="0">
+                        <a:effectLst/>
+                        <a:latin typeface="Calibri" panose="020F0502020204030204" pitchFamily="34" charset="0"/>
+                        <a:ea typeface="Calibri" panose="020F0502020204030204" pitchFamily="34" charset="0"/>
+                        <a:cs typeface="Arial" panose="020B0604020202020204" pitchFamily="34" charset="0"/>
+                      </a:endParaRPr>
+                    </a:p>
+                  </a:txBody>
+                  <a:tcPr marL="68580" marR="68580" marT="0" marB="0" anchor="ctr"/>
+                </a:tc>
+                <a:tc>
+                  <a:txBody>
+                    <a:bodyPr/>
+                    <a:lstStyle/>
+                    <a:p>
+                      <a:pPr marL="0" marR="0" algn="just">
+                        <a:lnSpc>
+                          <a:spcPct val="115000"/>
+                        </a:lnSpc>
+                        <a:spcBef>
+                          <a:spcPts val="0"/>
+                        </a:spcBef>
+                        <a:spcAft>
+                          <a:spcPts val="0"/>
+                        </a:spcAft>
+                      </a:pPr>
+                      <a:r>
+                        <a:rPr lang="en-US" sz="1200" dirty="0">
+                          <a:effectLst/>
+                        </a:rPr>
+                        <a:t>By name or function pointer</a:t>
+                      </a:r>
+                      <a:endParaRPr lang="en-US" sz="1200" dirty="0">
+                        <a:effectLst/>
+                        <a:latin typeface="Calibri" panose="020F0502020204030204" pitchFamily="34" charset="0"/>
+                        <a:ea typeface="Calibri" panose="020F0502020204030204" pitchFamily="34" charset="0"/>
+                        <a:cs typeface="Arial" panose="020B0604020202020204" pitchFamily="34" charset="0"/>
+                      </a:endParaRPr>
+                    </a:p>
+                  </a:txBody>
+                  <a:tcPr marL="68580" marR="68580" marT="0" marB="0" anchor="ctr"/>
+                </a:tc>
+                <a:tc>
+                  <a:txBody>
+                    <a:bodyPr/>
+                    <a:lstStyle/>
+                    <a:p>
+                      <a:pPr marL="0" marR="0" algn="just">
+                        <a:lnSpc>
+                          <a:spcPct val="115000"/>
+                        </a:lnSpc>
+                        <a:spcBef>
+                          <a:spcPts val="0"/>
+                        </a:spcBef>
+                        <a:spcAft>
+                          <a:spcPts val="0"/>
+                        </a:spcAft>
+                      </a:pPr>
+                      <a:r>
+                        <a:rPr lang="en-US" sz="1200" dirty="0">
+                          <a:effectLst/>
+                        </a:rPr>
+                        <a:t>Positional, by value</a:t>
+                      </a:r>
+                      <a:endParaRPr lang="en-US" sz="1200" dirty="0">
+                        <a:effectLst/>
+                        <a:latin typeface="Calibri" panose="020F0502020204030204" pitchFamily="34" charset="0"/>
+                        <a:ea typeface="Calibri" panose="020F0502020204030204" pitchFamily="34" charset="0"/>
+                        <a:cs typeface="Arial" panose="020B0604020202020204" pitchFamily="34" charset="0"/>
+                      </a:endParaRPr>
+                    </a:p>
+                  </a:txBody>
+                  <a:tcPr marL="68580" marR="68580" marT="0" marB="0" anchor="ctr"/>
+                </a:tc>
+                <a:tc>
+                  <a:txBody>
+                    <a:bodyPr/>
+                    <a:lstStyle/>
+                    <a:p>
+                      <a:pPr marL="0" marR="0" algn="just">
+                        <a:lnSpc>
+                          <a:spcPct val="115000"/>
+                        </a:lnSpc>
+                        <a:spcBef>
+                          <a:spcPts val="0"/>
+                        </a:spcBef>
+                        <a:spcAft>
+                          <a:spcPts val="0"/>
+                        </a:spcAft>
+                      </a:pPr>
+                      <a:r>
+                        <a:rPr lang="en-US" sz="1200" dirty="0">
+                          <a:effectLst/>
+                        </a:rPr>
+                        <a:t>If (x&gt;y) x else y end</a:t>
+                      </a:r>
+                      <a:endParaRPr lang="en-US" sz="1200" dirty="0">
+                        <a:effectLst/>
+                        <a:latin typeface="Calibri" panose="020F0502020204030204" pitchFamily="34" charset="0"/>
+                        <a:ea typeface="Calibri" panose="020F0502020204030204" pitchFamily="34" charset="0"/>
+                        <a:cs typeface="Arial" panose="020B0604020202020204" pitchFamily="34" charset="0"/>
+                      </a:endParaRPr>
+                    </a:p>
+                  </a:txBody>
+                  <a:tcPr marL="68580" marR="68580" marT="0" marB="0" anchor="ctr"/>
+                </a:tc>
+                <a:tc>
+                  <a:txBody>
+                    <a:bodyPr/>
+                    <a:lstStyle/>
+                    <a:p>
+                      <a:pPr marL="0" marR="0" algn="just">
+                        <a:lnSpc>
+                          <a:spcPct val="115000"/>
+                        </a:lnSpc>
+                        <a:spcBef>
+                          <a:spcPts val="0"/>
+                        </a:spcBef>
+                        <a:spcAft>
+                          <a:spcPts val="0"/>
+                        </a:spcAft>
+                      </a:pPr>
+                      <a:r>
+                        <a:rPr lang="en-US" sz="1200" dirty="0">
+                          <a:effectLst/>
+                        </a:rPr>
+                        <a:t>While, for</a:t>
+                      </a:r>
+                      <a:endParaRPr lang="en-US" sz="1200" dirty="0">
+                        <a:effectLst/>
+                        <a:latin typeface="Calibri" panose="020F0502020204030204" pitchFamily="34" charset="0"/>
+                        <a:ea typeface="Calibri" panose="020F0502020204030204" pitchFamily="34" charset="0"/>
+                        <a:cs typeface="Arial" panose="020B0604020202020204" pitchFamily="34" charset="0"/>
+                      </a:endParaRPr>
+                    </a:p>
+                  </a:txBody>
+                  <a:tcPr marL="68580" marR="68580" marT="0" marB="0" anchor="ctr"/>
+                </a:tc>
+              </a:tr>
+              <a:tr h="337678">
+                <a:tc>
+                  <a:txBody>
+                    <a:bodyPr/>
+                    <a:lstStyle/>
+                    <a:p>
+                      <a:pPr marL="0" marR="0" algn="just">
+                        <a:lnSpc>
+                          <a:spcPct val="115000"/>
+                        </a:lnSpc>
+                        <a:spcBef>
+                          <a:spcPts val="0"/>
+                        </a:spcBef>
+                        <a:spcAft>
+                          <a:spcPts val="0"/>
+                        </a:spcAft>
+                      </a:pPr>
+                      <a:r>
+                        <a:rPr lang="en-US" sz="1600" dirty="0">
+                          <a:effectLst/>
+                        </a:rPr>
+                        <a:t>R</a:t>
+                      </a:r>
+                      <a:endParaRPr lang="en-US" sz="1600" dirty="0">
+                        <a:effectLst/>
+                        <a:latin typeface="Calibri" panose="020F0502020204030204" pitchFamily="34" charset="0"/>
+                        <a:ea typeface="Calibri" panose="020F0502020204030204" pitchFamily="34" charset="0"/>
+                        <a:cs typeface="Arial" panose="020B0604020202020204" pitchFamily="34" charset="0"/>
+                      </a:endParaRPr>
+                    </a:p>
+                  </a:txBody>
+                  <a:tcPr marL="68580" marR="68580" marT="0" marB="0" anchor="ctr"/>
+                </a:tc>
+                <a:tc>
+                  <a:txBody>
+                    <a:bodyPr/>
+                    <a:lstStyle/>
+                    <a:p>
+                      <a:pPr marL="0" marR="0" algn="just">
+                        <a:lnSpc>
+                          <a:spcPct val="115000"/>
+                        </a:lnSpc>
+                        <a:spcBef>
+                          <a:spcPts val="0"/>
+                        </a:spcBef>
+                        <a:spcAft>
+                          <a:spcPts val="0"/>
+                        </a:spcAft>
+                      </a:pPr>
+                      <a:r>
+                        <a:rPr lang="en-US" sz="1200">
+                          <a:effectLst/>
+                        </a:rPr>
+                        <a:t>By name or function pointer</a:t>
+                      </a:r>
+                      <a:endParaRPr lang="en-US" sz="1200">
+                        <a:effectLst/>
+                        <a:latin typeface="Calibri" panose="020F0502020204030204" pitchFamily="34" charset="0"/>
+                        <a:ea typeface="Calibri" panose="020F0502020204030204" pitchFamily="34" charset="0"/>
+                        <a:cs typeface="Arial" panose="020B0604020202020204" pitchFamily="34" charset="0"/>
+                      </a:endParaRPr>
+                    </a:p>
+                  </a:txBody>
+                  <a:tcPr marL="68580" marR="68580" marT="0" marB="0" anchor="ctr"/>
+                </a:tc>
+                <a:tc>
+                  <a:txBody>
+                    <a:bodyPr/>
+                    <a:lstStyle/>
+                    <a:p>
+                      <a:pPr marL="0" marR="0" algn="just">
+                        <a:lnSpc>
+                          <a:spcPct val="115000"/>
+                        </a:lnSpc>
+                        <a:spcBef>
+                          <a:spcPts val="0"/>
+                        </a:spcBef>
+                        <a:spcAft>
+                          <a:spcPts val="0"/>
+                        </a:spcAft>
+                      </a:pPr>
+                      <a:r>
+                        <a:rPr lang="en-US" sz="1200">
+                          <a:effectLst/>
+                        </a:rPr>
+                        <a:t>Positional, by value</a:t>
+                      </a:r>
+                      <a:endParaRPr lang="en-US" sz="1200">
+                        <a:effectLst/>
+                        <a:latin typeface="Calibri" panose="020F0502020204030204" pitchFamily="34" charset="0"/>
+                        <a:ea typeface="Calibri" panose="020F0502020204030204" pitchFamily="34" charset="0"/>
+                        <a:cs typeface="Arial" panose="020B0604020202020204" pitchFamily="34" charset="0"/>
+                      </a:endParaRPr>
+                    </a:p>
+                  </a:txBody>
+                  <a:tcPr marL="68580" marR="68580" marT="0" marB="0" anchor="ctr"/>
+                </a:tc>
+                <a:tc>
+                  <a:txBody>
+                    <a:bodyPr/>
+                    <a:lstStyle/>
+                    <a:p>
+                      <a:pPr marL="0" marR="0" algn="just">
+                        <a:lnSpc>
+                          <a:spcPct val="115000"/>
+                        </a:lnSpc>
+                        <a:spcBef>
+                          <a:spcPts val="0"/>
+                        </a:spcBef>
+                        <a:spcAft>
+                          <a:spcPts val="0"/>
+                        </a:spcAft>
+                      </a:pPr>
+                      <a:r>
+                        <a:rPr lang="en-US" sz="1200">
+                          <a:effectLst/>
+                        </a:rPr>
+                        <a:t>If (x&gt;y) {max= x}else {max=y}</a:t>
+                      </a:r>
+                      <a:endParaRPr lang="en-US" sz="1200">
+                        <a:effectLst/>
+                        <a:latin typeface="Calibri" panose="020F0502020204030204" pitchFamily="34" charset="0"/>
+                        <a:ea typeface="Calibri" panose="020F0502020204030204" pitchFamily="34" charset="0"/>
+                        <a:cs typeface="Arial" panose="020B0604020202020204" pitchFamily="34" charset="0"/>
+                      </a:endParaRPr>
+                    </a:p>
+                  </a:txBody>
+                  <a:tcPr marL="68580" marR="68580" marT="0" marB="0" anchor="ctr"/>
+                </a:tc>
+                <a:tc>
+                  <a:txBody>
+                    <a:bodyPr/>
+                    <a:lstStyle/>
+                    <a:p>
+                      <a:pPr marL="0" marR="0" algn="just">
+                        <a:lnSpc>
+                          <a:spcPct val="115000"/>
+                        </a:lnSpc>
+                        <a:spcBef>
+                          <a:spcPts val="0"/>
+                        </a:spcBef>
+                        <a:spcAft>
+                          <a:spcPts val="0"/>
+                        </a:spcAft>
+                      </a:pPr>
+                      <a:r>
+                        <a:rPr lang="en-US" sz="1200" dirty="0">
+                          <a:effectLst/>
+                        </a:rPr>
+                        <a:t>Repeat, While, for</a:t>
+                      </a:r>
+                      <a:endParaRPr lang="en-US" sz="1200" dirty="0">
+                        <a:effectLst/>
+                        <a:latin typeface="Calibri" panose="020F0502020204030204" pitchFamily="34" charset="0"/>
+                        <a:ea typeface="Calibri" panose="020F0502020204030204" pitchFamily="34" charset="0"/>
+                        <a:cs typeface="Arial" panose="020B0604020202020204" pitchFamily="34" charset="0"/>
+                      </a:endParaRPr>
+                    </a:p>
+                  </a:txBody>
+                  <a:tcPr marL="68580" marR="68580" marT="0" marB="0" anchor="ctr"/>
+                </a:tc>
+              </a:tr>
+              <a:tr h="337678">
+                <a:tc>
+                  <a:txBody>
+                    <a:bodyPr/>
+                    <a:lstStyle/>
+                    <a:p>
+                      <a:pPr marL="0" marR="0" algn="just">
+                        <a:lnSpc>
+                          <a:spcPct val="115000"/>
+                        </a:lnSpc>
+                        <a:spcBef>
+                          <a:spcPts val="0"/>
+                        </a:spcBef>
+                        <a:spcAft>
+                          <a:spcPts val="0"/>
+                        </a:spcAft>
+                      </a:pPr>
+                      <a:r>
+                        <a:rPr lang="en-US" sz="1600" dirty="0">
+                          <a:effectLst/>
+                        </a:rPr>
+                        <a:t>Python</a:t>
+                      </a:r>
+                      <a:endParaRPr lang="en-US" sz="1600" dirty="0">
+                        <a:effectLst/>
+                        <a:latin typeface="Calibri" panose="020F0502020204030204" pitchFamily="34" charset="0"/>
+                        <a:ea typeface="Calibri" panose="020F0502020204030204" pitchFamily="34" charset="0"/>
+                        <a:cs typeface="Arial" panose="020B0604020202020204" pitchFamily="34" charset="0"/>
+                      </a:endParaRPr>
+                    </a:p>
+                  </a:txBody>
+                  <a:tcPr marL="68580" marR="68580" marT="0" marB="0" anchor="ctr"/>
+                </a:tc>
+                <a:tc>
+                  <a:txBody>
+                    <a:bodyPr/>
+                    <a:lstStyle/>
+                    <a:p>
+                      <a:pPr marL="0" marR="0" algn="just">
+                        <a:lnSpc>
+                          <a:spcPct val="115000"/>
+                        </a:lnSpc>
+                        <a:spcBef>
+                          <a:spcPts val="0"/>
+                        </a:spcBef>
+                        <a:spcAft>
+                          <a:spcPts val="0"/>
+                        </a:spcAft>
+                      </a:pPr>
+                      <a:r>
+                        <a:rPr lang="en-US" sz="1200" dirty="0">
+                          <a:effectLst/>
+                        </a:rPr>
+                        <a:t>By name or function pointer</a:t>
+                      </a:r>
+                      <a:endParaRPr lang="en-US" sz="1200" dirty="0">
+                        <a:effectLst/>
+                        <a:latin typeface="Calibri" panose="020F0502020204030204" pitchFamily="34" charset="0"/>
+                        <a:ea typeface="Calibri" panose="020F0502020204030204" pitchFamily="34" charset="0"/>
+                        <a:cs typeface="Arial" panose="020B0604020202020204" pitchFamily="34" charset="0"/>
+                      </a:endParaRPr>
+                    </a:p>
+                  </a:txBody>
+                  <a:tcPr marL="68580" marR="68580" marT="0" marB="0" anchor="ctr"/>
+                </a:tc>
+                <a:tc>
+                  <a:txBody>
+                    <a:bodyPr/>
+                    <a:lstStyle/>
+                    <a:p>
+                      <a:pPr marL="0" marR="0" algn="just">
+                        <a:lnSpc>
+                          <a:spcPct val="115000"/>
+                        </a:lnSpc>
+                        <a:spcBef>
+                          <a:spcPts val="0"/>
+                        </a:spcBef>
+                        <a:spcAft>
+                          <a:spcPts val="0"/>
+                        </a:spcAft>
+                      </a:pPr>
+                      <a:r>
+                        <a:rPr lang="en-US" sz="1200" dirty="0">
+                          <a:effectLst/>
+                        </a:rPr>
+                        <a:t>Positional, by value</a:t>
+                      </a:r>
+                      <a:endParaRPr lang="en-US" sz="1200" dirty="0">
+                        <a:effectLst/>
+                        <a:latin typeface="Calibri" panose="020F0502020204030204" pitchFamily="34" charset="0"/>
+                        <a:ea typeface="Calibri" panose="020F0502020204030204" pitchFamily="34" charset="0"/>
+                        <a:cs typeface="Arial" panose="020B0604020202020204" pitchFamily="34" charset="0"/>
+                      </a:endParaRPr>
+                    </a:p>
+                  </a:txBody>
+                  <a:tcPr marL="68580" marR="68580" marT="0" marB="0" anchor="ctr"/>
+                </a:tc>
+                <a:tc>
+                  <a:txBody>
+                    <a:bodyPr/>
+                    <a:lstStyle/>
+                    <a:p>
+                      <a:pPr marL="0" marR="0" algn="just">
+                        <a:lnSpc>
+                          <a:spcPct val="115000"/>
+                        </a:lnSpc>
+                        <a:spcBef>
+                          <a:spcPts val="0"/>
+                        </a:spcBef>
+                        <a:spcAft>
+                          <a:spcPts val="0"/>
+                        </a:spcAft>
+                      </a:pPr>
+                      <a:r>
+                        <a:rPr lang="en-US" sz="1200" dirty="0">
+                          <a:effectLst/>
+                        </a:rPr>
+                        <a:t>If x&gt;y: max=x else: max=y</a:t>
+                      </a:r>
+                      <a:endParaRPr lang="en-US" sz="1200" dirty="0">
+                        <a:effectLst/>
+                        <a:latin typeface="Calibri" panose="020F0502020204030204" pitchFamily="34" charset="0"/>
+                        <a:ea typeface="Calibri" panose="020F0502020204030204" pitchFamily="34" charset="0"/>
+                        <a:cs typeface="Arial" panose="020B0604020202020204" pitchFamily="34" charset="0"/>
+                      </a:endParaRPr>
+                    </a:p>
+                  </a:txBody>
+                  <a:tcPr marL="68580" marR="68580" marT="0" marB="0" anchor="ctr"/>
+                </a:tc>
+                <a:tc>
+                  <a:txBody>
+                    <a:bodyPr/>
+                    <a:lstStyle/>
+                    <a:p>
+                      <a:pPr marL="0" marR="0" algn="just">
+                        <a:lnSpc>
+                          <a:spcPct val="115000"/>
+                        </a:lnSpc>
+                        <a:spcBef>
+                          <a:spcPts val="0"/>
+                        </a:spcBef>
+                        <a:spcAft>
+                          <a:spcPts val="0"/>
+                        </a:spcAft>
+                      </a:pPr>
+                      <a:r>
+                        <a:rPr lang="en-US" sz="1200" dirty="0">
+                          <a:effectLst/>
+                        </a:rPr>
+                        <a:t>While, for</a:t>
+                      </a:r>
+                      <a:endParaRPr lang="en-US" sz="1200" dirty="0">
+                        <a:effectLst/>
+                        <a:latin typeface="Calibri" panose="020F0502020204030204" pitchFamily="34" charset="0"/>
+                        <a:ea typeface="Calibri" panose="020F0502020204030204" pitchFamily="34" charset="0"/>
+                        <a:cs typeface="Arial" panose="020B0604020202020204" pitchFamily="34" charset="0"/>
+                      </a:endParaRPr>
+                    </a:p>
+                  </a:txBody>
+                  <a:tcPr marL="68580" marR="68580" marT="0" marB="0" anchor="ctr"/>
+                </a:tc>
+              </a:tr>
+            </a:tbl>
+          </a:graphicData>
+        </a:graphic>
+      </p:graphicFrame>
+      <p:sp>
+        <p:nvSpPr>
+          <p:cNvPr id="2" name="Title 1"/>
+          <p:cNvSpPr>
+            <a:spLocks noGrp="1"/>
+          </p:cNvSpPr>
+          <p:nvPr>
+            <p:ph type="title"/>
+          </p:nvPr>
+        </p:nvSpPr>
+        <p:spPr/>
+        <p:txBody>
+          <a:bodyPr/>
+          <a:lstStyle/>
+          <a:p>
+            <a:r>
+              <a:rPr lang="en-US" dirty="0" smtClean="0"/>
+              <a:t>Control structure in some languages</a:t>
+            </a:r>
+            <a:endParaRPr lang="en-US" dirty="0"/>
+          </a:p>
+        </p:txBody>
+      </p:sp>
+    </p:spTree>
+    <p:extLst>
+      <p:ext uri="{BB962C8B-B14F-4D97-AF65-F5344CB8AC3E}">
+        <p14:creationId xmlns:p14="http://schemas.microsoft.com/office/powerpoint/2010/main" val="541090939"/>
+      </p:ext>
+    </p:extLst>
+  </p:cSld>
+  <p:clrMapOvr>
+    <a:masterClrMapping/>
+  </p:clrMapOvr>
+  <p:transition spd="slow">
+    <p:push dir="u"/>
+  </p:transition>
+  <p:timing>
+    <p:tnLst>
+      <p:par>
+        <p:cTn id="1" dur="indefinite" restart="never" nodeType="tmRoot">
+          <p:childTnLst>
+            <p:seq concurrent="1" nextAc="seek">
+              <p:cTn id="2" dur="indefinite" nodeType="mainSeq">
+                <p:childTnLst>
+                  <p:par>
+                    <p:cTn id="3" fill="hold">
+                      <p:stCondLst>
+                        <p:cond delay="indefinite"/>
+                      </p:stCondLst>
+                      <p:childTnLst>
+                        <p:par>
+                          <p:cTn id="4" fill="hold">
+                            <p:stCondLst>
+                              <p:cond delay="0"/>
+                            </p:stCondLst>
+                            <p:childTnLst>
+                              <p:par>
+                                <p:cTn id="5" presetID="42" presetClass="entr" presetSubtype="0" fill="hold" nodeType="clickEffect">
+                                  <p:stCondLst>
+                                    <p:cond delay="0"/>
+                                  </p:stCondLst>
+                                  <p:childTnLst>
+                                    <p:set>
+                                      <p:cBhvr>
+                                        <p:cTn id="6" dur="1" fill="hold">
+                                          <p:stCondLst>
+                                            <p:cond delay="0"/>
+                                          </p:stCondLst>
+                                        </p:cTn>
+                                        <p:tgtEl>
+                                          <p:spTgt spid="5"/>
+                                        </p:tgtEl>
+                                        <p:attrNameLst>
+                                          <p:attrName>style.visibility</p:attrName>
+                                        </p:attrNameLst>
+                                      </p:cBhvr>
+                                      <p:to>
+                                        <p:strVal val="visible"/>
+                                      </p:to>
+                                    </p:set>
+                                    <p:animEffect transition="in" filter="fade">
+                                      <p:cBhvr>
+                                        <p:cTn id="7" dur="1000"/>
+                                        <p:tgtEl>
+                                          <p:spTgt spid="5"/>
+                                        </p:tgtEl>
+                                      </p:cBhvr>
+                                    </p:animEffect>
+                                    <p:anim calcmode="lin" valueType="num">
+                                      <p:cBhvr>
+                                        <p:cTn id="8" dur="1000" fill="hold"/>
+                                        <p:tgtEl>
+                                          <p:spTgt spid="5"/>
+                                        </p:tgtEl>
+                                        <p:attrNameLst>
+                                          <p:attrName>ppt_x</p:attrName>
+                                        </p:attrNameLst>
+                                      </p:cBhvr>
+                                      <p:tavLst>
+                                        <p:tav tm="0">
+                                          <p:val>
+                                            <p:strVal val="#ppt_x"/>
+                                          </p:val>
+                                        </p:tav>
+                                        <p:tav tm="100000">
+                                          <p:val>
+                                            <p:strVal val="#ppt_x"/>
+                                          </p:val>
+                                        </p:tav>
+                                      </p:tavLst>
+                                    </p:anim>
+                                    <p:anim calcmode="lin" valueType="num">
+                                      <p:cBhvr>
+                                        <p:cTn id="9" dur="1000" fill="hold"/>
+                                        <p:tgtEl>
+                                          <p:spTgt spid="5"/>
+                                        </p:tgtEl>
+                                        <p:attrNameLst>
+                                          <p:attrName>ppt_y</p:attrName>
+                                        </p:attrNameLst>
+                                      </p:cBhvr>
+                                      <p:tavLst>
+                                        <p:tav tm="0">
+                                          <p:val>
+                                            <p:strVal val="#ppt_y+.1"/>
+                                          </p:val>
+                                        </p:tav>
+                                        <p:tav tm="100000">
+                                          <p:val>
+                                            <p:strVal val="#ppt_y"/>
+                                          </p:val>
+                                        </p:tav>
+                                      </p:tavLst>
+                                    </p:anim>
+                                  </p:childTnLst>
+                                </p:cTn>
+                              </p:par>
+                            </p:childTnLst>
+                          </p:cTn>
+                        </p:par>
+                      </p:childTnLst>
+                    </p:cTn>
+                  </p:par>
+                </p:childTnLst>
+              </p:cTn>
+              <p:prevCondLst>
+                <p:cond evt="onPrev" delay="0">
+                  <p:tgtEl>
+                    <p:sldTgt/>
+                  </p:tgtEl>
+                </p:cond>
+              </p:prevCondLst>
+              <p:nextCondLst>
+                <p:cond evt="onNext" delay="0">
+                  <p:tgtEl>
+                    <p:sldTgt/>
+                  </p:tgtEl>
+                </p:cond>
+              </p:nextCondLst>
+            </p:seq>
+          </p:childTnLst>
+        </p:cTn>
+      </p:par>
+    </p:tnLst>
+  </p:timing>
+</p:sld>
+</file>
+
+<file path=ppt/slides/slide35.xml><?xml version="1.0" encoding="utf-8"?>
+<p:sld xmlns:a="http://schemas.openxmlformats.org/drawingml/2006/main" xmlns:r="http://schemas.openxmlformats.org/officeDocument/2006/relationships" xmlns:p="http://schemas.openxmlformats.org/presentationml/2006/main">
+  <p:cSld>
+    <p:spTree>
+      <p:nvGrpSpPr>
+        <p:cNvPr id="1" name=""/>
+        <p:cNvGrpSpPr/>
+        <p:nvPr/>
+      </p:nvGrpSpPr>
+      <p:grpSpPr>
+        <a:xfrm>
+          <a:off x="0" y="0"/>
+          <a:ext cx="0" cy="0"/>
+          <a:chOff x="0" y="0"/>
+          <a:chExt cx="0" cy="0"/>
+        </a:xfrm>
+      </p:grpSpPr>
+      <p:sp>
+        <p:nvSpPr>
+          <p:cNvPr id="2" name="Title 1"/>
+          <p:cNvSpPr>
+            <a:spLocks noGrp="1"/>
+          </p:cNvSpPr>
+          <p:nvPr>
+            <p:ph type="title"/>
+          </p:nvPr>
+        </p:nvSpPr>
+        <p:spPr/>
+        <p:txBody>
+          <a:bodyPr/>
+          <a:lstStyle/>
+          <a:p>
+            <a:r>
+              <a:rPr lang="en-US" dirty="0" smtClean="0"/>
+              <a:t>Explicit concurrency</a:t>
+            </a:r>
+            <a:endParaRPr lang="en-US" dirty="0"/>
+          </a:p>
+        </p:txBody>
+      </p:sp>
+    </p:spTree>
+    <p:extLst>
+      <p:ext uri="{BB962C8B-B14F-4D97-AF65-F5344CB8AC3E}">
+        <p14:creationId xmlns:p14="http://schemas.microsoft.com/office/powerpoint/2010/main" val="223006924"/>
+      </p:ext>
+    </p:extLst>
+  </p:cSld>
+  <p:clrMapOvr>
+    <a:masterClrMapping/>
+  </p:clrMapOvr>
+  <mc:AlternateContent xmlns:mc="http://schemas.openxmlformats.org/markup-compatibility/2006">
+    <mc:Choice xmlns:p14="http://schemas.microsoft.com/office/powerpoint/2010/main" Requires="p14">
+      <p:transition spd="slow" p14:dur="1200">
+        <p14:prism/>
+      </p:transition>
+    </mc:Choice>
+    <mc:Fallback>
+      <p:transition spd="slow">
+        <p:fade/>
+      </p:transition>
+    </mc:Fallback>
+  </mc:AlternateContent>
+  <p:timing>
+    <p:tnLst>
+      <p:par>
+        <p:cTn id="1" dur="indefinite" restart="never" nodeType="tmRoot"/>
+      </p:par>
+    </p:tnLst>
+  </p:timing>
+</p:sld>
+</file>
+
+<file path=ppt/slides/slide36.xml><?xml version="1.0" encoding="utf-8"?>
+<p:sld xmlns:a="http://schemas.openxmlformats.org/drawingml/2006/main" xmlns:r="http://schemas.openxmlformats.org/officeDocument/2006/relationships" xmlns:p="http://schemas.openxmlformats.org/presentationml/2006/main">
+  <p:cSld>
+    <p:spTree>
+      <p:nvGrpSpPr>
+        <p:cNvPr id="1" name=""/>
+        <p:cNvGrpSpPr/>
+        <p:nvPr/>
+      </p:nvGrpSpPr>
+      <p:grpSpPr>
+        <a:xfrm>
+          <a:off x="0" y="0"/>
+          <a:ext cx="0" cy="0"/>
+          <a:chOff x="0" y="0"/>
+          <a:chExt cx="0" cy="0"/>
+        </a:xfrm>
+      </p:grpSpPr>
+      <p:sp>
+        <p:nvSpPr>
+          <p:cNvPr id="2" name="Title 1"/>
+          <p:cNvSpPr>
+            <a:spLocks noGrp="1"/>
+          </p:cNvSpPr>
+          <p:nvPr>
+            <p:ph type="title"/>
+          </p:nvPr>
+        </p:nvSpPr>
+        <p:spPr/>
+        <p:txBody>
+          <a:bodyPr/>
+          <a:lstStyle/>
+          <a:p>
+            <a:r>
+              <a:rPr lang="en-US" dirty="0" smtClean="0"/>
+              <a:t>Explicit Concurrency</a:t>
+            </a:r>
+            <a:endParaRPr lang="en-US" dirty="0"/>
+          </a:p>
+        </p:txBody>
+      </p:sp>
+      <p:sp>
+        <p:nvSpPr>
+          <p:cNvPr id="3" name="Content Placeholder 2"/>
+          <p:cNvSpPr>
+            <a:spLocks noGrp="1"/>
+          </p:cNvSpPr>
+          <p:nvPr>
+            <p:ph idx="1"/>
+          </p:nvPr>
+        </p:nvSpPr>
+        <p:spPr/>
+        <p:txBody>
+          <a:bodyPr>
+            <a:normAutofit fontScale="77500" lnSpcReduction="20000"/>
+          </a:bodyPr>
+          <a:lstStyle/>
+          <a:p>
+            <a:r>
+              <a:rPr lang="en-US" sz="2600" dirty="0" smtClean="0"/>
+              <a:t>Two </a:t>
+            </a:r>
+            <a:r>
+              <a:rPr lang="en-US" sz="2600" dirty="0"/>
+              <a:t>activities are concurrent </a:t>
+            </a:r>
+            <a:r>
+              <a:rPr lang="en-US" sz="2600" dirty="0" smtClean="0"/>
+              <a:t>if </a:t>
+            </a:r>
+            <a:r>
+              <a:rPr lang="en-US" sz="2600" dirty="0"/>
+              <a:t>they are executing in parallel or if they can be interleaved. </a:t>
+            </a:r>
+            <a:endParaRPr lang="en-US" sz="2600" dirty="0" smtClean="0"/>
+          </a:p>
+          <a:p>
+            <a:r>
+              <a:rPr lang="en-US" sz="2600" dirty="0" smtClean="0"/>
+              <a:t>The </a:t>
+            </a:r>
+            <a:r>
+              <a:rPr lang="en-US" sz="2600" dirty="0"/>
+              <a:t>one which encapsulates a single concurrent activity, joining with a compulsory mutable state, is known as concurrency unit. </a:t>
+            </a:r>
+            <a:endParaRPr lang="en-US" sz="2600" dirty="0"/>
+          </a:p>
+          <a:p>
+            <a:r>
+              <a:rPr lang="en-US" sz="2600" dirty="0" smtClean="0"/>
+              <a:t>Stream </a:t>
+            </a:r>
+            <a:r>
+              <a:rPr lang="en-US" sz="2600" dirty="0"/>
+              <a:t>concurrency enables two or more concurrent activities to use each one end of </a:t>
+            </a:r>
+            <a:r>
+              <a:rPr lang="en-US" sz="2600" dirty="0" smtClean="0"/>
+              <a:t>stream </a:t>
+            </a:r>
+            <a:r>
+              <a:rPr lang="en-US" sz="2600" dirty="0"/>
+              <a:t>(</a:t>
+            </a:r>
+            <a:r>
+              <a:rPr lang="en-US" sz="2600" dirty="0" smtClean="0"/>
+              <a:t>producer-consumer communication) </a:t>
+            </a:r>
+          </a:p>
+          <a:p>
+            <a:r>
+              <a:rPr lang="en-US" sz="2600" dirty="0"/>
+              <a:t>A</a:t>
+            </a:r>
+            <a:r>
+              <a:rPr lang="en-US" sz="2600" dirty="0" smtClean="0"/>
+              <a:t> </a:t>
+            </a:r>
+            <a:r>
+              <a:rPr lang="en-US" sz="2600" dirty="0"/>
+              <a:t>shared data structure is modified by concurrent </a:t>
+            </a:r>
+            <a:r>
+              <a:rPr lang="en-US" sz="2600" dirty="0" smtClean="0"/>
+              <a:t>activities in shared state. </a:t>
+            </a:r>
+          </a:p>
+          <a:p>
+            <a:r>
+              <a:rPr lang="en-US" sz="2600" dirty="0" smtClean="0"/>
+              <a:t>Serialization </a:t>
+            </a:r>
+            <a:r>
+              <a:rPr lang="en-US" sz="2600" dirty="0"/>
+              <a:t>or code locking ensures code segment to be executed only when permitted. </a:t>
+            </a:r>
+            <a:endParaRPr lang="en-US" sz="2600" dirty="0" smtClean="0"/>
+          </a:p>
+          <a:p>
+            <a:r>
+              <a:rPr lang="en-US" sz="2600" dirty="0"/>
+              <a:t>M</a:t>
+            </a:r>
+            <a:r>
+              <a:rPr lang="en-US" sz="2600" dirty="0" smtClean="0"/>
+              <a:t>essages </a:t>
+            </a:r>
+            <a:r>
+              <a:rPr lang="en-US" sz="2600" dirty="0"/>
+              <a:t>are exchanged among the concurrent </a:t>
+            </a:r>
+            <a:r>
+              <a:rPr lang="en-US" sz="2600" dirty="0" smtClean="0"/>
+              <a:t>activities in message passing concurrency. </a:t>
+            </a:r>
+          </a:p>
+          <a:p>
+            <a:r>
+              <a:rPr lang="en-US" sz="2600" dirty="0"/>
+              <a:t>Message </a:t>
+            </a:r>
+            <a:r>
+              <a:rPr lang="en-US" sz="2600" dirty="0" smtClean="0"/>
+              <a:t>is </a:t>
+            </a:r>
+            <a:r>
+              <a:rPr lang="en-US" sz="2600" dirty="0"/>
+              <a:t>data which is transferred among the activities</a:t>
+            </a:r>
+            <a:r>
+              <a:rPr lang="en-US" sz="2600" dirty="0" smtClean="0"/>
+              <a:t>.</a:t>
+            </a:r>
+          </a:p>
+          <a:p>
+            <a:r>
+              <a:rPr lang="en-US" sz="2600" dirty="0" smtClean="0"/>
+              <a:t>Message </a:t>
+            </a:r>
+            <a:r>
+              <a:rPr lang="en-US" sz="2600" dirty="0"/>
+              <a:t>passing could </a:t>
+            </a:r>
+            <a:r>
+              <a:rPr lang="en-US" sz="2600" dirty="0" smtClean="0"/>
+              <a:t>be in:</a:t>
+            </a:r>
+          </a:p>
+          <a:p>
+            <a:pPr lvl="1"/>
+            <a:r>
+              <a:rPr lang="en-US" sz="2100" dirty="0"/>
+              <a:t>S</a:t>
+            </a:r>
+            <a:r>
+              <a:rPr lang="en-US" sz="2100" dirty="0" smtClean="0"/>
+              <a:t>ynchronous </a:t>
+            </a:r>
+            <a:r>
+              <a:rPr lang="en-US" sz="2100" dirty="0"/>
+              <a:t>(wait until receiving message) </a:t>
+            </a:r>
+            <a:r>
+              <a:rPr lang="en-US" sz="2100" dirty="0" smtClean="0"/>
+              <a:t>mode</a:t>
+            </a:r>
+          </a:p>
+          <a:p>
+            <a:pPr lvl="1"/>
+            <a:r>
+              <a:rPr lang="en-US" sz="2100" dirty="0"/>
+              <a:t>A</a:t>
+            </a:r>
+            <a:r>
+              <a:rPr lang="en-US" sz="2100" dirty="0" smtClean="0"/>
+              <a:t>synchronous </a:t>
+            </a:r>
+            <a:r>
+              <a:rPr lang="en-US" sz="2100" dirty="0"/>
+              <a:t>(not wait) </a:t>
+            </a:r>
+            <a:r>
+              <a:rPr lang="en-US" sz="2100" dirty="0" smtClean="0"/>
+              <a:t>mode</a:t>
+            </a:r>
+          </a:p>
+          <a:p>
+            <a:pPr lvl="1"/>
+            <a:r>
+              <a:rPr lang="en-US" sz="2100" dirty="0"/>
+              <a:t>C</a:t>
+            </a:r>
+            <a:r>
+              <a:rPr lang="en-US" sz="2100" dirty="0" smtClean="0"/>
+              <a:t>ombination </a:t>
+            </a:r>
+            <a:r>
+              <a:rPr lang="en-US" sz="2100" dirty="0"/>
+              <a:t>of the two modes. </a:t>
+            </a:r>
+            <a:endParaRPr lang="en-US" sz="2100" dirty="0"/>
+          </a:p>
+        </p:txBody>
+      </p:sp>
+    </p:spTree>
+    <p:extLst>
+      <p:ext uri="{BB962C8B-B14F-4D97-AF65-F5344CB8AC3E}">
+        <p14:creationId xmlns:p14="http://schemas.microsoft.com/office/powerpoint/2010/main" val="680365844"/>
+      </p:ext>
+    </p:extLst>
+  </p:cSld>
+  <p:clrMapOvr>
+    <a:masterClrMapping/>
+  </p:clrMapOvr>
+  <mc:AlternateContent xmlns:mc="http://schemas.openxmlformats.org/markup-compatibility/2006">
+    <mc:Choice xmlns:p14="http://schemas.microsoft.com/office/powerpoint/2010/main" Requires="p14">
+      <p:transition spd="slow" p14:dur="3400">
+        <p14:reveal/>
+      </p:transition>
+    </mc:Choice>
+    <mc:Fallback>
+      <p:transition spd="slow">
+        <p:fade/>
+      </p:transition>
+    </mc:Fallback>
+  </mc:AlternateContent>
+  <p:timing>
+    <p:tnLst>
+      <p:par>
+        <p:cTn id="1" dur="indefinite" restart="never" nodeType="tmRoot"/>
+      </p:par>
+    </p:tnLst>
+  </p:timing>
+</p:sld>
+</file>
+
+<file path=ppt/slides/slide37.xml><?xml version="1.0" encoding="utf-8"?>
+<p:sld xmlns:a="http://schemas.openxmlformats.org/drawingml/2006/main" xmlns:r="http://schemas.openxmlformats.org/officeDocument/2006/relationships" xmlns:p="http://schemas.openxmlformats.org/presentationml/2006/main">
+  <p:cSld>
+    <p:spTree>
+      <p:nvGrpSpPr>
+        <p:cNvPr id="1" name=""/>
+        <p:cNvGrpSpPr/>
+        <p:nvPr/>
+      </p:nvGrpSpPr>
+      <p:grpSpPr>
+        <a:xfrm>
+          <a:off x="0" y="0"/>
+          <a:ext cx="0" cy="0"/>
+          <a:chOff x="0" y="0"/>
+          <a:chExt cx="0" cy="0"/>
+        </a:xfrm>
+      </p:grpSpPr>
+      <p:sp>
+        <p:nvSpPr>
+          <p:cNvPr id="2" name="Title 1"/>
+          <p:cNvSpPr>
+            <a:spLocks noGrp="1"/>
+          </p:cNvSpPr>
+          <p:nvPr>
+            <p:ph type="title"/>
+          </p:nvPr>
+        </p:nvSpPr>
+        <p:spPr/>
+        <p:txBody>
+          <a:bodyPr/>
+          <a:lstStyle/>
+          <a:p>
+            <a:r>
+              <a:rPr lang="en-US" dirty="0" smtClean="0"/>
+              <a:t>Concurrency in some multi-paradigm </a:t>
+            </a:r>
+            <a:r>
+              <a:rPr lang="en-US" dirty="0" err="1" smtClean="0"/>
+              <a:t>langs</a:t>
+            </a:r>
+            <a:endParaRPr lang="en-US" dirty="0"/>
+          </a:p>
+        </p:txBody>
+      </p:sp>
+      <p:graphicFrame>
+        <p:nvGraphicFramePr>
+          <p:cNvPr id="6" name="Content Placeholder 5"/>
+          <p:cNvGraphicFramePr>
+            <a:graphicFrameLocks noGrp="1"/>
+          </p:cNvGraphicFramePr>
+          <p:nvPr>
+            <p:ph idx="1"/>
+            <p:extLst>
+              <p:ext uri="{D42A27DB-BD31-4B8C-83A1-F6EECF244321}">
+                <p14:modId xmlns:p14="http://schemas.microsoft.com/office/powerpoint/2010/main" val="493735882"/>
+              </p:ext>
+            </p:extLst>
+          </p:nvPr>
+        </p:nvGraphicFramePr>
+        <p:xfrm>
+          <a:off x="838201" y="1538510"/>
+          <a:ext cx="10515596" cy="4959428"/>
+        </p:xfrm>
+        <a:graphic>
+          <a:graphicData uri="http://schemas.openxmlformats.org/drawingml/2006/table">
+            <a:tbl>
+              <a:tblPr firstRow="1" firstCol="1" bandRow="1">
+                <a:tableStyleId>{5C22544A-7EE6-4342-B048-85BDC9FD1C3A}</a:tableStyleId>
+              </a:tblPr>
+              <a:tblGrid>
+                <a:gridCol w="845456"/>
+                <a:gridCol w="1654629"/>
+                <a:gridCol w="1509485"/>
+                <a:gridCol w="1999342"/>
+                <a:gridCol w="1502228"/>
+                <a:gridCol w="1172030"/>
+                <a:gridCol w="1832426"/>
+              </a:tblGrid>
+              <a:tr h="531218">
+                <a:tc>
+                  <a:txBody>
+                    <a:bodyPr/>
+                    <a:lstStyle/>
+                    <a:p>
+                      <a:pPr marL="0" marR="0" algn="l">
+                        <a:lnSpc>
+                          <a:spcPct val="115000"/>
+                        </a:lnSpc>
+                        <a:spcBef>
+                          <a:spcPts val="0"/>
+                        </a:spcBef>
+                        <a:spcAft>
+                          <a:spcPts val="0"/>
+                        </a:spcAft>
+                      </a:pPr>
+                      <a:r>
+                        <a:rPr lang="en-US" sz="1600" dirty="0">
+                          <a:effectLst/>
+                        </a:rPr>
+                        <a:t> </a:t>
+                      </a:r>
+                    </a:p>
+                    <a:p>
+                      <a:pPr marL="0" marR="0" algn="l">
+                        <a:lnSpc>
+                          <a:spcPct val="115000"/>
+                        </a:lnSpc>
+                        <a:spcBef>
+                          <a:spcPts val="0"/>
+                        </a:spcBef>
+                        <a:spcAft>
+                          <a:spcPts val="0"/>
+                        </a:spcAft>
+                      </a:pPr>
+                      <a:r>
+                        <a:rPr lang="en-US" sz="1600" dirty="0">
+                          <a:effectLst/>
+                        </a:rPr>
+                        <a:t> </a:t>
+                      </a:r>
+                      <a:endParaRPr lang="en-US" sz="1600" dirty="0">
+                        <a:effectLst/>
+                        <a:latin typeface="Calibri" panose="020F0502020204030204" pitchFamily="34" charset="0"/>
+                        <a:ea typeface="Calibri" panose="020F0502020204030204" pitchFamily="34" charset="0"/>
+                        <a:cs typeface="Arial" panose="020B0604020202020204" pitchFamily="34" charset="0"/>
+                      </a:endParaRPr>
+                    </a:p>
+                  </a:txBody>
+                  <a:tcPr marL="68580" marR="68580" marT="0" marB="0" anchor="ctr"/>
+                </a:tc>
+                <a:tc>
+                  <a:txBody>
+                    <a:bodyPr/>
+                    <a:lstStyle/>
+                    <a:p>
+                      <a:pPr marL="0" marR="0" algn="l">
+                        <a:lnSpc>
+                          <a:spcPct val="115000"/>
+                        </a:lnSpc>
+                        <a:spcBef>
+                          <a:spcPts val="0"/>
+                        </a:spcBef>
+                        <a:spcAft>
+                          <a:spcPts val="0"/>
+                        </a:spcAft>
+                      </a:pPr>
+                      <a:r>
+                        <a:rPr lang="en-US" sz="1400" dirty="0">
+                          <a:effectLst/>
+                        </a:rPr>
+                        <a:t>Explicit concurrency</a:t>
+                      </a:r>
+                      <a:endParaRPr lang="en-US" sz="1400" dirty="0">
+                        <a:effectLst/>
+                        <a:latin typeface="Calibri" panose="020F0502020204030204" pitchFamily="34" charset="0"/>
+                        <a:ea typeface="Calibri" panose="020F0502020204030204" pitchFamily="34" charset="0"/>
+                        <a:cs typeface="Arial" panose="020B0604020202020204" pitchFamily="34" charset="0"/>
+                      </a:endParaRPr>
+                    </a:p>
+                  </a:txBody>
+                  <a:tcPr marL="68580" marR="68580" marT="0" marB="0" anchor="ctr"/>
+                </a:tc>
+                <a:tc>
+                  <a:txBody>
+                    <a:bodyPr/>
+                    <a:lstStyle/>
+                    <a:p>
+                      <a:pPr marL="0" marR="0" algn="l">
+                        <a:lnSpc>
+                          <a:spcPct val="115000"/>
+                        </a:lnSpc>
+                        <a:spcBef>
+                          <a:spcPts val="0"/>
+                        </a:spcBef>
+                        <a:spcAft>
+                          <a:spcPts val="0"/>
+                        </a:spcAft>
+                      </a:pPr>
+                      <a:r>
+                        <a:rPr lang="en-US" sz="1400">
+                          <a:effectLst/>
+                        </a:rPr>
+                        <a:t>Concurrency Unit</a:t>
+                      </a:r>
+                      <a:endParaRPr lang="en-US" sz="1400">
+                        <a:effectLst/>
+                        <a:latin typeface="Calibri" panose="020F0502020204030204" pitchFamily="34" charset="0"/>
+                        <a:ea typeface="Calibri" panose="020F0502020204030204" pitchFamily="34" charset="0"/>
+                        <a:cs typeface="Arial" panose="020B0604020202020204" pitchFamily="34" charset="0"/>
+                      </a:endParaRPr>
+                    </a:p>
+                  </a:txBody>
+                  <a:tcPr marL="68580" marR="68580" marT="0" marB="0" anchor="ctr"/>
+                </a:tc>
+                <a:tc>
+                  <a:txBody>
+                    <a:bodyPr/>
+                    <a:lstStyle/>
+                    <a:p>
+                      <a:pPr marL="0" marR="0" algn="l">
+                        <a:lnSpc>
+                          <a:spcPct val="115000"/>
+                        </a:lnSpc>
+                        <a:spcBef>
+                          <a:spcPts val="0"/>
+                        </a:spcBef>
+                        <a:spcAft>
+                          <a:spcPts val="0"/>
+                        </a:spcAft>
+                      </a:pPr>
+                      <a:r>
+                        <a:rPr lang="en-US" sz="1400">
+                          <a:effectLst/>
+                        </a:rPr>
+                        <a:t>Stream Concurrency</a:t>
+                      </a:r>
+                      <a:endParaRPr lang="en-US" sz="1400">
+                        <a:effectLst/>
+                        <a:latin typeface="Calibri" panose="020F0502020204030204" pitchFamily="34" charset="0"/>
+                        <a:ea typeface="Calibri" panose="020F0502020204030204" pitchFamily="34" charset="0"/>
+                        <a:cs typeface="Arial" panose="020B0604020202020204" pitchFamily="34" charset="0"/>
+                      </a:endParaRPr>
+                    </a:p>
+                  </a:txBody>
+                  <a:tcPr marL="68580" marR="68580" marT="0" marB="0" anchor="ctr"/>
+                </a:tc>
+                <a:tc>
+                  <a:txBody>
+                    <a:bodyPr/>
+                    <a:lstStyle/>
+                    <a:p>
+                      <a:pPr marL="0" marR="0" algn="l">
+                        <a:lnSpc>
+                          <a:spcPct val="115000"/>
+                        </a:lnSpc>
+                        <a:spcBef>
+                          <a:spcPts val="0"/>
+                        </a:spcBef>
+                        <a:spcAft>
+                          <a:spcPts val="0"/>
+                        </a:spcAft>
+                      </a:pPr>
+                      <a:r>
+                        <a:rPr lang="en-US" sz="1400">
+                          <a:effectLst/>
+                        </a:rPr>
+                        <a:t>Message passing </a:t>
+                      </a:r>
+                      <a:endParaRPr lang="en-US" sz="1400">
+                        <a:effectLst/>
+                        <a:latin typeface="Calibri" panose="020F0502020204030204" pitchFamily="34" charset="0"/>
+                        <a:ea typeface="Calibri" panose="020F0502020204030204" pitchFamily="34" charset="0"/>
+                        <a:cs typeface="Arial" panose="020B0604020202020204" pitchFamily="34" charset="0"/>
+                      </a:endParaRPr>
+                    </a:p>
+                  </a:txBody>
+                  <a:tcPr marL="68580" marR="68580" marT="0" marB="0" anchor="ctr"/>
+                </a:tc>
+                <a:tc>
+                  <a:txBody>
+                    <a:bodyPr/>
+                    <a:lstStyle/>
+                    <a:p>
+                      <a:pPr marL="0" marR="0" algn="l">
+                        <a:lnSpc>
+                          <a:spcPct val="115000"/>
+                        </a:lnSpc>
+                        <a:spcBef>
+                          <a:spcPts val="0"/>
+                        </a:spcBef>
+                        <a:spcAft>
+                          <a:spcPts val="0"/>
+                        </a:spcAft>
+                      </a:pPr>
+                      <a:r>
+                        <a:rPr lang="en-US" sz="1400">
+                          <a:effectLst/>
+                        </a:rPr>
+                        <a:t>Shared state</a:t>
+                      </a:r>
+                      <a:endParaRPr lang="en-US" sz="1400">
+                        <a:effectLst/>
+                        <a:latin typeface="Calibri" panose="020F0502020204030204" pitchFamily="34" charset="0"/>
+                        <a:ea typeface="Calibri" panose="020F0502020204030204" pitchFamily="34" charset="0"/>
+                        <a:cs typeface="Arial" panose="020B0604020202020204" pitchFamily="34" charset="0"/>
+                      </a:endParaRPr>
+                    </a:p>
+                  </a:txBody>
+                  <a:tcPr marL="68580" marR="68580" marT="0" marB="0" anchor="ctr"/>
+                </a:tc>
+                <a:tc>
+                  <a:txBody>
+                    <a:bodyPr/>
+                    <a:lstStyle/>
+                    <a:p>
+                      <a:pPr marL="0" marR="0" algn="l">
+                        <a:lnSpc>
+                          <a:spcPct val="115000"/>
+                        </a:lnSpc>
+                        <a:spcBef>
+                          <a:spcPts val="0"/>
+                        </a:spcBef>
+                        <a:spcAft>
+                          <a:spcPts val="0"/>
+                        </a:spcAft>
+                      </a:pPr>
+                      <a:r>
+                        <a:rPr lang="en-US" sz="1400">
+                          <a:effectLst/>
+                        </a:rPr>
+                        <a:t>Code locking</a:t>
+                      </a:r>
+                      <a:endParaRPr lang="en-US" sz="1400">
+                        <a:effectLst/>
+                        <a:latin typeface="Calibri" panose="020F0502020204030204" pitchFamily="34" charset="0"/>
+                        <a:ea typeface="Calibri" panose="020F0502020204030204" pitchFamily="34" charset="0"/>
+                        <a:cs typeface="Arial" panose="020B0604020202020204" pitchFamily="34" charset="0"/>
+                      </a:endParaRPr>
+                    </a:p>
+                  </a:txBody>
+                  <a:tcPr marL="68580" marR="68580" marT="0" marB="0" anchor="ctr"/>
+                </a:tc>
+              </a:tr>
+              <a:tr h="358072">
+                <a:tc>
+                  <a:txBody>
+                    <a:bodyPr/>
+                    <a:lstStyle/>
+                    <a:p>
+                      <a:pPr marL="0" marR="0" algn="l">
+                        <a:lnSpc>
+                          <a:spcPct val="115000"/>
+                        </a:lnSpc>
+                        <a:spcBef>
+                          <a:spcPts val="0"/>
+                        </a:spcBef>
+                        <a:spcAft>
+                          <a:spcPts val="0"/>
+                        </a:spcAft>
+                      </a:pPr>
+                      <a:r>
+                        <a:rPr lang="en-US" sz="1600" dirty="0">
+                          <a:effectLst/>
+                        </a:rPr>
+                        <a:t>Scala</a:t>
+                      </a:r>
+                      <a:endParaRPr lang="en-US" sz="1600" dirty="0">
+                        <a:effectLst/>
+                        <a:latin typeface="Calibri" panose="020F0502020204030204" pitchFamily="34" charset="0"/>
+                        <a:ea typeface="Calibri" panose="020F0502020204030204" pitchFamily="34" charset="0"/>
+                        <a:cs typeface="Arial" panose="020B0604020202020204" pitchFamily="34" charset="0"/>
+                      </a:endParaRPr>
+                    </a:p>
+                  </a:txBody>
+                  <a:tcPr marL="68580" marR="68580" marT="0" marB="0" anchor="ctr"/>
+                </a:tc>
+                <a:tc>
+                  <a:txBody>
+                    <a:bodyPr/>
+                    <a:lstStyle/>
+                    <a:p>
+                      <a:pPr marL="0" marR="0" algn="l">
+                        <a:lnSpc>
+                          <a:spcPct val="115000"/>
+                        </a:lnSpc>
+                        <a:spcBef>
+                          <a:spcPts val="0"/>
+                        </a:spcBef>
+                        <a:spcAft>
+                          <a:spcPts val="0"/>
+                        </a:spcAft>
+                      </a:pPr>
+                      <a:r>
+                        <a:rPr lang="en-US" sz="1400" dirty="0">
+                          <a:effectLst/>
+                        </a:rPr>
+                        <a:t>Yes</a:t>
+                      </a:r>
+                      <a:endParaRPr lang="en-US" sz="1400" dirty="0">
+                        <a:effectLst/>
+                        <a:latin typeface="Calibri" panose="020F0502020204030204" pitchFamily="34" charset="0"/>
+                        <a:ea typeface="Calibri" panose="020F0502020204030204" pitchFamily="34" charset="0"/>
+                        <a:cs typeface="Arial" panose="020B0604020202020204" pitchFamily="34" charset="0"/>
+                      </a:endParaRPr>
+                    </a:p>
+                  </a:txBody>
+                  <a:tcPr marL="68580" marR="68580" marT="0" marB="0" anchor="ctr"/>
+                </a:tc>
+                <a:tc>
+                  <a:txBody>
+                    <a:bodyPr/>
+                    <a:lstStyle/>
+                    <a:p>
+                      <a:pPr marL="0" marR="0" algn="l">
+                        <a:lnSpc>
+                          <a:spcPct val="115000"/>
+                        </a:lnSpc>
+                        <a:spcBef>
+                          <a:spcPts val="0"/>
+                        </a:spcBef>
+                        <a:spcAft>
+                          <a:spcPts val="0"/>
+                        </a:spcAft>
+                      </a:pPr>
+                      <a:r>
+                        <a:rPr lang="en-US" sz="1400" dirty="0" err="1">
+                          <a:effectLst/>
+                        </a:rPr>
+                        <a:t>SynchVar</a:t>
+                      </a:r>
+                      <a:endParaRPr lang="en-US" sz="1400" dirty="0">
+                        <a:effectLst/>
+                        <a:latin typeface="Calibri" panose="020F0502020204030204" pitchFamily="34" charset="0"/>
+                        <a:ea typeface="Calibri" panose="020F0502020204030204" pitchFamily="34" charset="0"/>
+                        <a:cs typeface="Arial" panose="020B0604020202020204" pitchFamily="34" charset="0"/>
+                      </a:endParaRPr>
+                    </a:p>
+                  </a:txBody>
+                  <a:tcPr marL="68580" marR="68580" marT="0" marB="0" anchor="ctr"/>
+                </a:tc>
+                <a:tc>
+                  <a:txBody>
+                    <a:bodyPr/>
+                    <a:lstStyle/>
+                    <a:p>
+                      <a:pPr marL="0" marR="0" algn="l">
+                        <a:lnSpc>
+                          <a:spcPct val="115000"/>
+                        </a:lnSpc>
+                        <a:spcBef>
+                          <a:spcPts val="0"/>
+                        </a:spcBef>
+                        <a:spcAft>
+                          <a:spcPts val="0"/>
+                        </a:spcAft>
+                      </a:pPr>
+                      <a:r>
+                        <a:rPr lang="en-US" sz="1400">
+                          <a:effectLst/>
+                        </a:rPr>
+                        <a:t>AKKA</a:t>
+                      </a:r>
+                      <a:endParaRPr lang="en-US" sz="1400">
+                        <a:effectLst/>
+                        <a:latin typeface="Calibri" panose="020F0502020204030204" pitchFamily="34" charset="0"/>
+                        <a:ea typeface="Calibri" panose="020F0502020204030204" pitchFamily="34" charset="0"/>
+                        <a:cs typeface="Arial" panose="020B0604020202020204" pitchFamily="34" charset="0"/>
+                      </a:endParaRPr>
+                    </a:p>
+                  </a:txBody>
+                  <a:tcPr marL="68580" marR="68580" marT="0" marB="0" anchor="ctr"/>
+                </a:tc>
+                <a:tc>
+                  <a:txBody>
+                    <a:bodyPr/>
+                    <a:lstStyle/>
+                    <a:p>
+                      <a:pPr marL="0" marR="0" algn="l">
+                        <a:lnSpc>
+                          <a:spcPct val="115000"/>
+                        </a:lnSpc>
+                        <a:spcBef>
+                          <a:spcPts val="0"/>
+                        </a:spcBef>
+                        <a:spcAft>
+                          <a:spcPts val="0"/>
+                        </a:spcAft>
+                      </a:pPr>
+                      <a:r>
+                        <a:rPr lang="en-US" sz="1400">
+                          <a:effectLst/>
+                        </a:rPr>
+                        <a:t>Yes</a:t>
+                      </a:r>
+                      <a:endParaRPr lang="en-US" sz="1400">
+                        <a:effectLst/>
+                        <a:latin typeface="Calibri" panose="020F0502020204030204" pitchFamily="34" charset="0"/>
+                        <a:ea typeface="Calibri" panose="020F0502020204030204" pitchFamily="34" charset="0"/>
+                        <a:cs typeface="Arial" panose="020B0604020202020204" pitchFamily="34" charset="0"/>
+                      </a:endParaRPr>
+                    </a:p>
+                  </a:txBody>
+                  <a:tcPr marL="68580" marR="68580" marT="0" marB="0" anchor="ctr"/>
+                </a:tc>
+                <a:tc>
+                  <a:txBody>
+                    <a:bodyPr/>
+                    <a:lstStyle/>
+                    <a:p>
+                      <a:pPr marL="0" marR="0" algn="l">
+                        <a:lnSpc>
+                          <a:spcPct val="115000"/>
+                        </a:lnSpc>
+                        <a:spcBef>
+                          <a:spcPts val="0"/>
+                        </a:spcBef>
+                        <a:spcAft>
+                          <a:spcPts val="0"/>
+                        </a:spcAft>
+                      </a:pPr>
+                      <a:r>
+                        <a:rPr lang="en-US" sz="1400">
+                          <a:effectLst/>
+                        </a:rPr>
+                        <a:t>Actor</a:t>
+                      </a:r>
+                      <a:endParaRPr lang="en-US" sz="1400">
+                        <a:effectLst/>
+                        <a:latin typeface="Calibri" panose="020F0502020204030204" pitchFamily="34" charset="0"/>
+                        <a:ea typeface="Calibri" panose="020F0502020204030204" pitchFamily="34" charset="0"/>
+                        <a:cs typeface="Arial" panose="020B0604020202020204" pitchFamily="34" charset="0"/>
+                      </a:endParaRPr>
+                    </a:p>
+                  </a:txBody>
+                  <a:tcPr marL="68580" marR="68580" marT="0" marB="0" anchor="ctr"/>
+                </a:tc>
+                <a:tc>
+                  <a:txBody>
+                    <a:bodyPr/>
+                    <a:lstStyle/>
+                    <a:p>
+                      <a:pPr marL="0" marR="0" algn="l">
+                        <a:lnSpc>
+                          <a:spcPts val="835"/>
+                        </a:lnSpc>
+                        <a:spcBef>
+                          <a:spcPts val="0"/>
+                        </a:spcBef>
+                        <a:spcAft>
+                          <a:spcPts val="0"/>
+                        </a:spcAft>
+                        <a:tabLst>
+                          <a:tab pos="581660" algn="l"/>
+                          <a:tab pos="1163320" algn="l"/>
+                          <a:tab pos="1744980" algn="l"/>
+                          <a:tab pos="2326640" algn="l"/>
+                          <a:tab pos="2908300" algn="l"/>
+                          <a:tab pos="3489960" algn="l"/>
+                          <a:tab pos="4071620" algn="l"/>
+                          <a:tab pos="4653280" algn="l"/>
+                          <a:tab pos="5234940" algn="l"/>
+                          <a:tab pos="5816600" algn="l"/>
+                          <a:tab pos="6398260" algn="l"/>
+                          <a:tab pos="6979920" algn="l"/>
+                          <a:tab pos="7561580" algn="l"/>
+                          <a:tab pos="8143240" algn="l"/>
+                          <a:tab pos="8724900" algn="l"/>
+                          <a:tab pos="9306560" algn="l"/>
+                        </a:tabLst>
+                      </a:pPr>
+                      <a:r>
+                        <a:rPr lang="en-US" sz="1400">
+                          <a:effectLst/>
+                        </a:rPr>
+                        <a:t>Java library</a:t>
+                      </a:r>
+                      <a:endParaRPr lang="en-US" sz="1400">
+                        <a:effectLst/>
+                        <a:latin typeface="Calibri" panose="020F0502020204030204" pitchFamily="34" charset="0"/>
+                        <a:ea typeface="Calibri" panose="020F0502020204030204" pitchFamily="34" charset="0"/>
+                        <a:cs typeface="Arial" panose="020B0604020202020204" pitchFamily="34" charset="0"/>
+                      </a:endParaRPr>
+                    </a:p>
+                  </a:txBody>
+                  <a:tcPr marL="68580" marR="68580" marT="0" marB="0" anchor="ctr"/>
+                </a:tc>
+              </a:tr>
+              <a:tr h="358072">
+                <a:tc>
+                  <a:txBody>
+                    <a:bodyPr/>
+                    <a:lstStyle/>
+                    <a:p>
+                      <a:pPr marL="0" marR="0" algn="l">
+                        <a:lnSpc>
+                          <a:spcPct val="115000"/>
+                        </a:lnSpc>
+                        <a:spcBef>
+                          <a:spcPts val="0"/>
+                        </a:spcBef>
+                        <a:spcAft>
+                          <a:spcPts val="0"/>
+                        </a:spcAft>
+                      </a:pPr>
+                      <a:r>
+                        <a:rPr lang="en-US" sz="1600" dirty="0">
+                          <a:effectLst/>
+                        </a:rPr>
+                        <a:t>Swift</a:t>
+                      </a:r>
+                      <a:endParaRPr lang="en-US" sz="1600" dirty="0">
+                        <a:effectLst/>
+                        <a:latin typeface="Calibri" panose="020F0502020204030204" pitchFamily="34" charset="0"/>
+                        <a:ea typeface="Calibri" panose="020F0502020204030204" pitchFamily="34" charset="0"/>
+                        <a:cs typeface="Arial" panose="020B0604020202020204" pitchFamily="34" charset="0"/>
+                      </a:endParaRPr>
+                    </a:p>
+                  </a:txBody>
+                  <a:tcPr marL="68580" marR="68580" marT="0" marB="0" anchor="ctr"/>
+                </a:tc>
+                <a:tc>
+                  <a:txBody>
+                    <a:bodyPr/>
+                    <a:lstStyle/>
+                    <a:p>
+                      <a:pPr marL="0" marR="0" algn="l">
+                        <a:lnSpc>
+                          <a:spcPct val="115000"/>
+                        </a:lnSpc>
+                        <a:spcBef>
+                          <a:spcPts val="0"/>
+                        </a:spcBef>
+                        <a:spcAft>
+                          <a:spcPts val="0"/>
+                        </a:spcAft>
+                      </a:pPr>
+                      <a:r>
+                        <a:rPr lang="en-US" sz="1400">
+                          <a:effectLst/>
+                        </a:rPr>
+                        <a:t>Yes</a:t>
+                      </a:r>
+                      <a:endParaRPr lang="en-US" sz="1400">
+                        <a:effectLst/>
+                        <a:latin typeface="Calibri" panose="020F0502020204030204" pitchFamily="34" charset="0"/>
+                        <a:ea typeface="Calibri" panose="020F0502020204030204" pitchFamily="34" charset="0"/>
+                        <a:cs typeface="Arial" panose="020B0604020202020204" pitchFamily="34" charset="0"/>
+                      </a:endParaRPr>
+                    </a:p>
+                  </a:txBody>
+                  <a:tcPr marL="68580" marR="68580" marT="0" marB="0" anchor="ctr"/>
+                </a:tc>
+                <a:tc>
+                  <a:txBody>
+                    <a:bodyPr/>
+                    <a:lstStyle/>
+                    <a:p>
+                      <a:pPr marL="0" marR="0" algn="l">
+                        <a:lnSpc>
+                          <a:spcPct val="115000"/>
+                        </a:lnSpc>
+                        <a:spcBef>
+                          <a:spcPts val="0"/>
+                        </a:spcBef>
+                        <a:spcAft>
+                          <a:spcPts val="0"/>
+                        </a:spcAft>
+                      </a:pPr>
+                      <a:r>
+                        <a:rPr lang="en-US" sz="1400">
+                          <a:effectLst/>
+                        </a:rPr>
+                        <a:t>nsthread</a:t>
+                      </a:r>
+                      <a:endParaRPr lang="en-US" sz="1400">
+                        <a:effectLst/>
+                        <a:latin typeface="Calibri" panose="020F0502020204030204" pitchFamily="34" charset="0"/>
+                        <a:ea typeface="Calibri" panose="020F0502020204030204" pitchFamily="34" charset="0"/>
+                        <a:cs typeface="Arial" panose="020B0604020202020204" pitchFamily="34" charset="0"/>
+                      </a:endParaRPr>
+                    </a:p>
+                  </a:txBody>
+                  <a:tcPr marL="68580" marR="68580" marT="0" marB="0" anchor="ctr"/>
+                </a:tc>
+                <a:tc>
+                  <a:txBody>
+                    <a:bodyPr/>
+                    <a:lstStyle/>
+                    <a:p>
+                      <a:pPr marL="0" marR="0" algn="l">
+                        <a:lnSpc>
+                          <a:spcPct val="115000"/>
+                        </a:lnSpc>
+                        <a:spcBef>
+                          <a:spcPts val="0"/>
+                        </a:spcBef>
+                        <a:spcAft>
+                          <a:spcPts val="0"/>
+                        </a:spcAft>
+                      </a:pPr>
+                      <a:r>
+                        <a:rPr lang="en-US" sz="1400">
+                          <a:effectLst/>
+                        </a:rPr>
+                        <a:t>nsstream</a:t>
+                      </a:r>
+                      <a:endParaRPr lang="en-US" sz="1400">
+                        <a:effectLst/>
+                        <a:latin typeface="Calibri" panose="020F0502020204030204" pitchFamily="34" charset="0"/>
+                        <a:ea typeface="Calibri" panose="020F0502020204030204" pitchFamily="34" charset="0"/>
+                        <a:cs typeface="Arial" panose="020B0604020202020204" pitchFamily="34" charset="0"/>
+                      </a:endParaRPr>
+                    </a:p>
+                  </a:txBody>
+                  <a:tcPr marL="68580" marR="68580" marT="0" marB="0" anchor="ctr"/>
+                </a:tc>
+                <a:tc>
+                  <a:txBody>
+                    <a:bodyPr/>
+                    <a:lstStyle/>
+                    <a:p>
+                      <a:pPr marL="0" marR="0" algn="l">
+                        <a:lnSpc>
+                          <a:spcPct val="115000"/>
+                        </a:lnSpc>
+                        <a:spcBef>
+                          <a:spcPts val="0"/>
+                        </a:spcBef>
+                        <a:spcAft>
+                          <a:spcPts val="0"/>
+                        </a:spcAft>
+                      </a:pPr>
+                      <a:r>
+                        <a:rPr lang="en-US" sz="1400">
+                          <a:effectLst/>
+                        </a:rPr>
+                        <a:t>No</a:t>
+                      </a:r>
+                      <a:endParaRPr lang="en-US" sz="1400">
+                        <a:effectLst/>
+                        <a:latin typeface="Calibri" panose="020F0502020204030204" pitchFamily="34" charset="0"/>
+                        <a:ea typeface="Calibri" panose="020F0502020204030204" pitchFamily="34" charset="0"/>
+                        <a:cs typeface="Arial" panose="020B0604020202020204" pitchFamily="34" charset="0"/>
+                      </a:endParaRPr>
+                    </a:p>
+                  </a:txBody>
+                  <a:tcPr marL="68580" marR="68580" marT="0" marB="0" anchor="ctr"/>
+                </a:tc>
+                <a:tc>
+                  <a:txBody>
+                    <a:bodyPr/>
+                    <a:lstStyle/>
+                    <a:p>
+                      <a:pPr marL="0" marR="0" algn="l">
+                        <a:lnSpc>
+                          <a:spcPct val="115000"/>
+                        </a:lnSpc>
+                        <a:spcBef>
+                          <a:spcPts val="0"/>
+                        </a:spcBef>
+                        <a:spcAft>
+                          <a:spcPts val="0"/>
+                        </a:spcAft>
+                      </a:pPr>
+                      <a:r>
+                        <a:rPr lang="en-US" sz="1400">
+                          <a:effectLst/>
+                        </a:rPr>
+                        <a:t>No</a:t>
+                      </a:r>
+                      <a:endParaRPr lang="en-US" sz="1400">
+                        <a:effectLst/>
+                        <a:latin typeface="Calibri" panose="020F0502020204030204" pitchFamily="34" charset="0"/>
+                        <a:ea typeface="Calibri" panose="020F0502020204030204" pitchFamily="34" charset="0"/>
+                        <a:cs typeface="Arial" panose="020B0604020202020204" pitchFamily="34" charset="0"/>
+                      </a:endParaRPr>
+                    </a:p>
+                  </a:txBody>
+                  <a:tcPr marL="68580" marR="68580" marT="0" marB="0" anchor="ctr"/>
+                </a:tc>
+                <a:tc>
+                  <a:txBody>
+                    <a:bodyPr/>
+                    <a:lstStyle/>
+                    <a:p>
+                      <a:pPr marL="0" marR="0" algn="l">
+                        <a:lnSpc>
+                          <a:spcPct val="115000"/>
+                        </a:lnSpc>
+                        <a:spcBef>
+                          <a:spcPts val="0"/>
+                        </a:spcBef>
+                        <a:spcAft>
+                          <a:spcPts val="0"/>
+                        </a:spcAft>
+                      </a:pPr>
+                      <a:r>
+                        <a:rPr lang="en-US" sz="1400">
+                          <a:effectLst/>
+                        </a:rPr>
+                        <a:t>Lock.swift</a:t>
+                      </a:r>
+                      <a:endParaRPr lang="en-US" sz="1400">
+                        <a:effectLst/>
+                        <a:latin typeface="Calibri" panose="020F0502020204030204" pitchFamily="34" charset="0"/>
+                        <a:ea typeface="Calibri" panose="020F0502020204030204" pitchFamily="34" charset="0"/>
+                        <a:cs typeface="Arial" panose="020B0604020202020204" pitchFamily="34" charset="0"/>
+                      </a:endParaRPr>
+                    </a:p>
+                  </a:txBody>
+                  <a:tcPr marL="68580" marR="68580" marT="0" marB="0" anchor="ctr"/>
+                </a:tc>
+              </a:tr>
+              <a:tr h="358072">
+                <a:tc>
+                  <a:txBody>
+                    <a:bodyPr/>
+                    <a:lstStyle/>
+                    <a:p>
+                      <a:pPr marL="0" marR="0" algn="l">
+                        <a:lnSpc>
+                          <a:spcPct val="115000"/>
+                        </a:lnSpc>
+                        <a:spcBef>
+                          <a:spcPts val="0"/>
+                        </a:spcBef>
+                        <a:spcAft>
+                          <a:spcPts val="0"/>
+                        </a:spcAft>
+                      </a:pPr>
+                      <a:r>
+                        <a:rPr lang="en-US" sz="1600" dirty="0">
+                          <a:effectLst/>
+                        </a:rPr>
+                        <a:t>Falcon</a:t>
+                      </a:r>
+                      <a:endParaRPr lang="en-US" sz="1600" dirty="0">
+                        <a:effectLst/>
+                        <a:latin typeface="Calibri" panose="020F0502020204030204" pitchFamily="34" charset="0"/>
+                        <a:ea typeface="Calibri" panose="020F0502020204030204" pitchFamily="34" charset="0"/>
+                        <a:cs typeface="Arial" panose="020B0604020202020204" pitchFamily="34" charset="0"/>
+                      </a:endParaRPr>
+                    </a:p>
+                  </a:txBody>
+                  <a:tcPr marL="68580" marR="68580" marT="0" marB="0" anchor="ctr"/>
+                </a:tc>
+                <a:tc>
+                  <a:txBody>
+                    <a:bodyPr/>
+                    <a:lstStyle/>
+                    <a:p>
+                      <a:pPr marL="0" marR="0" algn="l">
+                        <a:lnSpc>
+                          <a:spcPct val="115000"/>
+                        </a:lnSpc>
+                        <a:spcBef>
+                          <a:spcPts val="0"/>
+                        </a:spcBef>
+                        <a:spcAft>
+                          <a:spcPts val="0"/>
+                        </a:spcAft>
+                      </a:pPr>
+                      <a:r>
+                        <a:rPr lang="en-US" sz="1400">
+                          <a:effectLst/>
+                        </a:rPr>
+                        <a:t> </a:t>
+                      </a:r>
+                      <a:endParaRPr lang="en-US" sz="1400">
+                        <a:effectLst/>
+                        <a:latin typeface="Calibri" panose="020F0502020204030204" pitchFamily="34" charset="0"/>
+                        <a:ea typeface="Calibri" panose="020F0502020204030204" pitchFamily="34" charset="0"/>
+                        <a:cs typeface="Arial" panose="020B0604020202020204" pitchFamily="34" charset="0"/>
+                      </a:endParaRPr>
+                    </a:p>
+                  </a:txBody>
+                  <a:tcPr marL="68580" marR="68580" marT="0" marB="0" anchor="ctr"/>
+                </a:tc>
+                <a:tc>
+                  <a:txBody>
+                    <a:bodyPr/>
+                    <a:lstStyle/>
+                    <a:p>
+                      <a:pPr marL="0" marR="0" algn="l">
+                        <a:lnSpc>
+                          <a:spcPct val="115000"/>
+                        </a:lnSpc>
+                        <a:spcBef>
+                          <a:spcPts val="0"/>
+                        </a:spcBef>
+                        <a:spcAft>
+                          <a:spcPts val="0"/>
+                        </a:spcAft>
+                      </a:pPr>
+                      <a:r>
+                        <a:rPr lang="en-US" sz="1400">
+                          <a:effectLst/>
+                        </a:rPr>
+                        <a:t>Yes</a:t>
+                      </a:r>
+                      <a:endParaRPr lang="en-US" sz="1400">
+                        <a:effectLst/>
+                        <a:latin typeface="Calibri" panose="020F0502020204030204" pitchFamily="34" charset="0"/>
+                        <a:ea typeface="Calibri" panose="020F0502020204030204" pitchFamily="34" charset="0"/>
+                        <a:cs typeface="Arial" panose="020B0604020202020204" pitchFamily="34" charset="0"/>
+                      </a:endParaRPr>
+                    </a:p>
+                  </a:txBody>
+                  <a:tcPr marL="68580" marR="68580" marT="0" marB="0" anchor="ctr"/>
+                </a:tc>
+                <a:tc>
+                  <a:txBody>
+                    <a:bodyPr/>
+                    <a:lstStyle/>
+                    <a:p>
+                      <a:pPr marL="0" marR="0" algn="l">
+                        <a:lnSpc>
+                          <a:spcPct val="115000"/>
+                        </a:lnSpc>
+                        <a:spcBef>
+                          <a:spcPts val="0"/>
+                        </a:spcBef>
+                        <a:spcAft>
+                          <a:spcPts val="0"/>
+                        </a:spcAft>
+                      </a:pPr>
+                      <a:r>
+                        <a:rPr lang="en-US" sz="1400">
+                          <a:effectLst/>
+                        </a:rPr>
+                        <a:t>Yes</a:t>
+                      </a:r>
+                      <a:endParaRPr lang="en-US" sz="1400">
+                        <a:effectLst/>
+                        <a:latin typeface="Calibri" panose="020F0502020204030204" pitchFamily="34" charset="0"/>
+                        <a:ea typeface="Calibri" panose="020F0502020204030204" pitchFamily="34" charset="0"/>
+                        <a:cs typeface="Arial" panose="020B0604020202020204" pitchFamily="34" charset="0"/>
+                      </a:endParaRPr>
+                    </a:p>
+                  </a:txBody>
+                  <a:tcPr marL="68580" marR="68580" marT="0" marB="0" anchor="ctr"/>
+                </a:tc>
+                <a:tc>
+                  <a:txBody>
+                    <a:bodyPr/>
+                    <a:lstStyle/>
+                    <a:p>
+                      <a:pPr marL="0" marR="0" algn="l">
+                        <a:lnSpc>
+                          <a:spcPct val="115000"/>
+                        </a:lnSpc>
+                        <a:spcBef>
+                          <a:spcPts val="0"/>
+                        </a:spcBef>
+                        <a:spcAft>
+                          <a:spcPts val="0"/>
+                        </a:spcAft>
+                      </a:pPr>
+                      <a:r>
+                        <a:rPr lang="en-US" sz="1400">
+                          <a:effectLst/>
+                        </a:rPr>
+                        <a:t>No</a:t>
+                      </a:r>
+                      <a:endParaRPr lang="en-US" sz="1400">
+                        <a:effectLst/>
+                        <a:latin typeface="Calibri" panose="020F0502020204030204" pitchFamily="34" charset="0"/>
+                        <a:ea typeface="Calibri" panose="020F0502020204030204" pitchFamily="34" charset="0"/>
+                        <a:cs typeface="Arial" panose="020B0604020202020204" pitchFamily="34" charset="0"/>
+                      </a:endParaRPr>
+                    </a:p>
+                  </a:txBody>
+                  <a:tcPr marL="68580" marR="68580" marT="0" marB="0" anchor="ctr"/>
+                </a:tc>
+                <a:tc>
+                  <a:txBody>
+                    <a:bodyPr/>
+                    <a:lstStyle/>
+                    <a:p>
+                      <a:pPr marL="0" marR="0" algn="l">
+                        <a:lnSpc>
+                          <a:spcPct val="115000"/>
+                        </a:lnSpc>
+                        <a:spcBef>
+                          <a:spcPts val="0"/>
+                        </a:spcBef>
+                        <a:spcAft>
+                          <a:spcPts val="0"/>
+                        </a:spcAft>
+                      </a:pPr>
+                      <a:r>
+                        <a:rPr lang="en-US" sz="1400">
+                          <a:effectLst/>
+                        </a:rPr>
+                        <a:t>Yes</a:t>
+                      </a:r>
+                      <a:endParaRPr lang="en-US" sz="1400">
+                        <a:effectLst/>
+                        <a:latin typeface="Calibri" panose="020F0502020204030204" pitchFamily="34" charset="0"/>
+                        <a:ea typeface="Calibri" panose="020F0502020204030204" pitchFamily="34" charset="0"/>
+                        <a:cs typeface="Arial" panose="020B0604020202020204" pitchFamily="34" charset="0"/>
+                      </a:endParaRPr>
+                    </a:p>
+                  </a:txBody>
+                  <a:tcPr marL="68580" marR="68580" marT="0" marB="0" anchor="ctr"/>
+                </a:tc>
+                <a:tc>
+                  <a:txBody>
+                    <a:bodyPr/>
+                    <a:lstStyle/>
+                    <a:p>
+                      <a:pPr marL="0" marR="0" algn="l">
+                        <a:lnSpc>
+                          <a:spcPct val="115000"/>
+                        </a:lnSpc>
+                        <a:spcBef>
+                          <a:spcPts val="0"/>
+                        </a:spcBef>
+                        <a:spcAft>
+                          <a:spcPts val="0"/>
+                        </a:spcAft>
+                      </a:pPr>
+                      <a:r>
+                        <a:rPr lang="en-US" sz="1400">
+                          <a:effectLst/>
+                        </a:rPr>
+                        <a:t>-sync y</a:t>
+                      </a:r>
+                      <a:endParaRPr lang="en-US" sz="1400">
+                        <a:effectLst/>
+                        <a:latin typeface="Calibri" panose="020F0502020204030204" pitchFamily="34" charset="0"/>
+                        <a:ea typeface="Calibri" panose="020F0502020204030204" pitchFamily="34" charset="0"/>
+                        <a:cs typeface="Arial" panose="020B0604020202020204" pitchFamily="34" charset="0"/>
+                      </a:endParaRPr>
+                    </a:p>
+                  </a:txBody>
+                  <a:tcPr marL="68580" marR="68580" marT="0" marB="0" anchor="ctr"/>
+                </a:tc>
+              </a:tr>
+              <a:tr h="358072">
+                <a:tc>
+                  <a:txBody>
+                    <a:bodyPr/>
+                    <a:lstStyle/>
+                    <a:p>
+                      <a:pPr marL="0" marR="0" algn="l">
+                        <a:lnSpc>
+                          <a:spcPct val="115000"/>
+                        </a:lnSpc>
+                        <a:spcBef>
+                          <a:spcPts val="0"/>
+                        </a:spcBef>
+                        <a:spcAft>
+                          <a:spcPts val="0"/>
+                        </a:spcAft>
+                      </a:pPr>
+                      <a:r>
+                        <a:rPr lang="en-US" sz="1600" dirty="0">
+                          <a:effectLst/>
+                        </a:rPr>
+                        <a:t>F#</a:t>
+                      </a:r>
+                      <a:endParaRPr lang="en-US" sz="1600" dirty="0">
+                        <a:effectLst/>
+                        <a:latin typeface="Calibri" panose="020F0502020204030204" pitchFamily="34" charset="0"/>
+                        <a:ea typeface="Calibri" panose="020F0502020204030204" pitchFamily="34" charset="0"/>
+                        <a:cs typeface="Arial" panose="020B0604020202020204" pitchFamily="34" charset="0"/>
+                      </a:endParaRPr>
+                    </a:p>
+                  </a:txBody>
+                  <a:tcPr marL="68580" marR="68580" marT="0" marB="0" anchor="ctr"/>
+                </a:tc>
+                <a:tc>
+                  <a:txBody>
+                    <a:bodyPr/>
+                    <a:lstStyle/>
+                    <a:p>
+                      <a:pPr marL="0" marR="0" algn="l">
+                        <a:lnSpc>
+                          <a:spcPct val="115000"/>
+                        </a:lnSpc>
+                        <a:spcBef>
+                          <a:spcPts val="0"/>
+                        </a:spcBef>
+                        <a:spcAft>
+                          <a:spcPts val="0"/>
+                        </a:spcAft>
+                      </a:pPr>
+                      <a:r>
+                        <a:rPr lang="en-US" sz="1400">
+                          <a:effectLst/>
+                        </a:rPr>
+                        <a:t>Yes</a:t>
+                      </a:r>
+                      <a:endParaRPr lang="en-US" sz="1400">
+                        <a:effectLst/>
+                        <a:latin typeface="Calibri" panose="020F0502020204030204" pitchFamily="34" charset="0"/>
+                        <a:ea typeface="Calibri" panose="020F0502020204030204" pitchFamily="34" charset="0"/>
+                        <a:cs typeface="Arial" panose="020B0604020202020204" pitchFamily="34" charset="0"/>
+                      </a:endParaRPr>
+                    </a:p>
+                  </a:txBody>
+                  <a:tcPr marL="68580" marR="68580" marT="0" marB="0" anchor="ctr"/>
+                </a:tc>
+                <a:tc>
+                  <a:txBody>
+                    <a:bodyPr/>
+                    <a:lstStyle/>
+                    <a:p>
+                      <a:pPr marL="0" marR="0" algn="l">
+                        <a:lnSpc>
+                          <a:spcPct val="115000"/>
+                        </a:lnSpc>
+                        <a:spcBef>
+                          <a:spcPts val="0"/>
+                        </a:spcBef>
+                        <a:spcAft>
+                          <a:spcPts val="0"/>
+                        </a:spcAft>
+                      </a:pPr>
+                      <a:r>
+                        <a:rPr lang="en-US" sz="1400" dirty="0" err="1">
+                          <a:effectLst/>
+                        </a:rPr>
+                        <a:t>LockObject</a:t>
+                      </a:r>
+                      <a:endParaRPr lang="en-US" sz="1400" dirty="0">
+                        <a:effectLst/>
+                        <a:latin typeface="Calibri" panose="020F0502020204030204" pitchFamily="34" charset="0"/>
+                        <a:ea typeface="Calibri" panose="020F0502020204030204" pitchFamily="34" charset="0"/>
+                        <a:cs typeface="Arial" panose="020B0604020202020204" pitchFamily="34" charset="0"/>
+                      </a:endParaRPr>
+                    </a:p>
+                  </a:txBody>
+                  <a:tcPr marL="68580" marR="68580" marT="0" marB="0" anchor="ctr"/>
+                </a:tc>
+                <a:tc>
+                  <a:txBody>
+                    <a:bodyPr/>
+                    <a:lstStyle/>
+                    <a:p>
+                      <a:pPr marL="0" marR="0" algn="l">
+                        <a:lnSpc>
+                          <a:spcPct val="115000"/>
+                        </a:lnSpc>
+                        <a:spcBef>
+                          <a:spcPts val="0"/>
+                        </a:spcBef>
+                        <a:spcAft>
+                          <a:spcPts val="0"/>
+                        </a:spcAft>
+                      </a:pPr>
+                      <a:r>
+                        <a:rPr lang="en-US" sz="1400">
+                          <a:effectLst/>
+                        </a:rPr>
+                        <a:t>Threading</a:t>
+                      </a:r>
+                      <a:endParaRPr lang="en-US" sz="1400">
+                        <a:effectLst/>
+                        <a:latin typeface="Calibri" panose="020F0502020204030204" pitchFamily="34" charset="0"/>
+                        <a:ea typeface="Calibri" panose="020F0502020204030204" pitchFamily="34" charset="0"/>
+                        <a:cs typeface="Arial" panose="020B0604020202020204" pitchFamily="34" charset="0"/>
+                      </a:endParaRPr>
+                    </a:p>
+                  </a:txBody>
+                  <a:tcPr marL="68580" marR="68580" marT="0" marB="0" anchor="ctr"/>
+                </a:tc>
+                <a:tc>
+                  <a:txBody>
+                    <a:bodyPr/>
+                    <a:lstStyle/>
+                    <a:p>
+                      <a:pPr marL="0" marR="0" algn="l">
+                        <a:lnSpc>
+                          <a:spcPct val="115000"/>
+                        </a:lnSpc>
+                        <a:spcBef>
+                          <a:spcPts val="0"/>
+                        </a:spcBef>
+                        <a:spcAft>
+                          <a:spcPts val="0"/>
+                        </a:spcAft>
+                      </a:pPr>
+                      <a:r>
+                        <a:rPr lang="en-US" sz="1400">
+                          <a:effectLst/>
+                        </a:rPr>
+                        <a:t>MailBoxProcessor</a:t>
+                      </a:r>
+                      <a:endParaRPr lang="en-US" sz="1400">
+                        <a:effectLst/>
+                        <a:latin typeface="Calibri" panose="020F0502020204030204" pitchFamily="34" charset="0"/>
+                        <a:ea typeface="Calibri" panose="020F0502020204030204" pitchFamily="34" charset="0"/>
+                        <a:cs typeface="Arial" panose="020B0604020202020204" pitchFamily="34" charset="0"/>
+                      </a:endParaRPr>
+                    </a:p>
+                  </a:txBody>
+                  <a:tcPr marL="68580" marR="68580" marT="0" marB="0" anchor="ctr"/>
+                </a:tc>
+                <a:tc>
+                  <a:txBody>
+                    <a:bodyPr/>
+                    <a:lstStyle/>
+                    <a:p>
+                      <a:pPr marL="0" marR="0" algn="l">
+                        <a:lnSpc>
+                          <a:spcPct val="115000"/>
+                        </a:lnSpc>
+                        <a:spcBef>
+                          <a:spcPts val="0"/>
+                        </a:spcBef>
+                        <a:spcAft>
+                          <a:spcPts val="0"/>
+                        </a:spcAft>
+                      </a:pPr>
+                      <a:r>
+                        <a:rPr lang="en-US" sz="1400">
+                          <a:effectLst/>
+                        </a:rPr>
+                        <a:t>No</a:t>
+                      </a:r>
+                      <a:endParaRPr lang="en-US" sz="1400">
+                        <a:effectLst/>
+                        <a:latin typeface="Calibri" panose="020F0502020204030204" pitchFamily="34" charset="0"/>
+                        <a:ea typeface="Calibri" panose="020F0502020204030204" pitchFamily="34" charset="0"/>
+                        <a:cs typeface="Arial" panose="020B0604020202020204" pitchFamily="34" charset="0"/>
+                      </a:endParaRPr>
+                    </a:p>
+                  </a:txBody>
+                  <a:tcPr marL="68580" marR="68580" marT="0" marB="0" anchor="ctr"/>
+                </a:tc>
+                <a:tc>
+                  <a:txBody>
+                    <a:bodyPr/>
+                    <a:lstStyle/>
+                    <a:p>
+                      <a:pPr algn="l"/>
+                      <a:r>
+                        <a:rPr lang="en-US" sz="1400">
+                          <a:effectLst/>
+                        </a:rPr>
+                        <a:t>LockedCounter</a:t>
+                      </a:r>
+                      <a:endParaRPr lang="en-US" sz="1400">
+                        <a:effectLst/>
+                        <a:latin typeface="Calibri" panose="020F0502020204030204" pitchFamily="34" charset="0"/>
+                      </a:endParaRPr>
+                    </a:p>
+                  </a:txBody>
+                  <a:tcPr marL="68580" marR="68580" marT="0" marB="0" anchor="ctr"/>
+                </a:tc>
+              </a:tr>
+              <a:tr h="358072">
+                <a:tc>
+                  <a:txBody>
+                    <a:bodyPr/>
+                    <a:lstStyle/>
+                    <a:p>
+                      <a:pPr marL="0" marR="0" algn="l">
+                        <a:lnSpc>
+                          <a:spcPct val="115000"/>
+                        </a:lnSpc>
+                        <a:spcBef>
+                          <a:spcPts val="0"/>
+                        </a:spcBef>
+                        <a:spcAft>
+                          <a:spcPts val="0"/>
+                        </a:spcAft>
+                      </a:pPr>
+                      <a:r>
+                        <a:rPr lang="en-US" sz="1600" dirty="0">
+                          <a:effectLst/>
+                        </a:rPr>
+                        <a:t>Rust</a:t>
+                      </a:r>
+                      <a:endParaRPr lang="en-US" sz="1600" dirty="0">
+                        <a:effectLst/>
+                        <a:latin typeface="Calibri" panose="020F0502020204030204" pitchFamily="34" charset="0"/>
+                        <a:ea typeface="Calibri" panose="020F0502020204030204" pitchFamily="34" charset="0"/>
+                        <a:cs typeface="Arial" panose="020B0604020202020204" pitchFamily="34" charset="0"/>
+                      </a:endParaRPr>
+                    </a:p>
+                  </a:txBody>
+                  <a:tcPr marL="68580" marR="68580" marT="0" marB="0" anchor="ctr"/>
+                </a:tc>
+                <a:tc>
+                  <a:txBody>
+                    <a:bodyPr/>
+                    <a:lstStyle/>
+                    <a:p>
+                      <a:pPr marL="0" marR="0" algn="l">
+                        <a:lnSpc>
+                          <a:spcPct val="115000"/>
+                        </a:lnSpc>
+                        <a:spcBef>
+                          <a:spcPts val="0"/>
+                        </a:spcBef>
+                        <a:spcAft>
+                          <a:spcPts val="0"/>
+                        </a:spcAft>
+                      </a:pPr>
+                      <a:r>
+                        <a:rPr lang="en-US" sz="1400">
+                          <a:effectLst/>
+                        </a:rPr>
+                        <a:t>Yes</a:t>
+                      </a:r>
+                      <a:endParaRPr lang="en-US" sz="1400">
+                        <a:effectLst/>
+                        <a:latin typeface="Calibri" panose="020F0502020204030204" pitchFamily="34" charset="0"/>
+                        <a:ea typeface="Calibri" panose="020F0502020204030204" pitchFamily="34" charset="0"/>
+                        <a:cs typeface="Arial" panose="020B0604020202020204" pitchFamily="34" charset="0"/>
+                      </a:endParaRPr>
+                    </a:p>
+                  </a:txBody>
+                  <a:tcPr marL="68580" marR="68580" marT="0" marB="0" anchor="ctr"/>
+                </a:tc>
+                <a:tc>
+                  <a:txBody>
+                    <a:bodyPr/>
+                    <a:lstStyle/>
+                    <a:p>
+                      <a:pPr marL="0" marR="0" algn="l">
+                        <a:lnSpc>
+                          <a:spcPct val="115000"/>
+                        </a:lnSpc>
+                        <a:spcBef>
+                          <a:spcPts val="0"/>
+                        </a:spcBef>
+                        <a:spcAft>
+                          <a:spcPts val="0"/>
+                        </a:spcAft>
+                      </a:pPr>
+                      <a:r>
+                        <a:rPr lang="en-US" sz="1400" dirty="0">
+                          <a:effectLst/>
+                        </a:rPr>
+                        <a:t>Arc, </a:t>
+                      </a:r>
+                      <a:r>
+                        <a:rPr lang="en-US" sz="1400" dirty="0" err="1">
+                          <a:effectLst/>
+                        </a:rPr>
+                        <a:t>mutex</a:t>
+                      </a:r>
+                      <a:endParaRPr lang="en-US" sz="1400" dirty="0">
+                        <a:effectLst/>
+                        <a:latin typeface="Calibri" panose="020F0502020204030204" pitchFamily="34" charset="0"/>
+                        <a:ea typeface="Calibri" panose="020F0502020204030204" pitchFamily="34" charset="0"/>
+                        <a:cs typeface="Arial" panose="020B0604020202020204" pitchFamily="34" charset="0"/>
+                      </a:endParaRPr>
+                    </a:p>
+                  </a:txBody>
+                  <a:tcPr marL="68580" marR="68580" marT="0" marB="0" anchor="ctr"/>
+                </a:tc>
+                <a:tc>
+                  <a:txBody>
+                    <a:bodyPr/>
+                    <a:lstStyle/>
+                    <a:p>
+                      <a:pPr marL="0" marR="0" algn="l">
+                        <a:lnSpc>
+                          <a:spcPct val="115000"/>
+                        </a:lnSpc>
+                        <a:spcBef>
+                          <a:spcPts val="0"/>
+                        </a:spcBef>
+                        <a:spcAft>
+                          <a:spcPts val="0"/>
+                        </a:spcAft>
+                      </a:pPr>
+                      <a:r>
+                        <a:rPr lang="en-US" sz="1400" dirty="0">
+                          <a:effectLst/>
+                        </a:rPr>
+                        <a:t>Thread</a:t>
+                      </a:r>
+                      <a:endParaRPr lang="en-US" sz="1400" dirty="0">
+                        <a:effectLst/>
+                        <a:latin typeface="Calibri" panose="020F0502020204030204" pitchFamily="34" charset="0"/>
+                        <a:ea typeface="Calibri" panose="020F0502020204030204" pitchFamily="34" charset="0"/>
+                        <a:cs typeface="Arial" panose="020B0604020202020204" pitchFamily="34" charset="0"/>
+                      </a:endParaRPr>
+                    </a:p>
+                  </a:txBody>
+                  <a:tcPr marL="68580" marR="68580" marT="0" marB="0" anchor="ctr"/>
+                </a:tc>
+                <a:tc>
+                  <a:txBody>
+                    <a:bodyPr/>
+                    <a:lstStyle/>
+                    <a:p>
+                      <a:pPr marL="0" marR="0" algn="l">
+                        <a:lnSpc>
+                          <a:spcPct val="115000"/>
+                        </a:lnSpc>
+                        <a:spcBef>
+                          <a:spcPts val="0"/>
+                        </a:spcBef>
+                        <a:spcAft>
+                          <a:spcPts val="0"/>
+                        </a:spcAft>
+                      </a:pPr>
+                      <a:r>
+                        <a:rPr lang="en-US" sz="1400">
+                          <a:effectLst/>
+                        </a:rPr>
+                        <a:t>yes</a:t>
+                      </a:r>
+                      <a:endParaRPr lang="en-US" sz="1400">
+                        <a:effectLst/>
+                        <a:latin typeface="Calibri" panose="020F0502020204030204" pitchFamily="34" charset="0"/>
+                        <a:ea typeface="Calibri" panose="020F0502020204030204" pitchFamily="34" charset="0"/>
+                        <a:cs typeface="Arial" panose="020B0604020202020204" pitchFamily="34" charset="0"/>
+                      </a:endParaRPr>
+                    </a:p>
+                  </a:txBody>
+                  <a:tcPr marL="68580" marR="68580" marT="0" marB="0" anchor="ctr"/>
+                </a:tc>
+                <a:tc>
+                  <a:txBody>
+                    <a:bodyPr/>
+                    <a:lstStyle/>
+                    <a:p>
+                      <a:pPr marL="0" marR="0" algn="l">
+                        <a:lnSpc>
+                          <a:spcPct val="115000"/>
+                        </a:lnSpc>
+                        <a:spcBef>
+                          <a:spcPts val="0"/>
+                        </a:spcBef>
+                        <a:spcAft>
+                          <a:spcPts val="0"/>
+                        </a:spcAft>
+                      </a:pPr>
+                      <a:r>
+                        <a:rPr lang="en-US" sz="1400">
+                          <a:effectLst/>
+                        </a:rPr>
+                        <a:t>Rc</a:t>
+                      </a:r>
+                      <a:endParaRPr lang="en-US" sz="1400">
+                        <a:effectLst/>
+                        <a:latin typeface="Calibri" panose="020F0502020204030204" pitchFamily="34" charset="0"/>
+                        <a:ea typeface="Calibri" panose="020F0502020204030204" pitchFamily="34" charset="0"/>
+                        <a:cs typeface="Arial" panose="020B0604020202020204" pitchFamily="34" charset="0"/>
+                      </a:endParaRPr>
+                    </a:p>
+                  </a:txBody>
+                  <a:tcPr marL="68580" marR="68580" marT="0" marB="0" anchor="ctr"/>
+                </a:tc>
+                <a:tc>
+                  <a:txBody>
+                    <a:bodyPr/>
+                    <a:lstStyle/>
+                    <a:p>
+                      <a:pPr marL="0" marR="0" algn="l">
+                        <a:lnSpc>
+                          <a:spcPct val="115000"/>
+                        </a:lnSpc>
+                        <a:spcBef>
+                          <a:spcPts val="0"/>
+                        </a:spcBef>
+                        <a:spcAft>
+                          <a:spcPts val="0"/>
+                        </a:spcAft>
+                      </a:pPr>
+                      <a:r>
+                        <a:rPr lang="en-US" sz="1400">
+                          <a:effectLst/>
+                        </a:rPr>
+                        <a:t> </a:t>
+                      </a:r>
+                      <a:endParaRPr lang="en-US" sz="1400">
+                        <a:effectLst/>
+                        <a:latin typeface="Calibri" panose="020F0502020204030204" pitchFamily="34" charset="0"/>
+                        <a:ea typeface="Calibri" panose="020F0502020204030204" pitchFamily="34" charset="0"/>
+                        <a:cs typeface="Arial" panose="020B0604020202020204" pitchFamily="34" charset="0"/>
+                      </a:endParaRPr>
+                    </a:p>
+                  </a:txBody>
+                  <a:tcPr marL="68580" marR="68580" marT="0" marB="0" anchor="ctr"/>
+                </a:tc>
+              </a:tr>
+              <a:tr h="358072">
+                <a:tc>
+                  <a:txBody>
+                    <a:bodyPr/>
+                    <a:lstStyle/>
+                    <a:p>
+                      <a:pPr marL="0" marR="0" algn="l">
+                        <a:lnSpc>
+                          <a:spcPct val="115000"/>
+                        </a:lnSpc>
+                        <a:spcBef>
+                          <a:spcPts val="0"/>
+                        </a:spcBef>
+                        <a:spcAft>
+                          <a:spcPts val="0"/>
+                        </a:spcAft>
+                      </a:pPr>
+                      <a:r>
+                        <a:rPr lang="en-US" sz="1600" dirty="0" err="1">
+                          <a:effectLst/>
+                        </a:rPr>
+                        <a:t>Vb</a:t>
+                      </a:r>
+                      <a:r>
+                        <a:rPr lang="en-US" sz="1600" dirty="0">
+                          <a:effectLst/>
+                        </a:rPr>
+                        <a:t> </a:t>
+                      </a:r>
+                      <a:r>
+                        <a:rPr lang="en-US" sz="1600" dirty="0" err="1">
+                          <a:effectLst/>
+                        </a:rPr>
+                        <a:t>.Net</a:t>
+                      </a:r>
+                      <a:endParaRPr lang="en-US" sz="1600" dirty="0">
+                        <a:effectLst/>
+                        <a:latin typeface="Calibri" panose="020F0502020204030204" pitchFamily="34" charset="0"/>
+                        <a:ea typeface="Calibri" panose="020F0502020204030204" pitchFamily="34" charset="0"/>
+                        <a:cs typeface="Arial" panose="020B0604020202020204" pitchFamily="34" charset="0"/>
+                      </a:endParaRPr>
+                    </a:p>
+                  </a:txBody>
+                  <a:tcPr marL="68580" marR="68580" marT="0" marB="0" anchor="ctr"/>
+                </a:tc>
+                <a:tc>
+                  <a:txBody>
+                    <a:bodyPr/>
+                    <a:lstStyle/>
+                    <a:p>
+                      <a:pPr marL="0" marR="0" algn="l">
+                        <a:lnSpc>
+                          <a:spcPct val="115000"/>
+                        </a:lnSpc>
+                        <a:spcBef>
+                          <a:spcPts val="0"/>
+                        </a:spcBef>
+                        <a:spcAft>
+                          <a:spcPts val="0"/>
+                        </a:spcAft>
+                      </a:pPr>
+                      <a:r>
+                        <a:rPr lang="en-US" sz="1400">
+                          <a:effectLst/>
+                        </a:rPr>
+                        <a:t>yes</a:t>
+                      </a:r>
+                      <a:endParaRPr lang="en-US" sz="1400">
+                        <a:effectLst/>
+                        <a:latin typeface="Calibri" panose="020F0502020204030204" pitchFamily="34" charset="0"/>
+                        <a:ea typeface="Calibri" panose="020F0502020204030204" pitchFamily="34" charset="0"/>
+                        <a:cs typeface="Arial" panose="020B0604020202020204" pitchFamily="34" charset="0"/>
+                      </a:endParaRPr>
+                    </a:p>
+                  </a:txBody>
+                  <a:tcPr marL="68580" marR="68580" marT="0" marB="0" anchor="ctr"/>
+                </a:tc>
+                <a:tc>
+                  <a:txBody>
+                    <a:bodyPr/>
+                    <a:lstStyle/>
+                    <a:p>
+                      <a:pPr marL="0" marR="0" algn="l">
+                        <a:lnSpc>
+                          <a:spcPct val="115000"/>
+                        </a:lnSpc>
+                        <a:spcBef>
+                          <a:spcPts val="0"/>
+                        </a:spcBef>
+                        <a:spcAft>
+                          <a:spcPts val="0"/>
+                        </a:spcAft>
+                      </a:pPr>
+                      <a:r>
+                        <a:rPr lang="en-US" sz="1400">
+                          <a:effectLst/>
+                        </a:rPr>
+                        <a:t>thread</a:t>
+                      </a:r>
+                      <a:endParaRPr lang="en-US" sz="1400">
+                        <a:effectLst/>
+                        <a:latin typeface="Calibri" panose="020F0502020204030204" pitchFamily="34" charset="0"/>
+                        <a:ea typeface="Calibri" panose="020F0502020204030204" pitchFamily="34" charset="0"/>
+                        <a:cs typeface="Arial" panose="020B0604020202020204" pitchFamily="34" charset="0"/>
+                      </a:endParaRPr>
+                    </a:p>
+                  </a:txBody>
+                  <a:tcPr marL="68580" marR="68580" marT="0" marB="0" anchor="ctr"/>
+                </a:tc>
+                <a:tc>
+                  <a:txBody>
+                    <a:bodyPr/>
+                    <a:lstStyle/>
+                    <a:p>
+                      <a:pPr marL="0" marR="0" algn="l">
+                        <a:lnSpc>
+                          <a:spcPct val="115000"/>
+                        </a:lnSpc>
+                        <a:spcBef>
+                          <a:spcPts val="0"/>
+                        </a:spcBef>
+                        <a:spcAft>
+                          <a:spcPts val="0"/>
+                        </a:spcAft>
+                      </a:pPr>
+                      <a:r>
+                        <a:rPr lang="en-US" sz="1400" dirty="0">
+                          <a:effectLst/>
+                        </a:rPr>
+                        <a:t>threading</a:t>
+                      </a:r>
+                      <a:endParaRPr lang="en-US" sz="1400" dirty="0">
+                        <a:effectLst/>
+                        <a:latin typeface="Calibri" panose="020F0502020204030204" pitchFamily="34" charset="0"/>
+                        <a:ea typeface="Calibri" panose="020F0502020204030204" pitchFamily="34" charset="0"/>
+                        <a:cs typeface="Arial" panose="020B0604020202020204" pitchFamily="34" charset="0"/>
+                      </a:endParaRPr>
+                    </a:p>
+                  </a:txBody>
+                  <a:tcPr marL="68580" marR="68580" marT="0" marB="0" anchor="ctr"/>
+                </a:tc>
+                <a:tc>
+                  <a:txBody>
+                    <a:bodyPr/>
+                    <a:lstStyle/>
+                    <a:p>
+                      <a:pPr marL="0" marR="0" algn="l">
+                        <a:lnSpc>
+                          <a:spcPct val="115000"/>
+                        </a:lnSpc>
+                        <a:spcBef>
+                          <a:spcPts val="0"/>
+                        </a:spcBef>
+                        <a:spcAft>
+                          <a:spcPts val="0"/>
+                        </a:spcAft>
+                      </a:pPr>
+                      <a:r>
+                        <a:rPr lang="en-US" sz="1400">
+                          <a:effectLst/>
+                        </a:rPr>
+                        <a:t>Thread pool</a:t>
+                      </a:r>
+                      <a:endParaRPr lang="en-US" sz="1400">
+                        <a:effectLst/>
+                        <a:latin typeface="Calibri" panose="020F0502020204030204" pitchFamily="34" charset="0"/>
+                        <a:ea typeface="Calibri" panose="020F0502020204030204" pitchFamily="34" charset="0"/>
+                        <a:cs typeface="Arial" panose="020B0604020202020204" pitchFamily="34" charset="0"/>
+                      </a:endParaRPr>
+                    </a:p>
+                  </a:txBody>
+                  <a:tcPr marL="68580" marR="68580" marT="0" marB="0" anchor="ctr"/>
+                </a:tc>
+                <a:tc>
+                  <a:txBody>
+                    <a:bodyPr/>
+                    <a:lstStyle/>
+                    <a:p>
+                      <a:pPr marL="0" marR="0" algn="l">
+                        <a:lnSpc>
+                          <a:spcPct val="115000"/>
+                        </a:lnSpc>
+                        <a:spcBef>
+                          <a:spcPts val="0"/>
+                        </a:spcBef>
+                        <a:spcAft>
+                          <a:spcPts val="0"/>
+                        </a:spcAft>
+                      </a:pPr>
+                      <a:r>
+                        <a:rPr lang="en-US" sz="1400">
+                          <a:effectLst/>
+                        </a:rPr>
+                        <a:t>pool</a:t>
+                      </a:r>
+                      <a:endParaRPr lang="en-US" sz="1400">
+                        <a:effectLst/>
+                        <a:latin typeface="Calibri" panose="020F0502020204030204" pitchFamily="34" charset="0"/>
+                        <a:ea typeface="Calibri" panose="020F0502020204030204" pitchFamily="34" charset="0"/>
+                        <a:cs typeface="Arial" panose="020B0604020202020204" pitchFamily="34" charset="0"/>
+                      </a:endParaRPr>
+                    </a:p>
+                  </a:txBody>
+                  <a:tcPr marL="68580" marR="68580" marT="0" marB="0" anchor="ctr"/>
+                </a:tc>
+                <a:tc>
+                  <a:txBody>
+                    <a:bodyPr/>
+                    <a:lstStyle/>
+                    <a:p>
+                      <a:pPr marL="0" marR="0" algn="l">
+                        <a:lnSpc>
+                          <a:spcPct val="115000"/>
+                        </a:lnSpc>
+                        <a:spcBef>
+                          <a:spcPts val="0"/>
+                        </a:spcBef>
+                        <a:spcAft>
+                          <a:spcPts val="1000"/>
+                        </a:spcAft>
+                      </a:pPr>
+                      <a:r>
+                        <a:rPr lang="en-US" sz="1400">
+                          <a:effectLst/>
+                        </a:rPr>
+                        <a:t>Synclock</a:t>
+                      </a:r>
+                      <a:endParaRPr lang="en-US" sz="1400">
+                        <a:effectLst/>
+                        <a:latin typeface="Calibri" panose="020F0502020204030204" pitchFamily="34" charset="0"/>
+                        <a:ea typeface="Calibri" panose="020F0502020204030204" pitchFamily="34" charset="0"/>
+                        <a:cs typeface="Arial" panose="020B0604020202020204" pitchFamily="34" charset="0"/>
+                      </a:endParaRPr>
+                    </a:p>
+                  </a:txBody>
+                  <a:tcPr marL="68580" marR="68580" marT="0" marB="0" anchor="ctr"/>
+                </a:tc>
+              </a:tr>
+              <a:tr h="358072">
+                <a:tc>
+                  <a:txBody>
+                    <a:bodyPr/>
+                    <a:lstStyle/>
+                    <a:p>
+                      <a:pPr marL="0" marR="0" algn="l">
+                        <a:lnSpc>
+                          <a:spcPct val="115000"/>
+                        </a:lnSpc>
+                        <a:spcBef>
+                          <a:spcPts val="0"/>
+                        </a:spcBef>
+                        <a:spcAft>
+                          <a:spcPts val="0"/>
+                        </a:spcAft>
+                      </a:pPr>
+                      <a:r>
+                        <a:rPr lang="en-US" sz="1600" dirty="0">
+                          <a:effectLst/>
+                        </a:rPr>
+                        <a:t>C#</a:t>
+                      </a:r>
+                      <a:endParaRPr lang="en-US" sz="1600" dirty="0">
+                        <a:effectLst/>
+                        <a:latin typeface="Calibri" panose="020F0502020204030204" pitchFamily="34" charset="0"/>
+                        <a:ea typeface="Calibri" panose="020F0502020204030204" pitchFamily="34" charset="0"/>
+                        <a:cs typeface="Arial" panose="020B0604020202020204" pitchFamily="34" charset="0"/>
+                      </a:endParaRPr>
+                    </a:p>
+                  </a:txBody>
+                  <a:tcPr marL="68580" marR="68580" marT="0" marB="0" anchor="ctr"/>
+                </a:tc>
+                <a:tc>
+                  <a:txBody>
+                    <a:bodyPr/>
+                    <a:lstStyle/>
+                    <a:p>
+                      <a:pPr marL="0" marR="0" algn="l">
+                        <a:lnSpc>
+                          <a:spcPct val="115000"/>
+                        </a:lnSpc>
+                        <a:spcBef>
+                          <a:spcPts val="0"/>
+                        </a:spcBef>
+                        <a:spcAft>
+                          <a:spcPts val="0"/>
+                        </a:spcAft>
+                      </a:pPr>
+                      <a:r>
+                        <a:rPr lang="en-US" sz="1400">
+                          <a:effectLst/>
+                        </a:rPr>
+                        <a:t>yes</a:t>
+                      </a:r>
+                      <a:endParaRPr lang="en-US" sz="1400">
+                        <a:effectLst/>
+                        <a:latin typeface="Calibri" panose="020F0502020204030204" pitchFamily="34" charset="0"/>
+                        <a:ea typeface="Calibri" panose="020F0502020204030204" pitchFamily="34" charset="0"/>
+                        <a:cs typeface="Arial" panose="020B0604020202020204" pitchFamily="34" charset="0"/>
+                      </a:endParaRPr>
+                    </a:p>
+                  </a:txBody>
+                  <a:tcPr marL="68580" marR="68580" marT="0" marB="0" anchor="ctr"/>
+                </a:tc>
+                <a:tc>
+                  <a:txBody>
+                    <a:bodyPr/>
+                    <a:lstStyle/>
+                    <a:p>
+                      <a:pPr marL="0" marR="0" algn="l">
+                        <a:lnSpc>
+                          <a:spcPct val="115000"/>
+                        </a:lnSpc>
+                        <a:spcBef>
+                          <a:spcPts val="0"/>
+                        </a:spcBef>
+                        <a:spcAft>
+                          <a:spcPts val="0"/>
+                        </a:spcAft>
+                      </a:pPr>
+                      <a:r>
+                        <a:rPr lang="en-US" sz="1400">
+                          <a:effectLst/>
+                        </a:rPr>
+                        <a:t>Parallel.for</a:t>
+                      </a:r>
+                      <a:endParaRPr lang="en-US" sz="1400">
+                        <a:effectLst/>
+                        <a:latin typeface="Calibri" panose="020F0502020204030204" pitchFamily="34" charset="0"/>
+                        <a:ea typeface="Calibri" panose="020F0502020204030204" pitchFamily="34" charset="0"/>
+                        <a:cs typeface="Arial" panose="020B0604020202020204" pitchFamily="34" charset="0"/>
+                      </a:endParaRPr>
+                    </a:p>
+                  </a:txBody>
+                  <a:tcPr marL="68580" marR="68580" marT="0" marB="0" anchor="ctr"/>
+                </a:tc>
+                <a:tc>
+                  <a:txBody>
+                    <a:bodyPr/>
+                    <a:lstStyle/>
+                    <a:p>
+                      <a:pPr marL="0" marR="0" algn="l">
+                        <a:lnSpc>
+                          <a:spcPct val="115000"/>
+                        </a:lnSpc>
+                        <a:spcBef>
+                          <a:spcPts val="0"/>
+                        </a:spcBef>
+                        <a:spcAft>
+                          <a:spcPts val="0"/>
+                        </a:spcAft>
+                      </a:pPr>
+                      <a:r>
+                        <a:rPr lang="en-US" sz="1400" dirty="0">
+                          <a:effectLst/>
+                        </a:rPr>
+                        <a:t>Threading</a:t>
+                      </a:r>
+                      <a:endParaRPr lang="en-US" sz="1400" dirty="0">
+                        <a:effectLst/>
+                        <a:latin typeface="Calibri" panose="020F0502020204030204" pitchFamily="34" charset="0"/>
+                        <a:ea typeface="Calibri" panose="020F0502020204030204" pitchFamily="34" charset="0"/>
+                        <a:cs typeface="Arial" panose="020B0604020202020204" pitchFamily="34" charset="0"/>
+                      </a:endParaRPr>
+                    </a:p>
+                  </a:txBody>
+                  <a:tcPr marL="68580" marR="68580" marT="0" marB="0" anchor="ctr"/>
+                </a:tc>
+                <a:tc>
+                  <a:txBody>
+                    <a:bodyPr/>
+                    <a:lstStyle/>
+                    <a:p>
+                      <a:pPr marL="0" marR="0" algn="l">
+                        <a:lnSpc>
+                          <a:spcPct val="115000"/>
+                        </a:lnSpc>
+                        <a:spcBef>
+                          <a:spcPts val="0"/>
+                        </a:spcBef>
+                        <a:spcAft>
+                          <a:spcPts val="0"/>
+                        </a:spcAft>
+                      </a:pPr>
+                      <a:r>
+                        <a:rPr lang="en-US" sz="1400">
+                          <a:effectLst/>
+                        </a:rPr>
+                        <a:t>Concurrency::</a:t>
+                      </a:r>
+                      <a:endParaRPr lang="en-US" sz="1400">
+                        <a:effectLst/>
+                        <a:latin typeface="Calibri" panose="020F0502020204030204" pitchFamily="34" charset="0"/>
+                        <a:ea typeface="Calibri" panose="020F0502020204030204" pitchFamily="34" charset="0"/>
+                        <a:cs typeface="Arial" panose="020B0604020202020204" pitchFamily="34" charset="0"/>
+                      </a:endParaRPr>
+                    </a:p>
+                  </a:txBody>
+                  <a:tcPr marL="68580" marR="68580" marT="0" marB="0" anchor="ctr"/>
+                </a:tc>
+                <a:tc>
+                  <a:txBody>
+                    <a:bodyPr/>
+                    <a:lstStyle/>
+                    <a:p>
+                      <a:pPr marL="0" marR="0" algn="l">
+                        <a:lnSpc>
+                          <a:spcPct val="115000"/>
+                        </a:lnSpc>
+                        <a:spcBef>
+                          <a:spcPts val="0"/>
+                        </a:spcBef>
+                        <a:spcAft>
+                          <a:spcPts val="0"/>
+                        </a:spcAft>
+                      </a:pPr>
+                      <a:r>
+                        <a:rPr lang="en-US" sz="1400">
+                          <a:effectLst/>
+                        </a:rPr>
+                        <a:t>monitor</a:t>
+                      </a:r>
+                      <a:endParaRPr lang="en-US" sz="1400">
+                        <a:effectLst/>
+                        <a:latin typeface="Calibri" panose="020F0502020204030204" pitchFamily="34" charset="0"/>
+                        <a:ea typeface="Calibri" panose="020F0502020204030204" pitchFamily="34" charset="0"/>
+                        <a:cs typeface="Arial" panose="020B0604020202020204" pitchFamily="34" charset="0"/>
+                      </a:endParaRPr>
+                    </a:p>
+                  </a:txBody>
+                  <a:tcPr marL="68580" marR="68580" marT="0" marB="0" anchor="ctr"/>
+                </a:tc>
+                <a:tc>
+                  <a:txBody>
+                    <a:bodyPr/>
+                    <a:lstStyle/>
+                    <a:p>
+                      <a:pPr algn="l"/>
+                      <a:r>
+                        <a:rPr lang="en-US" sz="1400">
+                          <a:effectLst/>
+                        </a:rPr>
+                        <a:t>Lock()</a:t>
+                      </a:r>
+                      <a:endParaRPr lang="en-US" sz="1400">
+                        <a:effectLst/>
+                        <a:latin typeface="Calibri" panose="020F0502020204030204" pitchFamily="34" charset="0"/>
+                      </a:endParaRPr>
+                    </a:p>
+                  </a:txBody>
+                  <a:tcPr marL="68580" marR="68580" marT="0" marB="0" anchor="ctr"/>
+                </a:tc>
+              </a:tr>
+              <a:tr h="464847">
+                <a:tc>
+                  <a:txBody>
+                    <a:bodyPr/>
+                    <a:lstStyle/>
+                    <a:p>
+                      <a:pPr marL="0" marR="0" algn="l">
+                        <a:lnSpc>
+                          <a:spcPct val="115000"/>
+                        </a:lnSpc>
+                        <a:spcBef>
+                          <a:spcPts val="0"/>
+                        </a:spcBef>
+                        <a:spcAft>
+                          <a:spcPts val="0"/>
+                        </a:spcAft>
+                      </a:pPr>
+                      <a:r>
+                        <a:rPr lang="en-US" sz="1600" dirty="0">
+                          <a:effectLst/>
+                        </a:rPr>
+                        <a:t>D</a:t>
+                      </a:r>
+                      <a:endParaRPr lang="en-US" sz="1600" dirty="0">
+                        <a:effectLst/>
+                        <a:latin typeface="Calibri" panose="020F0502020204030204" pitchFamily="34" charset="0"/>
+                        <a:ea typeface="Calibri" panose="020F0502020204030204" pitchFamily="34" charset="0"/>
+                        <a:cs typeface="Arial" panose="020B0604020202020204" pitchFamily="34" charset="0"/>
+                      </a:endParaRPr>
+                    </a:p>
+                  </a:txBody>
+                  <a:tcPr marL="68580" marR="68580" marT="0" marB="0" anchor="ctr"/>
+                </a:tc>
+                <a:tc>
+                  <a:txBody>
+                    <a:bodyPr/>
+                    <a:lstStyle/>
+                    <a:p>
+                      <a:pPr marL="0" marR="0" algn="l">
+                        <a:lnSpc>
+                          <a:spcPct val="115000"/>
+                        </a:lnSpc>
+                        <a:spcBef>
+                          <a:spcPts val="0"/>
+                        </a:spcBef>
+                        <a:spcAft>
+                          <a:spcPts val="0"/>
+                        </a:spcAft>
+                      </a:pPr>
+                      <a:r>
+                        <a:rPr lang="en-US" sz="1400">
+                          <a:effectLst/>
+                        </a:rPr>
+                        <a:t>yes</a:t>
+                      </a:r>
+                      <a:endParaRPr lang="en-US" sz="1400">
+                        <a:effectLst/>
+                        <a:latin typeface="Calibri" panose="020F0502020204030204" pitchFamily="34" charset="0"/>
+                        <a:ea typeface="Calibri" panose="020F0502020204030204" pitchFamily="34" charset="0"/>
+                        <a:cs typeface="Arial" panose="020B0604020202020204" pitchFamily="34" charset="0"/>
+                      </a:endParaRPr>
+                    </a:p>
+                  </a:txBody>
+                  <a:tcPr marL="68580" marR="68580" marT="0" marB="0" anchor="ctr"/>
+                </a:tc>
+                <a:tc>
+                  <a:txBody>
+                    <a:bodyPr/>
+                    <a:lstStyle/>
+                    <a:p>
+                      <a:pPr marL="0" marR="0" algn="l">
+                        <a:lnSpc>
+                          <a:spcPct val="115000"/>
+                        </a:lnSpc>
+                        <a:spcBef>
+                          <a:spcPts val="0"/>
+                        </a:spcBef>
+                        <a:spcAft>
+                          <a:spcPts val="0"/>
+                        </a:spcAft>
+                      </a:pPr>
+                      <a:r>
+                        <a:rPr lang="en-US" sz="1400">
+                          <a:effectLst/>
+                        </a:rPr>
+                        <a:t>tid</a:t>
+                      </a:r>
+                      <a:endParaRPr lang="en-US" sz="1400">
+                        <a:effectLst/>
+                        <a:latin typeface="Calibri" panose="020F0502020204030204" pitchFamily="34" charset="0"/>
+                        <a:ea typeface="Calibri" panose="020F0502020204030204" pitchFamily="34" charset="0"/>
+                        <a:cs typeface="Arial" panose="020B0604020202020204" pitchFamily="34" charset="0"/>
+                      </a:endParaRPr>
+                    </a:p>
+                  </a:txBody>
+                  <a:tcPr marL="68580" marR="68580" marT="0" marB="0" anchor="ctr"/>
+                </a:tc>
+                <a:tc>
+                  <a:txBody>
+                    <a:bodyPr/>
+                    <a:lstStyle/>
+                    <a:p>
+                      <a:pPr marL="0" marR="0" algn="l">
+                        <a:lnSpc>
+                          <a:spcPct val="115000"/>
+                        </a:lnSpc>
+                        <a:spcBef>
+                          <a:spcPts val="0"/>
+                        </a:spcBef>
+                        <a:spcAft>
+                          <a:spcPts val="0"/>
+                        </a:spcAft>
+                      </a:pPr>
+                      <a:r>
+                        <a:rPr lang="en-US" sz="1400" dirty="0" err="1">
+                          <a:effectLst/>
+                        </a:rPr>
+                        <a:t>Std.oncurrency</a:t>
+                      </a:r>
+                      <a:r>
+                        <a:rPr lang="en-US" sz="1400" dirty="0">
+                          <a:effectLst/>
+                        </a:rPr>
+                        <a:t> </a:t>
+                      </a:r>
+                      <a:r>
+                        <a:rPr lang="en-US" sz="1400" dirty="0" err="1">
+                          <a:effectLst/>
+                        </a:rPr>
+                        <a:t>Core.thread</a:t>
+                      </a:r>
+                      <a:endParaRPr lang="en-US" sz="1400" dirty="0">
+                        <a:effectLst/>
+                        <a:latin typeface="Calibri" panose="020F0502020204030204" pitchFamily="34" charset="0"/>
+                        <a:ea typeface="Calibri" panose="020F0502020204030204" pitchFamily="34" charset="0"/>
+                        <a:cs typeface="Arial" panose="020B0604020202020204" pitchFamily="34" charset="0"/>
+                      </a:endParaRPr>
+                    </a:p>
+                  </a:txBody>
+                  <a:tcPr marL="68580" marR="68580" marT="0" marB="0" anchor="ctr"/>
+                </a:tc>
+                <a:tc>
+                  <a:txBody>
+                    <a:bodyPr/>
+                    <a:lstStyle/>
+                    <a:p>
+                      <a:pPr marL="0" marR="0" algn="l">
+                        <a:lnSpc>
+                          <a:spcPct val="115000"/>
+                        </a:lnSpc>
+                        <a:spcBef>
+                          <a:spcPts val="0"/>
+                        </a:spcBef>
+                        <a:spcAft>
+                          <a:spcPts val="0"/>
+                        </a:spcAft>
+                      </a:pPr>
+                      <a:r>
+                        <a:rPr lang="en-US" sz="1400" dirty="0" err="1">
+                          <a:effectLst/>
+                        </a:rPr>
+                        <a:t>Std.oncurrency</a:t>
+                      </a:r>
+                      <a:endParaRPr lang="en-US" sz="1400" dirty="0">
+                        <a:effectLst/>
+                        <a:latin typeface="Calibri" panose="020F0502020204030204" pitchFamily="34" charset="0"/>
+                        <a:ea typeface="Calibri" panose="020F0502020204030204" pitchFamily="34" charset="0"/>
+                        <a:cs typeface="Arial" panose="020B0604020202020204" pitchFamily="34" charset="0"/>
+                      </a:endParaRPr>
+                    </a:p>
+                  </a:txBody>
+                  <a:tcPr marL="68580" marR="68580" marT="0" marB="0" anchor="ctr"/>
+                </a:tc>
+                <a:tc>
+                  <a:txBody>
+                    <a:bodyPr/>
+                    <a:lstStyle/>
+                    <a:p>
+                      <a:pPr marL="0" marR="0" algn="l">
+                        <a:lnSpc>
+                          <a:spcPct val="115000"/>
+                        </a:lnSpc>
+                        <a:spcBef>
+                          <a:spcPts val="0"/>
+                        </a:spcBef>
+                        <a:spcAft>
+                          <a:spcPts val="0"/>
+                        </a:spcAft>
+                      </a:pPr>
+                      <a:r>
+                        <a:rPr lang="en-US" sz="1400">
+                          <a:effectLst/>
+                        </a:rPr>
+                        <a:t>Shared()</a:t>
+                      </a:r>
+                      <a:endParaRPr lang="en-US" sz="1400">
+                        <a:effectLst/>
+                        <a:latin typeface="Calibri" panose="020F0502020204030204" pitchFamily="34" charset="0"/>
+                        <a:ea typeface="Calibri" panose="020F0502020204030204" pitchFamily="34" charset="0"/>
+                        <a:cs typeface="Arial" panose="020B0604020202020204" pitchFamily="34" charset="0"/>
+                      </a:endParaRPr>
+                    </a:p>
+                  </a:txBody>
+                  <a:tcPr marL="68580" marR="68580" marT="0" marB="0" anchor="ctr"/>
+                </a:tc>
+                <a:tc>
+                  <a:txBody>
+                    <a:bodyPr/>
+                    <a:lstStyle/>
+                    <a:p>
+                      <a:pPr marL="0" marR="0" algn="l">
+                        <a:lnSpc>
+                          <a:spcPct val="115000"/>
+                        </a:lnSpc>
+                        <a:spcBef>
+                          <a:spcPts val="0"/>
+                        </a:spcBef>
+                        <a:spcAft>
+                          <a:spcPts val="0"/>
+                        </a:spcAft>
+                      </a:pPr>
+                      <a:r>
+                        <a:rPr lang="en-US" sz="1400">
+                          <a:effectLst/>
+                        </a:rPr>
+                        <a:t>core.sync.mutex</a:t>
+                      </a:r>
+                      <a:endParaRPr lang="en-US" sz="1400">
+                        <a:effectLst/>
+                        <a:latin typeface="Calibri" panose="020F0502020204030204" pitchFamily="34" charset="0"/>
+                        <a:ea typeface="Calibri" panose="020F0502020204030204" pitchFamily="34" charset="0"/>
+                        <a:cs typeface="Arial" panose="020B0604020202020204" pitchFamily="34" charset="0"/>
+                      </a:endParaRPr>
+                    </a:p>
+                  </a:txBody>
+                  <a:tcPr marL="68580" marR="68580" marT="0" marB="0" anchor="ctr"/>
+                </a:tc>
+              </a:tr>
+              <a:tr h="358072">
+                <a:tc>
+                  <a:txBody>
+                    <a:bodyPr/>
+                    <a:lstStyle/>
+                    <a:p>
+                      <a:pPr marL="0" marR="0" algn="l">
+                        <a:lnSpc>
+                          <a:spcPct val="115000"/>
+                        </a:lnSpc>
+                        <a:spcBef>
+                          <a:spcPts val="0"/>
+                        </a:spcBef>
+                        <a:spcAft>
+                          <a:spcPts val="0"/>
+                        </a:spcAft>
+                      </a:pPr>
+                      <a:r>
+                        <a:rPr lang="en-US" sz="1600" dirty="0">
+                          <a:effectLst/>
+                        </a:rPr>
+                        <a:t>Oz</a:t>
+                      </a:r>
+                      <a:endParaRPr lang="en-US" sz="1600" dirty="0">
+                        <a:effectLst/>
+                        <a:latin typeface="Calibri" panose="020F0502020204030204" pitchFamily="34" charset="0"/>
+                        <a:ea typeface="Calibri" panose="020F0502020204030204" pitchFamily="34" charset="0"/>
+                        <a:cs typeface="Arial" panose="020B0604020202020204" pitchFamily="34" charset="0"/>
+                      </a:endParaRPr>
+                    </a:p>
+                  </a:txBody>
+                  <a:tcPr marL="68580" marR="68580" marT="0" marB="0" anchor="ctr"/>
+                </a:tc>
+                <a:tc>
+                  <a:txBody>
+                    <a:bodyPr/>
+                    <a:lstStyle/>
+                    <a:p>
+                      <a:pPr marL="0" marR="0" algn="l">
+                        <a:lnSpc>
+                          <a:spcPct val="115000"/>
+                        </a:lnSpc>
+                        <a:spcBef>
+                          <a:spcPts val="0"/>
+                        </a:spcBef>
+                        <a:spcAft>
+                          <a:spcPts val="0"/>
+                        </a:spcAft>
+                      </a:pPr>
+                      <a:r>
+                        <a:rPr lang="en-US" sz="1400">
+                          <a:effectLst/>
+                        </a:rPr>
+                        <a:t>yes</a:t>
+                      </a:r>
+                      <a:endParaRPr lang="en-US" sz="1400">
+                        <a:effectLst/>
+                        <a:latin typeface="Calibri" panose="020F0502020204030204" pitchFamily="34" charset="0"/>
+                        <a:ea typeface="Calibri" panose="020F0502020204030204" pitchFamily="34" charset="0"/>
+                        <a:cs typeface="Arial" panose="020B0604020202020204" pitchFamily="34" charset="0"/>
+                      </a:endParaRPr>
+                    </a:p>
+                  </a:txBody>
+                  <a:tcPr marL="68580" marR="68580" marT="0" marB="0" anchor="ctr"/>
+                </a:tc>
+                <a:tc>
+                  <a:txBody>
+                    <a:bodyPr/>
+                    <a:lstStyle/>
+                    <a:p>
+                      <a:pPr marL="0" marR="0" algn="l">
+                        <a:lnSpc>
+                          <a:spcPct val="115000"/>
+                        </a:lnSpc>
+                        <a:spcBef>
+                          <a:spcPts val="0"/>
+                        </a:spcBef>
+                        <a:spcAft>
+                          <a:spcPts val="0"/>
+                        </a:spcAft>
+                      </a:pPr>
+                      <a:r>
+                        <a:rPr lang="en-US" sz="1400">
+                          <a:effectLst/>
+                        </a:rPr>
+                        <a:t>thread</a:t>
+                      </a:r>
+                      <a:endParaRPr lang="en-US" sz="1400">
+                        <a:effectLst/>
+                        <a:latin typeface="Calibri" panose="020F0502020204030204" pitchFamily="34" charset="0"/>
+                        <a:ea typeface="Calibri" panose="020F0502020204030204" pitchFamily="34" charset="0"/>
+                        <a:cs typeface="Arial" panose="020B0604020202020204" pitchFamily="34" charset="0"/>
+                      </a:endParaRPr>
+                    </a:p>
+                  </a:txBody>
+                  <a:tcPr marL="68580" marR="68580" marT="0" marB="0" anchor="ctr"/>
+                </a:tc>
+                <a:tc>
+                  <a:txBody>
+                    <a:bodyPr/>
+                    <a:lstStyle/>
+                    <a:p>
+                      <a:pPr marL="0" marR="0" algn="l">
+                        <a:lnSpc>
+                          <a:spcPct val="115000"/>
+                        </a:lnSpc>
+                        <a:spcBef>
+                          <a:spcPts val="0"/>
+                        </a:spcBef>
+                        <a:spcAft>
+                          <a:spcPts val="0"/>
+                        </a:spcAft>
+                      </a:pPr>
+                      <a:r>
+                        <a:rPr lang="en-US" sz="1400">
+                          <a:effectLst/>
+                        </a:rPr>
+                        <a:t>no</a:t>
+                      </a:r>
+                      <a:endParaRPr lang="en-US" sz="1400">
+                        <a:effectLst/>
+                        <a:latin typeface="Calibri" panose="020F0502020204030204" pitchFamily="34" charset="0"/>
+                        <a:ea typeface="Calibri" panose="020F0502020204030204" pitchFamily="34" charset="0"/>
+                        <a:cs typeface="Arial" panose="020B0604020202020204" pitchFamily="34" charset="0"/>
+                      </a:endParaRPr>
+                    </a:p>
+                  </a:txBody>
+                  <a:tcPr marL="68580" marR="68580" marT="0" marB="0" anchor="ctr"/>
+                </a:tc>
+                <a:tc>
+                  <a:txBody>
+                    <a:bodyPr/>
+                    <a:lstStyle/>
+                    <a:p>
+                      <a:pPr marL="0" marR="0" algn="l">
+                        <a:lnSpc>
+                          <a:spcPct val="115000"/>
+                        </a:lnSpc>
+                        <a:spcBef>
+                          <a:spcPts val="0"/>
+                        </a:spcBef>
+                        <a:spcAft>
+                          <a:spcPts val="0"/>
+                        </a:spcAft>
+                      </a:pPr>
+                      <a:r>
+                        <a:rPr lang="en-US" sz="1400" dirty="0">
+                          <a:effectLst/>
+                        </a:rPr>
+                        <a:t>No </a:t>
+                      </a:r>
+                      <a:endParaRPr lang="en-US" sz="1400" dirty="0">
+                        <a:effectLst/>
+                        <a:latin typeface="Calibri" panose="020F0502020204030204" pitchFamily="34" charset="0"/>
+                        <a:ea typeface="Calibri" panose="020F0502020204030204" pitchFamily="34" charset="0"/>
+                        <a:cs typeface="Arial" panose="020B0604020202020204" pitchFamily="34" charset="0"/>
+                      </a:endParaRPr>
+                    </a:p>
+                  </a:txBody>
+                  <a:tcPr marL="68580" marR="68580" marT="0" marB="0" anchor="ctr"/>
+                </a:tc>
+                <a:tc>
+                  <a:txBody>
+                    <a:bodyPr/>
+                    <a:lstStyle/>
+                    <a:p>
+                      <a:pPr marL="0" marR="0" algn="l">
+                        <a:lnSpc>
+                          <a:spcPct val="115000"/>
+                        </a:lnSpc>
+                        <a:spcBef>
+                          <a:spcPts val="0"/>
+                        </a:spcBef>
+                        <a:spcAft>
+                          <a:spcPts val="0"/>
+                        </a:spcAft>
+                      </a:pPr>
+                      <a:r>
+                        <a:rPr lang="en-US" sz="1400">
+                          <a:effectLst/>
+                        </a:rPr>
+                        <a:t>No</a:t>
+                      </a:r>
+                      <a:endParaRPr lang="en-US" sz="1400">
+                        <a:effectLst/>
+                        <a:latin typeface="Calibri" panose="020F0502020204030204" pitchFamily="34" charset="0"/>
+                        <a:ea typeface="Calibri" panose="020F0502020204030204" pitchFamily="34" charset="0"/>
+                        <a:cs typeface="Arial" panose="020B0604020202020204" pitchFamily="34" charset="0"/>
+                      </a:endParaRPr>
+                    </a:p>
+                  </a:txBody>
+                  <a:tcPr marL="68580" marR="68580" marT="0" marB="0" anchor="ctr"/>
+                </a:tc>
+                <a:tc>
+                  <a:txBody>
+                    <a:bodyPr/>
+                    <a:lstStyle/>
+                    <a:p>
+                      <a:pPr marL="0" marR="0" algn="l">
+                        <a:lnSpc>
+                          <a:spcPct val="115000"/>
+                        </a:lnSpc>
+                        <a:spcBef>
+                          <a:spcPts val="0"/>
+                        </a:spcBef>
+                        <a:spcAft>
+                          <a:spcPts val="0"/>
+                        </a:spcAft>
+                      </a:pPr>
+                      <a:r>
+                        <a:rPr lang="en-US" sz="1400">
+                          <a:effectLst/>
+                        </a:rPr>
+                        <a:t>Lck p</a:t>
+                      </a:r>
+                      <a:endParaRPr lang="en-US" sz="1400">
+                        <a:effectLst/>
+                        <a:latin typeface="Calibri" panose="020F0502020204030204" pitchFamily="34" charset="0"/>
+                        <a:ea typeface="Calibri" panose="020F0502020204030204" pitchFamily="34" charset="0"/>
+                        <a:cs typeface="Arial" panose="020B0604020202020204" pitchFamily="34" charset="0"/>
+                      </a:endParaRPr>
+                    </a:p>
+                  </a:txBody>
+                  <a:tcPr marL="68580" marR="68580" marT="0" marB="0" anchor="ctr"/>
+                </a:tc>
+              </a:tr>
+              <a:tr h="358072">
+                <a:tc>
+                  <a:txBody>
+                    <a:bodyPr/>
+                    <a:lstStyle/>
+                    <a:p>
+                      <a:pPr marL="0" marR="0" algn="l">
+                        <a:lnSpc>
+                          <a:spcPct val="115000"/>
+                        </a:lnSpc>
+                        <a:spcBef>
+                          <a:spcPts val="0"/>
+                        </a:spcBef>
+                        <a:spcAft>
+                          <a:spcPts val="0"/>
+                        </a:spcAft>
+                      </a:pPr>
+                      <a:r>
+                        <a:rPr lang="en-US" sz="1600" dirty="0" err="1">
+                          <a:effectLst/>
+                        </a:rPr>
+                        <a:t>Matlab</a:t>
+                      </a:r>
+                      <a:endParaRPr lang="en-US" sz="1600" dirty="0">
+                        <a:effectLst/>
+                        <a:latin typeface="Calibri" panose="020F0502020204030204" pitchFamily="34" charset="0"/>
+                        <a:ea typeface="Calibri" panose="020F0502020204030204" pitchFamily="34" charset="0"/>
+                        <a:cs typeface="Arial" panose="020B0604020202020204" pitchFamily="34" charset="0"/>
+                      </a:endParaRPr>
+                    </a:p>
+                  </a:txBody>
+                  <a:tcPr marL="68580" marR="68580" marT="0" marB="0" anchor="ctr"/>
+                </a:tc>
+                <a:tc>
+                  <a:txBody>
+                    <a:bodyPr/>
+                    <a:lstStyle/>
+                    <a:p>
+                      <a:pPr marL="0" marR="0" algn="l">
+                        <a:lnSpc>
+                          <a:spcPct val="115000"/>
+                        </a:lnSpc>
+                        <a:spcBef>
+                          <a:spcPts val="0"/>
+                        </a:spcBef>
+                        <a:spcAft>
+                          <a:spcPts val="0"/>
+                        </a:spcAft>
+                      </a:pPr>
+                      <a:r>
+                        <a:rPr lang="en-US" sz="1400">
+                          <a:effectLst/>
+                        </a:rPr>
+                        <a:t>No</a:t>
+                      </a:r>
+                      <a:endParaRPr lang="en-US" sz="1400">
+                        <a:effectLst/>
+                        <a:latin typeface="Calibri" panose="020F0502020204030204" pitchFamily="34" charset="0"/>
+                        <a:ea typeface="Calibri" panose="020F0502020204030204" pitchFamily="34" charset="0"/>
+                        <a:cs typeface="Arial" panose="020B0604020202020204" pitchFamily="34" charset="0"/>
+                      </a:endParaRPr>
+                    </a:p>
+                  </a:txBody>
+                  <a:tcPr marL="68580" marR="68580" marT="0" marB="0" anchor="ctr"/>
+                </a:tc>
+                <a:tc>
+                  <a:txBody>
+                    <a:bodyPr/>
+                    <a:lstStyle/>
+                    <a:p>
+                      <a:pPr marL="0" marR="0" algn="l">
+                        <a:lnSpc>
+                          <a:spcPct val="115000"/>
+                        </a:lnSpc>
+                        <a:spcBef>
+                          <a:spcPts val="0"/>
+                        </a:spcBef>
+                        <a:spcAft>
+                          <a:spcPts val="0"/>
+                        </a:spcAft>
+                      </a:pPr>
+                      <a:r>
+                        <a:rPr lang="en-US" sz="1400">
+                          <a:effectLst/>
+                        </a:rPr>
+                        <a:t>No</a:t>
+                      </a:r>
+                      <a:endParaRPr lang="en-US" sz="1400">
+                        <a:effectLst/>
+                        <a:latin typeface="Calibri" panose="020F0502020204030204" pitchFamily="34" charset="0"/>
+                        <a:ea typeface="Calibri" panose="020F0502020204030204" pitchFamily="34" charset="0"/>
+                        <a:cs typeface="Arial" panose="020B0604020202020204" pitchFamily="34" charset="0"/>
+                      </a:endParaRPr>
+                    </a:p>
+                  </a:txBody>
+                  <a:tcPr marL="68580" marR="68580" marT="0" marB="0" anchor="ctr"/>
+                </a:tc>
+                <a:tc>
+                  <a:txBody>
+                    <a:bodyPr/>
+                    <a:lstStyle/>
+                    <a:p>
+                      <a:pPr marL="0" marR="0" algn="l">
+                        <a:lnSpc>
+                          <a:spcPct val="115000"/>
+                        </a:lnSpc>
+                        <a:spcBef>
+                          <a:spcPts val="0"/>
+                        </a:spcBef>
+                        <a:spcAft>
+                          <a:spcPts val="0"/>
+                        </a:spcAft>
+                      </a:pPr>
+                      <a:r>
+                        <a:rPr lang="en-US" sz="1400">
+                          <a:effectLst/>
+                        </a:rPr>
+                        <a:t>No</a:t>
+                      </a:r>
+                      <a:endParaRPr lang="en-US" sz="1400">
+                        <a:effectLst/>
+                        <a:latin typeface="Calibri" panose="020F0502020204030204" pitchFamily="34" charset="0"/>
+                        <a:ea typeface="Calibri" panose="020F0502020204030204" pitchFamily="34" charset="0"/>
+                        <a:cs typeface="Arial" panose="020B0604020202020204" pitchFamily="34" charset="0"/>
+                      </a:endParaRPr>
+                    </a:p>
+                  </a:txBody>
+                  <a:tcPr marL="68580" marR="68580" marT="0" marB="0" anchor="ctr"/>
+                </a:tc>
+                <a:tc>
+                  <a:txBody>
+                    <a:bodyPr/>
+                    <a:lstStyle/>
+                    <a:p>
+                      <a:pPr marL="0" marR="0" algn="l">
+                        <a:lnSpc>
+                          <a:spcPct val="115000"/>
+                        </a:lnSpc>
+                        <a:spcBef>
+                          <a:spcPts val="0"/>
+                        </a:spcBef>
+                        <a:spcAft>
+                          <a:spcPts val="0"/>
+                        </a:spcAft>
+                      </a:pPr>
+                      <a:r>
+                        <a:rPr lang="en-US" sz="1400" dirty="0">
+                          <a:effectLst/>
+                        </a:rPr>
+                        <a:t>no</a:t>
+                      </a:r>
+                      <a:endParaRPr lang="en-US" sz="1400" dirty="0">
+                        <a:effectLst/>
+                        <a:latin typeface="Calibri" panose="020F0502020204030204" pitchFamily="34" charset="0"/>
+                        <a:ea typeface="Calibri" panose="020F0502020204030204" pitchFamily="34" charset="0"/>
+                        <a:cs typeface="Arial" panose="020B0604020202020204" pitchFamily="34" charset="0"/>
+                      </a:endParaRPr>
+                    </a:p>
+                  </a:txBody>
+                  <a:tcPr marL="68580" marR="68580" marT="0" marB="0" anchor="ctr"/>
+                </a:tc>
+                <a:tc>
+                  <a:txBody>
+                    <a:bodyPr/>
+                    <a:lstStyle/>
+                    <a:p>
+                      <a:pPr marL="0" marR="0" algn="l">
+                        <a:lnSpc>
+                          <a:spcPct val="115000"/>
+                        </a:lnSpc>
+                        <a:spcBef>
+                          <a:spcPts val="0"/>
+                        </a:spcBef>
+                        <a:spcAft>
+                          <a:spcPts val="0"/>
+                        </a:spcAft>
+                      </a:pPr>
+                      <a:r>
+                        <a:rPr lang="en-US" sz="1400" dirty="0">
+                          <a:effectLst/>
+                        </a:rPr>
+                        <a:t>No</a:t>
+                      </a:r>
+                      <a:endParaRPr lang="en-US" sz="1400" dirty="0">
+                        <a:effectLst/>
+                        <a:latin typeface="Calibri" panose="020F0502020204030204" pitchFamily="34" charset="0"/>
+                        <a:ea typeface="Calibri" panose="020F0502020204030204" pitchFamily="34" charset="0"/>
+                        <a:cs typeface="Arial" panose="020B0604020202020204" pitchFamily="34" charset="0"/>
+                      </a:endParaRPr>
+                    </a:p>
+                  </a:txBody>
+                  <a:tcPr marL="68580" marR="68580" marT="0" marB="0" anchor="ctr"/>
+                </a:tc>
+                <a:tc>
+                  <a:txBody>
+                    <a:bodyPr/>
+                    <a:lstStyle/>
+                    <a:p>
+                      <a:pPr marL="0" marR="0" algn="l">
+                        <a:lnSpc>
+                          <a:spcPct val="115000"/>
+                        </a:lnSpc>
+                        <a:spcBef>
+                          <a:spcPts val="0"/>
+                        </a:spcBef>
+                        <a:spcAft>
+                          <a:spcPts val="0"/>
+                        </a:spcAft>
+                      </a:pPr>
+                      <a:r>
+                        <a:rPr lang="en-US" sz="1400">
+                          <a:effectLst/>
+                        </a:rPr>
+                        <a:t>Lock, mutex</a:t>
+                      </a:r>
+                      <a:endParaRPr lang="en-US" sz="1400">
+                        <a:effectLst/>
+                        <a:latin typeface="Calibri" panose="020F0502020204030204" pitchFamily="34" charset="0"/>
+                        <a:ea typeface="Calibri" panose="020F0502020204030204" pitchFamily="34" charset="0"/>
+                        <a:cs typeface="Arial" panose="020B0604020202020204" pitchFamily="34" charset="0"/>
+                      </a:endParaRPr>
+                    </a:p>
+                  </a:txBody>
+                  <a:tcPr marL="68580" marR="68580" marT="0" marB="0" anchor="ctr"/>
+                </a:tc>
+              </a:tr>
+              <a:tr h="358072">
+                <a:tc>
+                  <a:txBody>
+                    <a:bodyPr/>
+                    <a:lstStyle/>
+                    <a:p>
+                      <a:pPr marL="0" marR="0" algn="l">
+                        <a:lnSpc>
+                          <a:spcPct val="115000"/>
+                        </a:lnSpc>
+                        <a:spcBef>
+                          <a:spcPts val="0"/>
+                        </a:spcBef>
+                        <a:spcAft>
+                          <a:spcPts val="0"/>
+                        </a:spcAft>
+                      </a:pPr>
+                      <a:r>
+                        <a:rPr lang="en-US" sz="1600" dirty="0">
+                          <a:effectLst/>
+                        </a:rPr>
+                        <a:t>R</a:t>
+                      </a:r>
+                      <a:endParaRPr lang="en-US" sz="1600" dirty="0">
+                        <a:effectLst/>
+                        <a:latin typeface="Calibri" panose="020F0502020204030204" pitchFamily="34" charset="0"/>
+                        <a:ea typeface="Calibri" panose="020F0502020204030204" pitchFamily="34" charset="0"/>
+                        <a:cs typeface="Arial" panose="020B0604020202020204" pitchFamily="34" charset="0"/>
+                      </a:endParaRPr>
+                    </a:p>
+                  </a:txBody>
+                  <a:tcPr marL="68580" marR="68580" marT="0" marB="0" anchor="ctr"/>
+                </a:tc>
+                <a:tc>
+                  <a:txBody>
+                    <a:bodyPr/>
+                    <a:lstStyle/>
+                    <a:p>
+                      <a:pPr marL="0" marR="0" algn="l">
+                        <a:lnSpc>
+                          <a:spcPct val="115000"/>
+                        </a:lnSpc>
+                        <a:spcBef>
+                          <a:spcPts val="0"/>
+                        </a:spcBef>
+                        <a:spcAft>
+                          <a:spcPts val="0"/>
+                        </a:spcAft>
+                      </a:pPr>
+                      <a:r>
+                        <a:rPr lang="en-US" sz="1400">
+                          <a:effectLst/>
+                        </a:rPr>
+                        <a:t>No</a:t>
+                      </a:r>
+                      <a:endParaRPr lang="en-US" sz="1400">
+                        <a:effectLst/>
+                        <a:latin typeface="Calibri" panose="020F0502020204030204" pitchFamily="34" charset="0"/>
+                        <a:ea typeface="Calibri" panose="020F0502020204030204" pitchFamily="34" charset="0"/>
+                        <a:cs typeface="Arial" panose="020B0604020202020204" pitchFamily="34" charset="0"/>
+                      </a:endParaRPr>
+                    </a:p>
+                  </a:txBody>
+                  <a:tcPr marL="68580" marR="68580" marT="0" marB="0" anchor="ctr"/>
+                </a:tc>
+                <a:tc>
+                  <a:txBody>
+                    <a:bodyPr/>
+                    <a:lstStyle/>
+                    <a:p>
+                      <a:pPr marL="0" marR="0" algn="l">
+                        <a:lnSpc>
+                          <a:spcPct val="115000"/>
+                        </a:lnSpc>
+                        <a:spcBef>
+                          <a:spcPts val="0"/>
+                        </a:spcBef>
+                        <a:spcAft>
+                          <a:spcPts val="0"/>
+                        </a:spcAft>
+                      </a:pPr>
+                      <a:r>
+                        <a:rPr lang="en-US" sz="1400">
+                          <a:effectLst/>
+                        </a:rPr>
+                        <a:t>no</a:t>
+                      </a:r>
+                      <a:endParaRPr lang="en-US" sz="1400">
+                        <a:effectLst/>
+                        <a:latin typeface="Calibri" panose="020F0502020204030204" pitchFamily="34" charset="0"/>
+                        <a:ea typeface="Calibri" panose="020F0502020204030204" pitchFamily="34" charset="0"/>
+                        <a:cs typeface="Arial" panose="020B0604020202020204" pitchFamily="34" charset="0"/>
+                      </a:endParaRPr>
+                    </a:p>
+                  </a:txBody>
+                  <a:tcPr marL="68580" marR="68580" marT="0" marB="0" anchor="ctr"/>
+                </a:tc>
+                <a:tc>
+                  <a:txBody>
+                    <a:bodyPr/>
+                    <a:lstStyle/>
+                    <a:p>
+                      <a:pPr marL="0" marR="0" algn="l">
+                        <a:lnSpc>
+                          <a:spcPct val="115000"/>
+                        </a:lnSpc>
+                        <a:spcBef>
+                          <a:spcPts val="0"/>
+                        </a:spcBef>
+                        <a:spcAft>
+                          <a:spcPts val="0"/>
+                        </a:spcAft>
+                      </a:pPr>
+                      <a:r>
+                        <a:rPr lang="en-US" sz="1400">
+                          <a:effectLst/>
+                        </a:rPr>
+                        <a:t>no</a:t>
+                      </a:r>
+                      <a:endParaRPr lang="en-US" sz="1400">
+                        <a:effectLst/>
+                        <a:latin typeface="Calibri" panose="020F0502020204030204" pitchFamily="34" charset="0"/>
+                        <a:ea typeface="Calibri" panose="020F0502020204030204" pitchFamily="34" charset="0"/>
+                        <a:cs typeface="Arial" panose="020B0604020202020204" pitchFamily="34" charset="0"/>
+                      </a:endParaRPr>
+                    </a:p>
+                  </a:txBody>
+                  <a:tcPr marL="68580" marR="68580" marT="0" marB="0" anchor="ctr"/>
+                </a:tc>
+                <a:tc>
+                  <a:txBody>
+                    <a:bodyPr/>
+                    <a:lstStyle/>
+                    <a:p>
+                      <a:pPr marL="0" marR="0" algn="l">
+                        <a:lnSpc>
+                          <a:spcPct val="115000"/>
+                        </a:lnSpc>
+                        <a:spcBef>
+                          <a:spcPts val="0"/>
+                        </a:spcBef>
+                        <a:spcAft>
+                          <a:spcPts val="0"/>
+                        </a:spcAft>
+                      </a:pPr>
+                      <a:r>
+                        <a:rPr lang="en-US" sz="1400">
+                          <a:effectLst/>
+                        </a:rPr>
+                        <a:t>No</a:t>
+                      </a:r>
+                      <a:endParaRPr lang="en-US" sz="1400">
+                        <a:effectLst/>
+                        <a:latin typeface="Calibri" panose="020F0502020204030204" pitchFamily="34" charset="0"/>
+                        <a:ea typeface="Calibri" panose="020F0502020204030204" pitchFamily="34" charset="0"/>
+                        <a:cs typeface="Arial" panose="020B0604020202020204" pitchFamily="34" charset="0"/>
+                      </a:endParaRPr>
+                    </a:p>
+                  </a:txBody>
+                  <a:tcPr marL="68580" marR="68580" marT="0" marB="0" anchor="ctr"/>
+                </a:tc>
+                <a:tc>
+                  <a:txBody>
+                    <a:bodyPr/>
+                    <a:lstStyle/>
+                    <a:p>
+                      <a:pPr marL="0" marR="0" algn="l">
+                        <a:lnSpc>
+                          <a:spcPct val="115000"/>
+                        </a:lnSpc>
+                        <a:spcBef>
+                          <a:spcPts val="0"/>
+                        </a:spcBef>
+                        <a:spcAft>
+                          <a:spcPts val="0"/>
+                        </a:spcAft>
+                      </a:pPr>
+                      <a:r>
+                        <a:rPr lang="en-US" sz="1400">
+                          <a:effectLst/>
+                        </a:rPr>
+                        <a:t>No</a:t>
+                      </a:r>
+                      <a:endParaRPr lang="en-US" sz="1400">
+                        <a:effectLst/>
+                        <a:latin typeface="Calibri" panose="020F0502020204030204" pitchFamily="34" charset="0"/>
+                        <a:ea typeface="Calibri" panose="020F0502020204030204" pitchFamily="34" charset="0"/>
+                        <a:cs typeface="Arial" panose="020B0604020202020204" pitchFamily="34" charset="0"/>
+                      </a:endParaRPr>
+                    </a:p>
+                  </a:txBody>
+                  <a:tcPr marL="68580" marR="68580" marT="0" marB="0" anchor="ctr"/>
+                </a:tc>
+                <a:tc>
+                  <a:txBody>
+                    <a:bodyPr/>
+                    <a:lstStyle/>
+                    <a:p>
+                      <a:pPr marL="0" marR="0" algn="l">
+                        <a:lnSpc>
+                          <a:spcPct val="115000"/>
+                        </a:lnSpc>
+                        <a:spcBef>
+                          <a:spcPts val="0"/>
+                        </a:spcBef>
+                        <a:spcAft>
+                          <a:spcPts val="0"/>
+                        </a:spcAft>
+                      </a:pPr>
+                      <a:r>
+                        <a:rPr lang="en-US" sz="1400" dirty="0">
+                          <a:effectLst/>
+                        </a:rPr>
+                        <a:t>Lock</a:t>
+                      </a:r>
+                      <a:endParaRPr lang="en-US" sz="1400" dirty="0">
+                        <a:effectLst/>
+                        <a:latin typeface="Calibri" panose="020F0502020204030204" pitchFamily="34" charset="0"/>
+                        <a:ea typeface="Calibri" panose="020F0502020204030204" pitchFamily="34" charset="0"/>
+                        <a:cs typeface="Arial" panose="020B0604020202020204" pitchFamily="34" charset="0"/>
+                      </a:endParaRPr>
+                    </a:p>
+                  </a:txBody>
+                  <a:tcPr marL="68580" marR="68580" marT="0" marB="0" anchor="ctr"/>
+                </a:tc>
+              </a:tr>
+              <a:tr h="358072">
+                <a:tc>
+                  <a:txBody>
+                    <a:bodyPr/>
+                    <a:lstStyle/>
+                    <a:p>
+                      <a:pPr marL="0" marR="0" algn="l">
+                        <a:lnSpc>
+                          <a:spcPct val="115000"/>
+                        </a:lnSpc>
+                        <a:spcBef>
+                          <a:spcPts val="0"/>
+                        </a:spcBef>
+                        <a:spcAft>
+                          <a:spcPts val="0"/>
+                        </a:spcAft>
+                      </a:pPr>
+                      <a:r>
+                        <a:rPr lang="en-US" sz="1600" dirty="0">
+                          <a:effectLst/>
+                        </a:rPr>
+                        <a:t>Python</a:t>
+                      </a:r>
+                      <a:endParaRPr lang="en-US" sz="1600" dirty="0">
+                        <a:effectLst/>
+                        <a:latin typeface="Calibri" panose="020F0502020204030204" pitchFamily="34" charset="0"/>
+                        <a:ea typeface="Calibri" panose="020F0502020204030204" pitchFamily="34" charset="0"/>
+                        <a:cs typeface="Arial" panose="020B0604020202020204" pitchFamily="34" charset="0"/>
+                      </a:endParaRPr>
+                    </a:p>
+                  </a:txBody>
+                  <a:tcPr marL="68580" marR="68580" marT="0" marB="0" anchor="ctr"/>
+                </a:tc>
+                <a:tc>
+                  <a:txBody>
+                    <a:bodyPr/>
+                    <a:lstStyle/>
+                    <a:p>
+                      <a:pPr marL="0" marR="0" algn="l">
+                        <a:lnSpc>
+                          <a:spcPct val="115000"/>
+                        </a:lnSpc>
+                        <a:spcBef>
+                          <a:spcPts val="0"/>
+                        </a:spcBef>
+                        <a:spcAft>
+                          <a:spcPts val="0"/>
+                        </a:spcAft>
+                      </a:pPr>
+                      <a:r>
+                        <a:rPr lang="en-US" sz="1400" dirty="0">
+                          <a:effectLst/>
+                        </a:rPr>
+                        <a:t>Yes</a:t>
+                      </a:r>
+                      <a:endParaRPr lang="en-US" sz="1400" dirty="0">
+                        <a:effectLst/>
+                        <a:latin typeface="Calibri" panose="020F0502020204030204" pitchFamily="34" charset="0"/>
+                        <a:ea typeface="Calibri" panose="020F0502020204030204" pitchFamily="34" charset="0"/>
+                        <a:cs typeface="Arial" panose="020B0604020202020204" pitchFamily="34" charset="0"/>
+                      </a:endParaRPr>
+                    </a:p>
+                  </a:txBody>
+                  <a:tcPr marL="68580" marR="68580" marT="0" marB="0" anchor="ctr"/>
+                </a:tc>
+                <a:tc>
+                  <a:txBody>
+                    <a:bodyPr/>
+                    <a:lstStyle/>
+                    <a:p>
+                      <a:pPr marL="0" marR="0" algn="l">
+                        <a:lnSpc>
+                          <a:spcPct val="115000"/>
+                        </a:lnSpc>
+                        <a:spcBef>
+                          <a:spcPts val="0"/>
+                        </a:spcBef>
+                        <a:spcAft>
+                          <a:spcPts val="0"/>
+                        </a:spcAft>
+                      </a:pPr>
+                      <a:r>
+                        <a:rPr lang="en-US" sz="1400" dirty="0">
+                          <a:effectLst/>
+                        </a:rPr>
+                        <a:t>No </a:t>
+                      </a:r>
+                      <a:endParaRPr lang="en-US" sz="1400" dirty="0">
+                        <a:effectLst/>
+                        <a:latin typeface="Calibri" panose="020F0502020204030204" pitchFamily="34" charset="0"/>
+                        <a:ea typeface="Calibri" panose="020F0502020204030204" pitchFamily="34" charset="0"/>
+                        <a:cs typeface="Arial" panose="020B0604020202020204" pitchFamily="34" charset="0"/>
+                      </a:endParaRPr>
+                    </a:p>
+                  </a:txBody>
+                  <a:tcPr marL="68580" marR="68580" marT="0" marB="0" anchor="ctr"/>
+                </a:tc>
+                <a:tc>
+                  <a:txBody>
+                    <a:bodyPr/>
+                    <a:lstStyle/>
+                    <a:p>
+                      <a:pPr marL="0" marR="0" algn="l">
+                        <a:lnSpc>
+                          <a:spcPct val="115000"/>
+                        </a:lnSpc>
+                        <a:spcBef>
+                          <a:spcPts val="0"/>
+                        </a:spcBef>
+                        <a:spcAft>
+                          <a:spcPts val="0"/>
+                        </a:spcAft>
+                      </a:pPr>
+                      <a:r>
+                        <a:rPr lang="en-US" sz="1400" dirty="0">
+                          <a:effectLst/>
+                        </a:rPr>
+                        <a:t>Threading</a:t>
+                      </a:r>
+                      <a:endParaRPr lang="en-US" sz="1400" dirty="0">
+                        <a:effectLst/>
+                        <a:latin typeface="Calibri" panose="020F0502020204030204" pitchFamily="34" charset="0"/>
+                        <a:ea typeface="Calibri" panose="020F0502020204030204" pitchFamily="34" charset="0"/>
+                        <a:cs typeface="Arial" panose="020B0604020202020204" pitchFamily="34" charset="0"/>
+                      </a:endParaRPr>
+                    </a:p>
+                  </a:txBody>
+                  <a:tcPr marL="68580" marR="68580" marT="0" marB="0" anchor="ctr"/>
+                </a:tc>
+                <a:tc>
+                  <a:txBody>
+                    <a:bodyPr/>
+                    <a:lstStyle/>
+                    <a:p>
+                      <a:pPr marL="0" marR="0" algn="l">
+                        <a:lnSpc>
+                          <a:spcPct val="115000"/>
+                        </a:lnSpc>
+                        <a:spcBef>
+                          <a:spcPts val="0"/>
+                        </a:spcBef>
+                        <a:spcAft>
+                          <a:spcPts val="0"/>
+                        </a:spcAft>
+                      </a:pPr>
+                      <a:r>
+                        <a:rPr lang="en-US" sz="1400" dirty="0" err="1">
+                          <a:effectLst/>
+                        </a:rPr>
+                        <a:t>Mpi</a:t>
+                      </a:r>
+                      <a:endParaRPr lang="en-US" sz="1400" dirty="0">
+                        <a:effectLst/>
+                        <a:latin typeface="Calibri" panose="020F0502020204030204" pitchFamily="34" charset="0"/>
+                        <a:ea typeface="Calibri" panose="020F0502020204030204" pitchFamily="34" charset="0"/>
+                        <a:cs typeface="Arial" panose="020B0604020202020204" pitchFamily="34" charset="0"/>
+                      </a:endParaRPr>
+                    </a:p>
+                  </a:txBody>
+                  <a:tcPr marL="68580" marR="68580" marT="0" marB="0" anchor="ctr"/>
+                </a:tc>
+                <a:tc>
+                  <a:txBody>
+                    <a:bodyPr/>
+                    <a:lstStyle/>
+                    <a:p>
+                      <a:pPr marL="0" marR="0" algn="l">
+                        <a:lnSpc>
+                          <a:spcPct val="115000"/>
+                        </a:lnSpc>
+                        <a:spcBef>
+                          <a:spcPts val="0"/>
+                        </a:spcBef>
+                        <a:spcAft>
+                          <a:spcPts val="0"/>
+                        </a:spcAft>
+                      </a:pPr>
+                      <a:r>
+                        <a:rPr lang="en-US" sz="1400" dirty="0">
+                          <a:effectLst/>
+                        </a:rPr>
+                        <a:t>Thread pool</a:t>
+                      </a:r>
+                      <a:endParaRPr lang="en-US" sz="1400" dirty="0">
+                        <a:effectLst/>
+                        <a:latin typeface="Calibri" panose="020F0502020204030204" pitchFamily="34" charset="0"/>
+                        <a:ea typeface="Calibri" panose="020F0502020204030204" pitchFamily="34" charset="0"/>
+                        <a:cs typeface="Arial" panose="020B0604020202020204" pitchFamily="34" charset="0"/>
+                      </a:endParaRPr>
+                    </a:p>
+                  </a:txBody>
+                  <a:tcPr marL="68580" marR="68580" marT="0" marB="0" anchor="ctr"/>
+                </a:tc>
+                <a:tc>
+                  <a:txBody>
+                    <a:bodyPr/>
+                    <a:lstStyle/>
+                    <a:p>
+                      <a:pPr marL="0" marR="0" algn="l">
+                        <a:lnSpc>
+                          <a:spcPct val="115000"/>
+                        </a:lnSpc>
+                        <a:spcBef>
+                          <a:spcPts val="0"/>
+                        </a:spcBef>
+                        <a:spcAft>
+                          <a:spcPts val="0"/>
+                        </a:spcAft>
+                      </a:pPr>
+                      <a:r>
+                        <a:rPr lang="en-US" sz="1400" dirty="0">
+                          <a:effectLst/>
+                        </a:rPr>
+                        <a:t>Lock, semaphore</a:t>
+                      </a:r>
+                      <a:endParaRPr lang="en-US" sz="1400" dirty="0">
+                        <a:effectLst/>
+                        <a:latin typeface="Calibri" panose="020F0502020204030204" pitchFamily="34" charset="0"/>
+                        <a:ea typeface="Calibri" panose="020F0502020204030204" pitchFamily="34" charset="0"/>
+                        <a:cs typeface="Arial" panose="020B0604020202020204" pitchFamily="34" charset="0"/>
+                      </a:endParaRPr>
+                    </a:p>
+                  </a:txBody>
+                  <a:tcPr marL="68580" marR="68580" marT="0" marB="0" anchor="ctr"/>
+                </a:tc>
+              </a:tr>
+            </a:tbl>
+          </a:graphicData>
+        </a:graphic>
+      </p:graphicFrame>
+    </p:spTree>
+    <p:extLst>
+      <p:ext uri="{BB962C8B-B14F-4D97-AF65-F5344CB8AC3E}">
+        <p14:creationId xmlns:p14="http://schemas.microsoft.com/office/powerpoint/2010/main" val="1818036530"/>
+      </p:ext>
+    </p:extLst>
+  </p:cSld>
+  <p:clrMapOvr>
+    <a:masterClrMapping/>
+  </p:clrMapOvr>
+  <p:transition spd="slow">
+    <p:push dir="u"/>
+  </p:transition>
+  <p:timing>
+    <p:tnLst>
+      <p:par>
+        <p:cTn id="1" dur="indefinite" restart="never" nodeType="tmRoot">
+          <p:childTnLst>
+            <p:seq concurrent="1" nextAc="seek">
+              <p:cTn id="2" dur="indefinite" nodeType="mainSeq">
+                <p:childTnLst>
+                  <p:par>
+                    <p:cTn id="3" fill="hold">
+                      <p:stCondLst>
+                        <p:cond delay="indefinite"/>
+                      </p:stCondLst>
+                      <p:childTnLst>
+                        <p:par>
+                          <p:cTn id="4" fill="hold">
+                            <p:stCondLst>
+                              <p:cond delay="0"/>
+                            </p:stCondLst>
+                            <p:childTnLst>
+                              <p:par>
+                                <p:cTn id="5" presetID="42" presetClass="entr" presetSubtype="0" fill="hold" nodeType="clickEffect">
+                                  <p:stCondLst>
+                                    <p:cond delay="0"/>
+                                  </p:stCondLst>
+                                  <p:childTnLst>
+                                    <p:set>
+                                      <p:cBhvr>
+                                        <p:cTn id="6" dur="1" fill="hold">
+                                          <p:stCondLst>
+                                            <p:cond delay="0"/>
+                                          </p:stCondLst>
+                                        </p:cTn>
+                                        <p:tgtEl>
+                                          <p:spTgt spid="6"/>
+                                        </p:tgtEl>
+                                        <p:attrNameLst>
+                                          <p:attrName>style.visibility</p:attrName>
+                                        </p:attrNameLst>
+                                      </p:cBhvr>
+                                      <p:to>
+                                        <p:strVal val="visible"/>
+                                      </p:to>
+                                    </p:set>
+                                    <p:animEffect transition="in" filter="fade">
+                                      <p:cBhvr>
+                                        <p:cTn id="7" dur="1000"/>
+                                        <p:tgtEl>
+                                          <p:spTgt spid="6"/>
+                                        </p:tgtEl>
+                                      </p:cBhvr>
+                                    </p:animEffect>
+                                    <p:anim calcmode="lin" valueType="num">
+                                      <p:cBhvr>
+                                        <p:cTn id="8" dur="1000" fill="hold"/>
+                                        <p:tgtEl>
+                                          <p:spTgt spid="6"/>
+                                        </p:tgtEl>
+                                        <p:attrNameLst>
+                                          <p:attrName>ppt_x</p:attrName>
+                                        </p:attrNameLst>
+                                      </p:cBhvr>
+                                      <p:tavLst>
+                                        <p:tav tm="0">
+                                          <p:val>
+                                            <p:strVal val="#ppt_x"/>
+                                          </p:val>
+                                        </p:tav>
+                                        <p:tav tm="100000">
+                                          <p:val>
+                                            <p:strVal val="#ppt_x"/>
+                                          </p:val>
+                                        </p:tav>
+                                      </p:tavLst>
+                                    </p:anim>
+                                    <p:anim calcmode="lin" valueType="num">
+                                      <p:cBhvr>
+                                        <p:cTn id="9" dur="1000" fill="hold"/>
+                                        <p:tgtEl>
+                                          <p:spTgt spid="6"/>
+                                        </p:tgtEl>
+                                        <p:attrNameLst>
+                                          <p:attrName>ppt_y</p:attrName>
+                                        </p:attrNameLst>
+                                      </p:cBhvr>
+                                      <p:tavLst>
+                                        <p:tav tm="0">
+                                          <p:val>
+                                            <p:strVal val="#ppt_y+.1"/>
+                                          </p:val>
+                                        </p:tav>
+                                        <p:tav tm="100000">
+                                          <p:val>
+                                            <p:strVal val="#ppt_y"/>
+                                          </p:val>
+                                        </p:tav>
+                                      </p:tavLst>
+                                    </p:anim>
+                                  </p:childTnLst>
+                                </p:cTn>
+                              </p:par>
+                            </p:childTnLst>
+                          </p:cTn>
+                        </p:par>
+                      </p:childTnLst>
+                    </p:cTn>
+                  </p:par>
+                </p:childTnLst>
+              </p:cTn>
+              <p:prevCondLst>
+                <p:cond evt="onPrev" delay="0">
+                  <p:tgtEl>
+                    <p:sldTgt/>
+                  </p:tgtEl>
+                </p:cond>
+              </p:prevCondLst>
+              <p:nextCondLst>
+                <p:cond evt="onNext" delay="0">
+                  <p:tgtEl>
+                    <p:sldTgt/>
+                  </p:tgtEl>
+                </p:cond>
+              </p:nextCondLst>
+            </p:seq>
+          </p:childTnLst>
+        </p:cTn>
       </p:par>
     </p:tnLst>
   </p:timing>
@@ -21188,11 +27309,7 @@
           <a:p>
             <a:r>
               <a:rPr lang="en-US" dirty="0" smtClean="0"/>
-              <a:t>Features in languages: Discussion </a:t>
-            </a:r>
-            <a:r>
-              <a:rPr lang="en-US" dirty="0" smtClean="0"/>
-              <a:t>&amp; Analysis</a:t>
+              <a:t>Features in languages: Discussion &amp; Analysis</a:t>
             </a:r>
             <a:endParaRPr lang="en-US" dirty="0"/>
           </a:p>
@@ -21767,7 +27884,7 @@
           <a:blip r:embed="rId2" cstate="print">
             <a:extLst>
               <a:ext uri="{28A0092B-C50C-407E-A947-70E740481C1C}">
-                <a14:useLocalDpi xmlns:a14="http://schemas.microsoft.com/office/drawing/2010/main" xmlns="" val="0"/>
+                <a14:useLocalDpi xmlns:a14="http://schemas.microsoft.com/office/drawing/2010/main" val="0"/>
               </a:ext>
             </a:extLst>
           </a:blip>
@@ -21787,7 +27904,7 @@
           <a:noFill/>
           <a:extLst>
             <a:ext uri="{909E8E84-426E-40DD-AFC4-6F175D3DCCD1}">
-              <a14:hiddenFill xmlns:a14="http://schemas.microsoft.com/office/drawing/2010/main" xmlns="">
+              <a14:hiddenFill xmlns:a14="http://schemas.microsoft.com/office/drawing/2010/main">
                 <a:solidFill>
                   <a:srgbClr val="FFFFFF"/>
                 </a:solidFill>
@@ -26011,7 +32128,7 @@
           <p:nvPr>
             <p:extLst>
               <p:ext uri="{D42A27DB-BD31-4B8C-83A1-F6EECF244321}">
-                <p14:modId xmlns:p14="http://schemas.microsoft.com/office/powerpoint/2010/main" xmlns="" val="2506140230"/>
+                <p14:modId xmlns:p14="http://schemas.microsoft.com/office/powerpoint/2010/main" val="2506140230"/>
               </p:ext>
             </p:extLst>
           </p:nvPr>
@@ -26030,35 +32147,35 @@
                 <a:gridCol w="349848">
                   <a:extLst>
                     <a:ext uri="{9D8B030D-6E8A-4147-A177-3AD203B41FA5}">
-                      <a16:colId xmlns:a16="http://schemas.microsoft.com/office/drawing/2014/main" xmlns="" val="3350926067"/>
+                      <a16:colId xmlns="" xmlns:a16="http://schemas.microsoft.com/office/drawing/2014/main" val="3350926067"/>
                     </a:ext>
                   </a:extLst>
                 </a:gridCol>
                 <a:gridCol w="349848">
                   <a:extLst>
                     <a:ext uri="{9D8B030D-6E8A-4147-A177-3AD203B41FA5}">
-                      <a16:colId xmlns:a16="http://schemas.microsoft.com/office/drawing/2014/main" xmlns="" val="3704222402"/>
+                      <a16:colId xmlns="" xmlns:a16="http://schemas.microsoft.com/office/drawing/2014/main" val="3704222402"/>
                     </a:ext>
                   </a:extLst>
                 </a:gridCol>
                 <a:gridCol w="349848">
                   <a:extLst>
                     <a:ext uri="{9D8B030D-6E8A-4147-A177-3AD203B41FA5}">
-                      <a16:colId xmlns:a16="http://schemas.microsoft.com/office/drawing/2014/main" xmlns="" val="1732804068"/>
+                      <a16:colId xmlns="" xmlns:a16="http://schemas.microsoft.com/office/drawing/2014/main" val="1732804068"/>
                     </a:ext>
                   </a:extLst>
                 </a:gridCol>
                 <a:gridCol w="349848">
                   <a:extLst>
                     <a:ext uri="{9D8B030D-6E8A-4147-A177-3AD203B41FA5}">
-                      <a16:colId xmlns:a16="http://schemas.microsoft.com/office/drawing/2014/main" xmlns="" val="504219294"/>
+                      <a16:colId xmlns="" xmlns:a16="http://schemas.microsoft.com/office/drawing/2014/main" val="504219294"/>
                     </a:ext>
                   </a:extLst>
                 </a:gridCol>
                 <a:gridCol w="349848">
                   <a:extLst>
                     <a:ext uri="{9D8B030D-6E8A-4147-A177-3AD203B41FA5}">
-                      <a16:colId xmlns:a16="http://schemas.microsoft.com/office/drawing/2014/main" xmlns="" val="253295659"/>
+                      <a16:colId xmlns="" xmlns:a16="http://schemas.microsoft.com/office/drawing/2014/main" val="253295659"/>
                     </a:ext>
                   </a:extLst>
                 </a:gridCol>
@@ -26136,7 +32253,7 @@
                 </a:tc>
                 <a:extLst>
                   <a:ext uri="{0D108BD9-81ED-4DB2-BD59-A6C34878D82A}">
-                    <a16:rowId xmlns:a16="http://schemas.microsoft.com/office/drawing/2014/main" xmlns="" val="49898677"/>
+                    <a16:rowId xmlns="" xmlns:a16="http://schemas.microsoft.com/office/drawing/2014/main" val="49898677"/>
                   </a:ext>
                 </a:extLst>
               </a:tr>
@@ -26350,7 +32467,7 @@
     </p:spTree>
     <p:extLst>
       <p:ext uri="{BB962C8B-B14F-4D97-AF65-F5344CB8AC3E}">
-        <p14:creationId xmlns:p14="http://schemas.microsoft.com/office/powerpoint/2010/main" xmlns="" val="2072099023"/>
+        <p14:creationId xmlns:p14="http://schemas.microsoft.com/office/powerpoint/2010/main" val="2072099023"/>
       </p:ext>
     </p:extLst>
   </p:cSld>
@@ -26563,7 +32680,7 @@
     </p:spTree>
     <p:extLst>
       <p:ext uri="{BB962C8B-B14F-4D97-AF65-F5344CB8AC3E}">
-        <p14:creationId xmlns:p14="http://schemas.microsoft.com/office/powerpoint/2010/main" xmlns="" val="2089933483"/>
+        <p14:creationId xmlns:p14="http://schemas.microsoft.com/office/powerpoint/2010/main" val="2089933483"/>
       </p:ext>
     </p:extLst>
   </p:cSld>
@@ -26769,7 +32886,7 @@
     </p:spTree>
     <p:extLst>
       <p:ext uri="{BB962C8B-B14F-4D97-AF65-F5344CB8AC3E}">
-        <p14:creationId xmlns:p14="http://schemas.microsoft.com/office/powerpoint/2010/main" xmlns="" val="3982494526"/>
+        <p14:creationId xmlns:p14="http://schemas.microsoft.com/office/powerpoint/2010/main" val="3982494526"/>
       </p:ext>
     </p:extLst>
   </p:cSld>
@@ -27034,7 +33151,7 @@
   <a:extraClrSchemeLst/>
   <a:extLst>
     <a:ext uri="{05A4C25C-085E-4340-85A3-A5531E510DB2}">
-      <thm15:themeFamily xmlns:thm15="http://schemas.microsoft.com/office/thememl/2012/main" xmlns="" name="Office Theme" id="{62F939B6-93AF-4DB8-9C6B-D6C7DFDC589F}" vid="{4A3C46E8-61CC-4603-A589-7422A47A8E4A}"/>
+      <thm15:themeFamily xmlns:thm15="http://schemas.microsoft.com/office/thememl/2012/main" name="Office Theme" id="{62F939B6-93AF-4DB8-9C6B-D6C7DFDC589F}" vid="{4A3C46E8-61CC-4603-A589-7422A47A8E4A}"/>
     </a:ext>
   </a:extLst>
 </a:theme>
